--- a/literature/konsep pribadi/Presentation1.pptx
+++ b/literature/konsep pribadi/Presentation1.pptx
@@ -5,10 +5,10 @@
     <p:sldMasterId id="2147483672" r:id="rId4"/>
   </p:sldMasterIdLst>
   <p:notesMasterIdLst>
-    <p:notesMasterId r:id="rId15"/>
+    <p:notesMasterId r:id="rId17"/>
   </p:notesMasterIdLst>
   <p:handoutMasterIdLst>
-    <p:handoutMasterId r:id="rId16"/>
+    <p:handoutMasterId r:id="rId18"/>
   </p:handoutMasterIdLst>
   <p:sldIdLst>
     <p:sldId id="262" r:id="rId5"/>
@@ -17,10 +17,12 @@
     <p:sldId id="269" r:id="rId8"/>
     <p:sldId id="271" r:id="rId9"/>
     <p:sldId id="272" r:id="rId10"/>
-    <p:sldId id="258" r:id="rId11"/>
-    <p:sldId id="259" r:id="rId12"/>
-    <p:sldId id="260" r:id="rId13"/>
-    <p:sldId id="263" r:id="rId14"/>
+    <p:sldId id="273" r:id="rId11"/>
+    <p:sldId id="274" r:id="rId12"/>
+    <p:sldId id="275" r:id="rId13"/>
+    <p:sldId id="276" r:id="rId14"/>
+    <p:sldId id="260" r:id="rId15"/>
+    <p:sldId id="263" r:id="rId16"/>
   </p:sldIdLst>
   <p:sldSz cx="12192000" cy="6858000"/>
   <p:notesSz cx="6858000" cy="9144000"/>
@@ -130,12 +132,14 @@
             <p14:sldId id="269"/>
             <p14:sldId id="271"/>
             <p14:sldId id="272"/>
-            <p14:sldId id="258"/>
-            <p14:sldId id="259"/>
+            <p14:sldId id="273"/>
+            <p14:sldId id="274"/>
+            <p14:sldId id="275"/>
+            <p14:sldId id="276"/>
             <p14:sldId id="260"/>
           </p14:sldIdLst>
         </p14:section>
-        <p14:section name="Detail Penjelasan" id="{7F25478A-967B-48A8-A937-6248841F9D60}">
+        <p14:section name="Penjelasan CNN" id="{7F25478A-967B-48A8-A937-6248841F9D60}">
           <p14:sldIdLst>
             <p14:sldId id="263"/>
           </p14:sldIdLst>
@@ -1920,3826 +1924,6 @@
 </cs:chartStyle>
 </file>
 
-<file path=ppt/diagrams/colors1.xml><?xml version="1.0" encoding="utf-8"?>
-<dgm:colorsDef xmlns:dgm="http://schemas.openxmlformats.org/drawingml/2006/diagram" xmlns:a="http://schemas.openxmlformats.org/drawingml/2006/main" uniqueId="urn:microsoft.com/office/officeart/2005/8/colors/accent2_2">
-  <dgm:title val=""/>
-  <dgm:desc val=""/>
-  <dgm:catLst>
-    <dgm:cat type="accent2" pri="11200"/>
-  </dgm:catLst>
-  <dgm:styleLbl name="node0">
-    <dgm:fillClrLst meth="repeat">
-      <a:schemeClr val="accent2"/>
-    </dgm:fillClrLst>
-    <dgm:linClrLst meth="repeat">
-      <a:schemeClr val="lt1"/>
-    </dgm:linClrLst>
-    <dgm:effectClrLst/>
-    <dgm:txLinClrLst/>
-    <dgm:txFillClrLst/>
-    <dgm:txEffectClrLst/>
-  </dgm:styleLbl>
-  <dgm:styleLbl name="node1">
-    <dgm:fillClrLst meth="repeat">
-      <a:schemeClr val="accent2"/>
-    </dgm:fillClrLst>
-    <dgm:linClrLst meth="repeat">
-      <a:schemeClr val="lt1"/>
-    </dgm:linClrLst>
-    <dgm:effectClrLst/>
-    <dgm:txLinClrLst/>
-    <dgm:txFillClrLst/>
-    <dgm:txEffectClrLst/>
-  </dgm:styleLbl>
-  <dgm:styleLbl name="alignNode1">
-    <dgm:fillClrLst meth="repeat">
-      <a:schemeClr val="accent2"/>
-    </dgm:fillClrLst>
-    <dgm:linClrLst meth="repeat">
-      <a:schemeClr val="accent2"/>
-    </dgm:linClrLst>
-    <dgm:effectClrLst/>
-    <dgm:txLinClrLst/>
-    <dgm:txFillClrLst/>
-    <dgm:txEffectClrLst/>
-  </dgm:styleLbl>
-  <dgm:styleLbl name="lnNode1">
-    <dgm:fillClrLst meth="repeat">
-      <a:schemeClr val="accent2"/>
-    </dgm:fillClrLst>
-    <dgm:linClrLst meth="repeat">
-      <a:schemeClr val="lt1"/>
-    </dgm:linClrLst>
-    <dgm:effectClrLst/>
-    <dgm:txLinClrLst/>
-    <dgm:txFillClrLst/>
-    <dgm:txEffectClrLst/>
-  </dgm:styleLbl>
-  <dgm:styleLbl name="vennNode1">
-    <dgm:fillClrLst meth="repeat">
-      <a:schemeClr val="accent2">
-        <a:alpha val="50000"/>
-      </a:schemeClr>
-    </dgm:fillClrLst>
-    <dgm:linClrLst meth="repeat">
-      <a:schemeClr val="lt1"/>
-    </dgm:linClrLst>
-    <dgm:effectClrLst/>
-    <dgm:txLinClrLst/>
-    <dgm:txFillClrLst/>
-    <dgm:txEffectClrLst/>
-  </dgm:styleLbl>
-  <dgm:styleLbl name="node2">
-    <dgm:fillClrLst meth="repeat">
-      <a:schemeClr val="accent2"/>
-    </dgm:fillClrLst>
-    <dgm:linClrLst meth="repeat">
-      <a:schemeClr val="lt1"/>
-    </dgm:linClrLst>
-    <dgm:effectClrLst/>
-    <dgm:txLinClrLst/>
-    <dgm:txFillClrLst/>
-    <dgm:txEffectClrLst/>
-  </dgm:styleLbl>
-  <dgm:styleLbl name="node3">
-    <dgm:fillClrLst meth="repeat">
-      <a:schemeClr val="accent2"/>
-    </dgm:fillClrLst>
-    <dgm:linClrLst meth="repeat">
-      <a:schemeClr val="lt1"/>
-    </dgm:linClrLst>
-    <dgm:effectClrLst/>
-    <dgm:txLinClrLst/>
-    <dgm:txFillClrLst/>
-    <dgm:txEffectClrLst/>
-  </dgm:styleLbl>
-  <dgm:styleLbl name="node4">
-    <dgm:fillClrLst meth="repeat">
-      <a:schemeClr val="accent2"/>
-    </dgm:fillClrLst>
-    <dgm:linClrLst meth="repeat">
-      <a:schemeClr val="lt1"/>
-    </dgm:linClrLst>
-    <dgm:effectClrLst/>
-    <dgm:txLinClrLst/>
-    <dgm:txFillClrLst/>
-    <dgm:txEffectClrLst/>
-  </dgm:styleLbl>
-  <dgm:styleLbl name="fgImgPlace1">
-    <dgm:fillClrLst meth="repeat">
-      <a:schemeClr val="accent2">
-        <a:tint val="50000"/>
-      </a:schemeClr>
-    </dgm:fillClrLst>
-    <dgm:linClrLst meth="repeat">
-      <a:schemeClr val="lt1"/>
-    </dgm:linClrLst>
-    <dgm:effectClrLst/>
-    <dgm:txLinClrLst/>
-    <dgm:txFillClrLst meth="repeat">
-      <a:schemeClr val="lt1"/>
-    </dgm:txFillClrLst>
-    <dgm:txEffectClrLst/>
-  </dgm:styleLbl>
-  <dgm:styleLbl name="alignImgPlace1">
-    <dgm:fillClrLst meth="repeat">
-      <a:schemeClr val="accent2">
-        <a:tint val="50000"/>
-      </a:schemeClr>
-    </dgm:fillClrLst>
-    <dgm:linClrLst meth="repeat">
-      <a:schemeClr val="lt1"/>
-    </dgm:linClrLst>
-    <dgm:effectClrLst/>
-    <dgm:txLinClrLst/>
-    <dgm:txFillClrLst meth="repeat">
-      <a:schemeClr val="lt1"/>
-    </dgm:txFillClrLst>
-    <dgm:txEffectClrLst/>
-  </dgm:styleLbl>
-  <dgm:styleLbl name="bgImgPlace1">
-    <dgm:fillClrLst meth="repeat">
-      <a:schemeClr val="accent2">
-        <a:tint val="50000"/>
-      </a:schemeClr>
-    </dgm:fillClrLst>
-    <dgm:linClrLst meth="repeat">
-      <a:schemeClr val="lt1"/>
-    </dgm:linClrLst>
-    <dgm:effectClrLst/>
-    <dgm:txLinClrLst/>
-    <dgm:txFillClrLst meth="repeat">
-      <a:schemeClr val="lt1"/>
-    </dgm:txFillClrLst>
-    <dgm:txEffectClrLst/>
-  </dgm:styleLbl>
-  <dgm:styleLbl name="sibTrans2D1">
-    <dgm:fillClrLst meth="repeat">
-      <a:schemeClr val="accent2">
-        <a:tint val="60000"/>
-      </a:schemeClr>
-    </dgm:fillClrLst>
-    <dgm:linClrLst meth="repeat">
-      <a:schemeClr val="accent2">
-        <a:tint val="60000"/>
-      </a:schemeClr>
-    </dgm:linClrLst>
-    <dgm:effectClrLst/>
-    <dgm:txLinClrLst/>
-    <dgm:txFillClrLst/>
-    <dgm:txEffectClrLst/>
-  </dgm:styleLbl>
-  <dgm:styleLbl name="fgSibTrans2D1">
-    <dgm:fillClrLst meth="repeat">
-      <a:schemeClr val="accent2">
-        <a:tint val="60000"/>
-      </a:schemeClr>
-    </dgm:fillClrLst>
-    <dgm:linClrLst meth="repeat">
-      <a:schemeClr val="accent2">
-        <a:tint val="60000"/>
-      </a:schemeClr>
-    </dgm:linClrLst>
-    <dgm:effectClrLst/>
-    <dgm:txLinClrLst/>
-    <dgm:txFillClrLst/>
-    <dgm:txEffectClrLst/>
-  </dgm:styleLbl>
-  <dgm:styleLbl name="bgSibTrans2D1">
-    <dgm:fillClrLst meth="repeat">
-      <a:schemeClr val="accent2">
-        <a:tint val="60000"/>
-      </a:schemeClr>
-    </dgm:fillClrLst>
-    <dgm:linClrLst meth="repeat">
-      <a:schemeClr val="accent2">
-        <a:tint val="60000"/>
-      </a:schemeClr>
-    </dgm:linClrLst>
-    <dgm:effectClrLst/>
-    <dgm:txLinClrLst/>
-    <dgm:txFillClrLst/>
-    <dgm:txEffectClrLst/>
-  </dgm:styleLbl>
-  <dgm:styleLbl name="sibTrans1D1">
-    <dgm:fillClrLst meth="repeat">
-      <a:schemeClr val="accent2"/>
-    </dgm:fillClrLst>
-    <dgm:linClrLst meth="repeat">
-      <a:schemeClr val="accent2"/>
-    </dgm:linClrLst>
-    <dgm:effectClrLst/>
-    <dgm:txLinClrLst/>
-    <dgm:txFillClrLst meth="repeat">
-      <a:schemeClr val="tx1"/>
-    </dgm:txFillClrLst>
-    <dgm:txEffectClrLst/>
-  </dgm:styleLbl>
-  <dgm:styleLbl name="callout">
-    <dgm:fillClrLst meth="repeat">
-      <a:schemeClr val="accent2"/>
-    </dgm:fillClrLst>
-    <dgm:linClrLst meth="repeat">
-      <a:schemeClr val="accent2">
-        <a:tint val="50000"/>
-      </a:schemeClr>
-    </dgm:linClrLst>
-    <dgm:effectClrLst/>
-    <dgm:txLinClrLst/>
-    <dgm:txFillClrLst meth="repeat">
-      <a:schemeClr val="tx1"/>
-    </dgm:txFillClrLst>
-    <dgm:txEffectClrLst/>
-  </dgm:styleLbl>
-  <dgm:styleLbl name="asst0">
-    <dgm:fillClrLst meth="repeat">
-      <a:schemeClr val="accent2"/>
-    </dgm:fillClrLst>
-    <dgm:linClrLst meth="repeat">
-      <a:schemeClr val="lt1"/>
-    </dgm:linClrLst>
-    <dgm:effectClrLst/>
-    <dgm:txLinClrLst/>
-    <dgm:txFillClrLst/>
-    <dgm:txEffectClrLst/>
-  </dgm:styleLbl>
-  <dgm:styleLbl name="asst1">
-    <dgm:fillClrLst meth="repeat">
-      <a:schemeClr val="accent2"/>
-    </dgm:fillClrLst>
-    <dgm:linClrLst meth="repeat">
-      <a:schemeClr val="lt1"/>
-    </dgm:linClrLst>
-    <dgm:effectClrLst/>
-    <dgm:txLinClrLst/>
-    <dgm:txFillClrLst/>
-    <dgm:txEffectClrLst/>
-  </dgm:styleLbl>
-  <dgm:styleLbl name="asst2">
-    <dgm:fillClrLst meth="repeat">
-      <a:schemeClr val="accent2"/>
-    </dgm:fillClrLst>
-    <dgm:linClrLst meth="repeat">
-      <a:schemeClr val="lt1"/>
-    </dgm:linClrLst>
-    <dgm:effectClrLst/>
-    <dgm:txLinClrLst/>
-    <dgm:txFillClrLst/>
-    <dgm:txEffectClrLst/>
-  </dgm:styleLbl>
-  <dgm:styleLbl name="asst3">
-    <dgm:fillClrLst meth="repeat">
-      <a:schemeClr val="accent2"/>
-    </dgm:fillClrLst>
-    <dgm:linClrLst meth="repeat">
-      <a:schemeClr val="lt1"/>
-    </dgm:linClrLst>
-    <dgm:effectClrLst/>
-    <dgm:txLinClrLst/>
-    <dgm:txFillClrLst/>
-    <dgm:txEffectClrLst/>
-  </dgm:styleLbl>
-  <dgm:styleLbl name="asst4">
-    <dgm:fillClrLst meth="repeat">
-      <a:schemeClr val="accent2"/>
-    </dgm:fillClrLst>
-    <dgm:linClrLst meth="repeat">
-      <a:schemeClr val="lt1"/>
-    </dgm:linClrLst>
-    <dgm:effectClrLst/>
-    <dgm:txLinClrLst/>
-    <dgm:txFillClrLst/>
-    <dgm:txEffectClrLst/>
-  </dgm:styleLbl>
-  <dgm:styleLbl name="parChTrans2D1">
-    <dgm:fillClrLst meth="repeat">
-      <a:schemeClr val="accent2">
-        <a:tint val="60000"/>
-      </a:schemeClr>
-    </dgm:fillClrLst>
-    <dgm:linClrLst meth="repeat">
-      <a:schemeClr val="accent2">
-        <a:tint val="60000"/>
-      </a:schemeClr>
-    </dgm:linClrLst>
-    <dgm:effectClrLst/>
-    <dgm:txLinClrLst/>
-    <dgm:txFillClrLst meth="repeat">
-      <a:schemeClr val="lt1"/>
-    </dgm:txFillClrLst>
-    <dgm:txEffectClrLst/>
-  </dgm:styleLbl>
-  <dgm:styleLbl name="parChTrans2D2">
-    <dgm:fillClrLst meth="repeat">
-      <a:schemeClr val="accent2"/>
-    </dgm:fillClrLst>
-    <dgm:linClrLst meth="repeat">
-      <a:schemeClr val="accent2"/>
-    </dgm:linClrLst>
-    <dgm:effectClrLst/>
-    <dgm:txLinClrLst/>
-    <dgm:txFillClrLst meth="repeat">
-      <a:schemeClr val="lt1"/>
-    </dgm:txFillClrLst>
-    <dgm:txEffectClrLst/>
-  </dgm:styleLbl>
-  <dgm:styleLbl name="parChTrans2D3">
-    <dgm:fillClrLst meth="repeat">
-      <a:schemeClr val="accent2"/>
-    </dgm:fillClrLst>
-    <dgm:linClrLst meth="repeat">
-      <a:schemeClr val="accent2"/>
-    </dgm:linClrLst>
-    <dgm:effectClrLst/>
-    <dgm:txLinClrLst/>
-    <dgm:txFillClrLst meth="repeat">
-      <a:schemeClr val="lt1"/>
-    </dgm:txFillClrLst>
-    <dgm:txEffectClrLst/>
-  </dgm:styleLbl>
-  <dgm:styleLbl name="parChTrans2D4">
-    <dgm:fillClrLst meth="repeat">
-      <a:schemeClr val="accent2"/>
-    </dgm:fillClrLst>
-    <dgm:linClrLst meth="repeat">
-      <a:schemeClr val="accent2"/>
-    </dgm:linClrLst>
-    <dgm:effectClrLst/>
-    <dgm:txLinClrLst/>
-    <dgm:txFillClrLst meth="repeat">
-      <a:schemeClr val="lt1"/>
-    </dgm:txFillClrLst>
-    <dgm:txEffectClrLst/>
-  </dgm:styleLbl>
-  <dgm:styleLbl name="parChTrans1D1">
-    <dgm:fillClrLst meth="repeat">
-      <a:schemeClr val="accent2"/>
-    </dgm:fillClrLst>
-    <dgm:linClrLst meth="repeat">
-      <a:schemeClr val="accent2">
-        <a:shade val="60000"/>
-      </a:schemeClr>
-    </dgm:linClrLst>
-    <dgm:effectClrLst/>
-    <dgm:txLinClrLst/>
-    <dgm:txFillClrLst meth="repeat">
-      <a:schemeClr val="tx1"/>
-    </dgm:txFillClrLst>
-    <dgm:txEffectClrLst/>
-  </dgm:styleLbl>
-  <dgm:styleLbl name="parChTrans1D2">
-    <dgm:fillClrLst meth="repeat">
-      <a:schemeClr val="accent2"/>
-    </dgm:fillClrLst>
-    <dgm:linClrLst meth="repeat">
-      <a:schemeClr val="accent2">
-        <a:shade val="60000"/>
-      </a:schemeClr>
-    </dgm:linClrLst>
-    <dgm:effectClrLst/>
-    <dgm:txLinClrLst/>
-    <dgm:txFillClrLst meth="repeat">
-      <a:schemeClr val="tx1"/>
-    </dgm:txFillClrLst>
-    <dgm:txEffectClrLst/>
-  </dgm:styleLbl>
-  <dgm:styleLbl name="parChTrans1D3">
-    <dgm:fillClrLst meth="repeat">
-      <a:schemeClr val="accent2"/>
-    </dgm:fillClrLst>
-    <dgm:linClrLst meth="repeat">
-      <a:schemeClr val="accent2">
-        <a:shade val="80000"/>
-      </a:schemeClr>
-    </dgm:linClrLst>
-    <dgm:effectClrLst/>
-    <dgm:txLinClrLst/>
-    <dgm:txFillClrLst meth="repeat">
-      <a:schemeClr val="tx1"/>
-    </dgm:txFillClrLst>
-    <dgm:txEffectClrLst/>
-  </dgm:styleLbl>
-  <dgm:styleLbl name="parChTrans1D4">
-    <dgm:fillClrLst meth="repeat">
-      <a:schemeClr val="accent2"/>
-    </dgm:fillClrLst>
-    <dgm:linClrLst meth="repeat">
-      <a:schemeClr val="accent2">
-        <a:shade val="80000"/>
-      </a:schemeClr>
-    </dgm:linClrLst>
-    <dgm:effectClrLst/>
-    <dgm:txLinClrLst/>
-    <dgm:txFillClrLst meth="repeat">
-      <a:schemeClr val="tx1"/>
-    </dgm:txFillClrLst>
-    <dgm:txEffectClrLst/>
-  </dgm:styleLbl>
-  <dgm:styleLbl name="fgAcc1">
-    <dgm:fillClrLst meth="repeat">
-      <a:schemeClr val="lt1">
-        <a:alpha val="90000"/>
-      </a:schemeClr>
-    </dgm:fillClrLst>
-    <dgm:linClrLst meth="repeat">
-      <a:schemeClr val="accent2"/>
-    </dgm:linClrLst>
-    <dgm:effectClrLst/>
-    <dgm:txLinClrLst/>
-    <dgm:txFillClrLst meth="repeat">
-      <a:schemeClr val="dk1"/>
-    </dgm:txFillClrLst>
-    <dgm:txEffectClrLst/>
-  </dgm:styleLbl>
-  <dgm:styleLbl name="conFgAcc1">
-    <dgm:fillClrLst meth="repeat">
-      <a:schemeClr val="lt1">
-        <a:alpha val="90000"/>
-      </a:schemeClr>
-    </dgm:fillClrLst>
-    <dgm:linClrLst meth="repeat">
-      <a:schemeClr val="accent2"/>
-    </dgm:linClrLst>
-    <dgm:effectClrLst/>
-    <dgm:txLinClrLst/>
-    <dgm:txFillClrLst meth="repeat">
-      <a:schemeClr val="dk1"/>
-    </dgm:txFillClrLst>
-    <dgm:txEffectClrLst/>
-  </dgm:styleLbl>
-  <dgm:styleLbl name="alignAcc1">
-    <dgm:fillClrLst meth="repeat">
-      <a:schemeClr val="lt1">
-        <a:alpha val="90000"/>
-      </a:schemeClr>
-    </dgm:fillClrLst>
-    <dgm:linClrLst meth="repeat">
-      <a:schemeClr val="accent2"/>
-    </dgm:linClrLst>
-    <dgm:effectClrLst/>
-    <dgm:txLinClrLst/>
-    <dgm:txFillClrLst meth="repeat">
-      <a:schemeClr val="dk1"/>
-    </dgm:txFillClrLst>
-    <dgm:txEffectClrLst/>
-  </dgm:styleLbl>
-  <dgm:styleLbl name="trAlignAcc1">
-    <dgm:fillClrLst meth="repeat">
-      <a:schemeClr val="lt1">
-        <a:alpha val="40000"/>
-      </a:schemeClr>
-    </dgm:fillClrLst>
-    <dgm:linClrLst meth="repeat">
-      <a:schemeClr val="accent2"/>
-    </dgm:linClrLst>
-    <dgm:effectClrLst/>
-    <dgm:txLinClrLst/>
-    <dgm:txFillClrLst meth="repeat">
-      <a:schemeClr val="dk1"/>
-    </dgm:txFillClrLst>
-    <dgm:txEffectClrLst/>
-  </dgm:styleLbl>
-  <dgm:styleLbl name="bgAcc1">
-    <dgm:fillClrLst meth="repeat">
-      <a:schemeClr val="lt1">
-        <a:alpha val="90000"/>
-      </a:schemeClr>
-    </dgm:fillClrLst>
-    <dgm:linClrLst meth="repeat">
-      <a:schemeClr val="accent2"/>
-    </dgm:linClrLst>
-    <dgm:effectClrLst/>
-    <dgm:txLinClrLst/>
-    <dgm:txFillClrLst meth="repeat">
-      <a:schemeClr val="dk1"/>
-    </dgm:txFillClrLst>
-    <dgm:txEffectClrLst/>
-  </dgm:styleLbl>
-  <dgm:styleLbl name="solidFgAcc1">
-    <dgm:fillClrLst meth="repeat">
-      <a:schemeClr val="lt1"/>
-    </dgm:fillClrLst>
-    <dgm:linClrLst meth="repeat">
-      <a:schemeClr val="accent2"/>
-    </dgm:linClrLst>
-    <dgm:effectClrLst/>
-    <dgm:txLinClrLst/>
-    <dgm:txFillClrLst meth="repeat">
-      <a:schemeClr val="dk1"/>
-    </dgm:txFillClrLst>
-    <dgm:txEffectClrLst/>
-  </dgm:styleLbl>
-  <dgm:styleLbl name="solidAlignAcc1">
-    <dgm:fillClrLst meth="repeat">
-      <a:schemeClr val="lt1"/>
-    </dgm:fillClrLst>
-    <dgm:linClrLst meth="repeat">
-      <a:schemeClr val="accent2"/>
-    </dgm:linClrLst>
-    <dgm:effectClrLst/>
-    <dgm:txLinClrLst/>
-    <dgm:txFillClrLst meth="repeat">
-      <a:schemeClr val="dk1"/>
-    </dgm:txFillClrLst>
-    <dgm:txEffectClrLst/>
-  </dgm:styleLbl>
-  <dgm:styleLbl name="solidBgAcc1">
-    <dgm:fillClrLst meth="repeat">
-      <a:schemeClr val="lt1"/>
-    </dgm:fillClrLst>
-    <dgm:linClrLst meth="repeat">
-      <a:schemeClr val="accent2"/>
-    </dgm:linClrLst>
-    <dgm:effectClrLst/>
-    <dgm:txLinClrLst/>
-    <dgm:txFillClrLst meth="repeat">
-      <a:schemeClr val="dk1"/>
-    </dgm:txFillClrLst>
-    <dgm:txEffectClrLst/>
-  </dgm:styleLbl>
-  <dgm:styleLbl name="fgAccFollowNode1">
-    <dgm:fillClrLst meth="repeat">
-      <a:schemeClr val="accent2">
-        <a:alpha val="90000"/>
-        <a:tint val="40000"/>
-      </a:schemeClr>
-    </dgm:fillClrLst>
-    <dgm:linClrLst meth="repeat">
-      <a:schemeClr val="accent2">
-        <a:alpha val="90000"/>
-        <a:tint val="40000"/>
-      </a:schemeClr>
-    </dgm:linClrLst>
-    <dgm:effectClrLst/>
-    <dgm:txLinClrLst/>
-    <dgm:txFillClrLst meth="repeat">
-      <a:schemeClr val="dk1"/>
-    </dgm:txFillClrLst>
-    <dgm:txEffectClrLst/>
-  </dgm:styleLbl>
-  <dgm:styleLbl name="alignAccFollowNode1">
-    <dgm:fillClrLst meth="repeat">
-      <a:schemeClr val="accent2">
-        <a:alpha val="90000"/>
-        <a:tint val="40000"/>
-      </a:schemeClr>
-    </dgm:fillClrLst>
-    <dgm:linClrLst meth="repeat">
-      <a:schemeClr val="accent2">
-        <a:alpha val="90000"/>
-        <a:tint val="40000"/>
-      </a:schemeClr>
-    </dgm:linClrLst>
-    <dgm:effectClrLst/>
-    <dgm:txLinClrLst/>
-    <dgm:txFillClrLst meth="repeat">
-      <a:schemeClr val="dk1"/>
-    </dgm:txFillClrLst>
-    <dgm:txEffectClrLst/>
-  </dgm:styleLbl>
-  <dgm:styleLbl name="bgAccFollowNode1">
-    <dgm:fillClrLst meth="repeat">
-      <a:schemeClr val="accent2">
-        <a:alpha val="90000"/>
-        <a:tint val="40000"/>
-      </a:schemeClr>
-    </dgm:fillClrLst>
-    <dgm:linClrLst meth="repeat">
-      <a:schemeClr val="accent2">
-        <a:alpha val="90000"/>
-        <a:tint val="40000"/>
-      </a:schemeClr>
-    </dgm:linClrLst>
-    <dgm:effectClrLst/>
-    <dgm:txLinClrLst/>
-    <dgm:txFillClrLst meth="repeat">
-      <a:schemeClr val="dk1"/>
-    </dgm:txFillClrLst>
-    <dgm:txEffectClrLst/>
-  </dgm:styleLbl>
-  <dgm:styleLbl name="fgAcc0">
-    <dgm:fillClrLst meth="repeat">
-      <a:schemeClr val="lt1">
-        <a:alpha val="90000"/>
-      </a:schemeClr>
-    </dgm:fillClrLst>
-    <dgm:linClrLst meth="repeat">
-      <a:schemeClr val="accent2"/>
-    </dgm:linClrLst>
-    <dgm:effectClrLst/>
-    <dgm:txLinClrLst/>
-    <dgm:txFillClrLst meth="repeat">
-      <a:schemeClr val="dk1"/>
-    </dgm:txFillClrLst>
-    <dgm:txEffectClrLst/>
-  </dgm:styleLbl>
-  <dgm:styleLbl name="fgAcc2">
-    <dgm:fillClrLst meth="repeat">
-      <a:schemeClr val="lt1">
-        <a:alpha val="90000"/>
-      </a:schemeClr>
-    </dgm:fillClrLst>
-    <dgm:linClrLst meth="repeat">
-      <a:schemeClr val="accent2"/>
-    </dgm:linClrLst>
-    <dgm:effectClrLst/>
-    <dgm:txLinClrLst/>
-    <dgm:txFillClrLst meth="repeat">
-      <a:schemeClr val="dk1"/>
-    </dgm:txFillClrLst>
-    <dgm:txEffectClrLst/>
-  </dgm:styleLbl>
-  <dgm:styleLbl name="fgAcc3">
-    <dgm:fillClrLst meth="repeat">
-      <a:schemeClr val="lt1">
-        <a:alpha val="90000"/>
-      </a:schemeClr>
-    </dgm:fillClrLst>
-    <dgm:linClrLst meth="repeat">
-      <a:schemeClr val="accent2"/>
-    </dgm:linClrLst>
-    <dgm:effectClrLst/>
-    <dgm:txLinClrLst/>
-    <dgm:txFillClrLst meth="repeat">
-      <a:schemeClr val="dk1"/>
-    </dgm:txFillClrLst>
-    <dgm:txEffectClrLst/>
-  </dgm:styleLbl>
-  <dgm:styleLbl name="fgAcc4">
-    <dgm:fillClrLst meth="repeat">
-      <a:schemeClr val="lt1">
-        <a:alpha val="90000"/>
-      </a:schemeClr>
-    </dgm:fillClrLst>
-    <dgm:linClrLst meth="repeat">
-      <a:schemeClr val="accent2"/>
-    </dgm:linClrLst>
-    <dgm:effectClrLst/>
-    <dgm:txLinClrLst/>
-    <dgm:txFillClrLst meth="repeat">
-      <a:schemeClr val="dk1"/>
-    </dgm:txFillClrLst>
-    <dgm:txEffectClrLst/>
-  </dgm:styleLbl>
-  <dgm:styleLbl name="bgShp">
-    <dgm:fillClrLst meth="repeat">
-      <a:schemeClr val="accent2">
-        <a:tint val="40000"/>
-      </a:schemeClr>
-    </dgm:fillClrLst>
-    <dgm:linClrLst meth="repeat">
-      <a:schemeClr val="accent2"/>
-    </dgm:linClrLst>
-    <dgm:effectClrLst/>
-    <dgm:txLinClrLst/>
-    <dgm:txFillClrLst meth="repeat">
-      <a:schemeClr val="dk1"/>
-    </dgm:txFillClrLst>
-    <dgm:txEffectClrLst/>
-  </dgm:styleLbl>
-  <dgm:styleLbl name="dkBgShp">
-    <dgm:fillClrLst meth="repeat">
-      <a:schemeClr val="accent2">
-        <a:shade val="80000"/>
-      </a:schemeClr>
-    </dgm:fillClrLst>
-    <dgm:linClrLst meth="repeat">
-      <a:schemeClr val="accent2"/>
-    </dgm:linClrLst>
-    <dgm:effectClrLst/>
-    <dgm:txLinClrLst/>
-    <dgm:txFillClrLst meth="repeat">
-      <a:schemeClr val="lt1"/>
-    </dgm:txFillClrLst>
-    <dgm:txEffectClrLst/>
-  </dgm:styleLbl>
-  <dgm:styleLbl name="trBgShp">
-    <dgm:fillClrLst meth="repeat">
-      <a:schemeClr val="accent2">
-        <a:tint val="50000"/>
-        <a:alpha val="40000"/>
-      </a:schemeClr>
-    </dgm:fillClrLst>
-    <dgm:linClrLst meth="repeat">
-      <a:schemeClr val="accent2"/>
-    </dgm:linClrLst>
-    <dgm:effectClrLst/>
-    <dgm:txLinClrLst/>
-    <dgm:txFillClrLst meth="repeat">
-      <a:schemeClr val="lt1"/>
-    </dgm:txFillClrLst>
-    <dgm:txEffectClrLst/>
-  </dgm:styleLbl>
-  <dgm:styleLbl name="fgShp">
-    <dgm:fillClrLst meth="repeat">
-      <a:schemeClr val="accent2">
-        <a:tint val="60000"/>
-      </a:schemeClr>
-    </dgm:fillClrLst>
-    <dgm:linClrLst meth="repeat">
-      <a:schemeClr val="lt1"/>
-    </dgm:linClrLst>
-    <dgm:effectClrLst/>
-    <dgm:txLinClrLst/>
-    <dgm:txFillClrLst meth="repeat">
-      <a:schemeClr val="dk1"/>
-    </dgm:txFillClrLst>
-    <dgm:txEffectClrLst/>
-  </dgm:styleLbl>
-  <dgm:styleLbl name="revTx">
-    <dgm:fillClrLst meth="repeat">
-      <a:schemeClr val="lt1">
-        <a:alpha val="0"/>
-      </a:schemeClr>
-    </dgm:fillClrLst>
-    <dgm:linClrLst meth="repeat">
-      <a:schemeClr val="dk1">
-        <a:alpha val="0"/>
-      </a:schemeClr>
-    </dgm:linClrLst>
-    <dgm:effectClrLst/>
-    <dgm:txLinClrLst/>
-    <dgm:txFillClrLst meth="repeat">
-      <a:schemeClr val="tx1"/>
-    </dgm:txFillClrLst>
-    <dgm:txEffectClrLst/>
-  </dgm:styleLbl>
-</dgm:colorsDef>
-</file>
-
-<file path=ppt/diagrams/data1.xml><?xml version="1.0" encoding="utf-8"?>
-<dgm:dataModel xmlns:dgm="http://schemas.openxmlformats.org/drawingml/2006/diagram" xmlns:a="http://schemas.openxmlformats.org/drawingml/2006/main">
-  <dgm:ptLst>
-    <dgm:pt modelId="{7E5AA53B-3EEE-4DE4-BB81-9044890C2946}" type="doc">
-      <dgm:prSet loTypeId="urn:microsoft.com/office/officeart/2008/layout/VerticalCurvedList" loCatId="list" qsTypeId="urn:microsoft.com/office/officeart/2005/8/quickstyle/simple4" qsCatId="simple" csTypeId="urn:microsoft.com/office/officeart/2005/8/colors/accent2_2" csCatId="accent2" phldr="1"/>
-      <dgm:spPr/>
-      <dgm:t>
-        <a:bodyPr/>
-        <a:lstStyle/>
-        <a:p>
-          <a:endParaRPr lang="en-US"/>
-        </a:p>
-      </dgm:t>
-    </dgm:pt>
-    <dgm:pt modelId="{6750AC01-D39D-4F3A-9DC8-2A211EE986A2}">
-      <dgm:prSet phldrT="[Text]"/>
-      <dgm:spPr/>
-      <dgm:t>
-        <a:bodyPr/>
-        <a:lstStyle/>
-        <a:p>
-          <a:pPr>
-            <a:lnSpc>
-              <a:spcPct val="100000"/>
-            </a:lnSpc>
-          </a:pPr>
-          <a:r>
-            <a:rPr lang="en-US" dirty="0"/>
-            <a:t>Cloud	</a:t>
-          </a:r>
-        </a:p>
-      </dgm:t>
-    </dgm:pt>
-    <dgm:pt modelId="{720680DC-AAA4-4434-A582-60EBCC5BA355}" type="parTrans" cxnId="{0B5DAE5F-BCDC-4BF7-A6E7-CF856886A64D}">
-      <dgm:prSet/>
-      <dgm:spPr/>
-      <dgm:t>
-        <a:bodyPr/>
-        <a:lstStyle/>
-        <a:p>
-          <a:endParaRPr lang="en-US"/>
-        </a:p>
-      </dgm:t>
-    </dgm:pt>
-    <dgm:pt modelId="{CA077D98-8478-47EA-B6A9-99ACE60C64D4}" type="sibTrans" cxnId="{0B5DAE5F-BCDC-4BF7-A6E7-CF856886A64D}">
-      <dgm:prSet/>
-      <dgm:spPr/>
-      <dgm:t>
-        <a:bodyPr/>
-        <a:lstStyle/>
-        <a:p>
-          <a:endParaRPr lang="en-US"/>
-        </a:p>
-      </dgm:t>
-    </dgm:pt>
-    <dgm:pt modelId="{0BEF68B8-1228-47BB-83B5-7B9CD1E3F84E}">
-      <dgm:prSet phldrT="[Text]"/>
-      <dgm:spPr/>
-      <dgm:t>
-        <a:bodyPr/>
-        <a:lstStyle/>
-        <a:p>
-          <a:pPr>
-            <a:lnSpc>
-              <a:spcPct val="100000"/>
-            </a:lnSpc>
-          </a:pPr>
-          <a:r>
-            <a:rPr lang="en-US" dirty="0"/>
-            <a:t>Local</a:t>
-          </a:r>
-        </a:p>
-      </dgm:t>
-    </dgm:pt>
-    <dgm:pt modelId="{ED3A4BC2-B75A-4952-A38B-A42B5995DF05}" type="parTrans" cxnId="{EDEF4F82-1237-4639-A0F7-385C1897CE66}">
-      <dgm:prSet/>
-      <dgm:spPr/>
-      <dgm:t>
-        <a:bodyPr/>
-        <a:lstStyle/>
-        <a:p>
-          <a:endParaRPr lang="en-US"/>
-        </a:p>
-      </dgm:t>
-    </dgm:pt>
-    <dgm:pt modelId="{FD949706-EDCC-4ADC-8EDF-8EDA49C92325}" type="sibTrans" cxnId="{EDEF4F82-1237-4639-A0F7-385C1897CE66}">
-      <dgm:prSet/>
-      <dgm:spPr/>
-      <dgm:t>
-        <a:bodyPr/>
-        <a:lstStyle/>
-        <a:p>
-          <a:endParaRPr lang="en-US"/>
-        </a:p>
-      </dgm:t>
-    </dgm:pt>
-    <dgm:pt modelId="{5605D28D-2CE6-4513-8566-952984E21E14}">
-      <dgm:prSet phldrT="[Text]"/>
-      <dgm:spPr/>
-      <dgm:t>
-        <a:bodyPr/>
-        <a:lstStyle/>
-        <a:p>
-          <a:pPr>
-            <a:lnSpc>
-              <a:spcPct val="100000"/>
-            </a:lnSpc>
-          </a:pPr>
-          <a:r>
-            <a:rPr lang="en-US" dirty="0"/>
-            <a:t>Hybrid</a:t>
-          </a:r>
-        </a:p>
-      </dgm:t>
-    </dgm:pt>
-    <dgm:pt modelId="{EB15AB98-362B-4E70-A3DA-995FC3E8BA79}" type="parTrans" cxnId="{FAF3F884-F0CF-440F-8CB1-B7648AB1B138}">
-      <dgm:prSet/>
-      <dgm:spPr/>
-      <dgm:t>
-        <a:bodyPr/>
-        <a:lstStyle/>
-        <a:p>
-          <a:endParaRPr lang="en-US"/>
-        </a:p>
-      </dgm:t>
-    </dgm:pt>
-    <dgm:pt modelId="{823D1971-2C4D-4EC5-A874-2F463DE37109}" type="sibTrans" cxnId="{FAF3F884-F0CF-440F-8CB1-B7648AB1B138}">
-      <dgm:prSet/>
-      <dgm:spPr/>
-      <dgm:t>
-        <a:bodyPr/>
-        <a:lstStyle/>
-        <a:p>
-          <a:endParaRPr lang="en-US"/>
-        </a:p>
-      </dgm:t>
-    </dgm:pt>
-    <dgm:pt modelId="{57806726-6E60-4ACC-9C1C-7DF9CC365A10}" type="pres">
-      <dgm:prSet presAssocID="{7E5AA53B-3EEE-4DE4-BB81-9044890C2946}" presName="Name0" presStyleCnt="0">
-        <dgm:presLayoutVars>
-          <dgm:chMax val="7"/>
-          <dgm:chPref val="7"/>
-          <dgm:dir/>
-        </dgm:presLayoutVars>
-      </dgm:prSet>
-      <dgm:spPr/>
-      <dgm:t>
-        <a:bodyPr/>
-        <a:lstStyle/>
-        <a:p>
-          <a:endParaRPr lang="en-US"/>
-        </a:p>
-      </dgm:t>
-    </dgm:pt>
-    <dgm:pt modelId="{90561C55-3C6E-4D53-85E1-2C50BCDDA392}" type="pres">
-      <dgm:prSet presAssocID="{7E5AA53B-3EEE-4DE4-BB81-9044890C2946}" presName="Name1" presStyleCnt="0"/>
-      <dgm:spPr/>
-    </dgm:pt>
-    <dgm:pt modelId="{B6CD42EC-5AD4-4004-AE5B-47EDA668DAA8}" type="pres">
-      <dgm:prSet presAssocID="{7E5AA53B-3EEE-4DE4-BB81-9044890C2946}" presName="cycle" presStyleCnt="0"/>
-      <dgm:spPr/>
-    </dgm:pt>
-    <dgm:pt modelId="{963B8EE3-40CC-4A0A-B420-D0BF920973CE}" type="pres">
-      <dgm:prSet presAssocID="{7E5AA53B-3EEE-4DE4-BB81-9044890C2946}" presName="srcNode" presStyleLbl="node1" presStyleIdx="0" presStyleCnt="3"/>
-      <dgm:spPr/>
-    </dgm:pt>
-    <dgm:pt modelId="{D79B43FC-100B-4A0D-A4D5-0D2D04B99064}" type="pres">
-      <dgm:prSet presAssocID="{7E5AA53B-3EEE-4DE4-BB81-9044890C2946}" presName="conn" presStyleLbl="parChTrans1D2" presStyleIdx="0" presStyleCnt="1"/>
-      <dgm:spPr/>
-      <dgm:t>
-        <a:bodyPr/>
-        <a:lstStyle/>
-        <a:p>
-          <a:endParaRPr lang="en-US"/>
-        </a:p>
-      </dgm:t>
-    </dgm:pt>
-    <dgm:pt modelId="{3CAD8DA1-8D53-445C-ACE8-D8449E4F0F55}" type="pres">
-      <dgm:prSet presAssocID="{7E5AA53B-3EEE-4DE4-BB81-9044890C2946}" presName="extraNode" presStyleLbl="node1" presStyleIdx="0" presStyleCnt="3"/>
-      <dgm:spPr/>
-    </dgm:pt>
-    <dgm:pt modelId="{429CABD1-4116-474B-81BF-735E2CA9DD00}" type="pres">
-      <dgm:prSet presAssocID="{7E5AA53B-3EEE-4DE4-BB81-9044890C2946}" presName="dstNode" presStyleLbl="node1" presStyleIdx="0" presStyleCnt="3"/>
-      <dgm:spPr/>
-    </dgm:pt>
-    <dgm:pt modelId="{58319267-C71E-43C9-94E1-827D0616C7A7}" type="pres">
-      <dgm:prSet presAssocID="{6750AC01-D39D-4F3A-9DC8-2A211EE986A2}" presName="text_1" presStyleLbl="node1" presStyleIdx="0" presStyleCnt="3">
-        <dgm:presLayoutVars>
-          <dgm:bulletEnabled val="1"/>
-        </dgm:presLayoutVars>
-      </dgm:prSet>
-      <dgm:spPr/>
-      <dgm:t>
-        <a:bodyPr/>
-        <a:lstStyle/>
-        <a:p>
-          <a:endParaRPr lang="en-US"/>
-        </a:p>
-      </dgm:t>
-    </dgm:pt>
-    <dgm:pt modelId="{79F9B8A9-2412-4B74-84A9-69422DB81CDC}" type="pres">
-      <dgm:prSet presAssocID="{6750AC01-D39D-4F3A-9DC8-2A211EE986A2}" presName="accent_1" presStyleCnt="0"/>
-      <dgm:spPr/>
-    </dgm:pt>
-    <dgm:pt modelId="{07CB3071-D555-47DA-A36A-69EB91531FD8}" type="pres">
-      <dgm:prSet presAssocID="{6750AC01-D39D-4F3A-9DC8-2A211EE986A2}" presName="accentRepeatNode" presStyleLbl="solidFgAcc1" presStyleIdx="0" presStyleCnt="3"/>
-      <dgm:spPr/>
-    </dgm:pt>
-    <dgm:pt modelId="{95DE6538-27BD-44AF-A1A8-CA8F6B10FDD2}" type="pres">
-      <dgm:prSet presAssocID="{0BEF68B8-1228-47BB-83B5-7B9CD1E3F84E}" presName="text_2" presStyleLbl="node1" presStyleIdx="1" presStyleCnt="3">
-        <dgm:presLayoutVars>
-          <dgm:bulletEnabled val="1"/>
-        </dgm:presLayoutVars>
-      </dgm:prSet>
-      <dgm:spPr/>
-      <dgm:t>
-        <a:bodyPr/>
-        <a:lstStyle/>
-        <a:p>
-          <a:endParaRPr lang="en-US"/>
-        </a:p>
-      </dgm:t>
-    </dgm:pt>
-    <dgm:pt modelId="{312BDEE8-85BD-4F02-B35B-2CC8E701C98B}" type="pres">
-      <dgm:prSet presAssocID="{0BEF68B8-1228-47BB-83B5-7B9CD1E3F84E}" presName="accent_2" presStyleCnt="0"/>
-      <dgm:spPr/>
-    </dgm:pt>
-    <dgm:pt modelId="{3F8116AC-FAC3-4E95-9865-93CCFEB191B9}" type="pres">
-      <dgm:prSet presAssocID="{0BEF68B8-1228-47BB-83B5-7B9CD1E3F84E}" presName="accentRepeatNode" presStyleLbl="solidFgAcc1" presStyleIdx="1" presStyleCnt="3"/>
-      <dgm:spPr/>
-    </dgm:pt>
-    <dgm:pt modelId="{E131CE4A-9776-44F4-BC03-867682E21374}" type="pres">
-      <dgm:prSet presAssocID="{5605D28D-2CE6-4513-8566-952984E21E14}" presName="text_3" presStyleLbl="node1" presStyleIdx="2" presStyleCnt="3">
-        <dgm:presLayoutVars>
-          <dgm:bulletEnabled val="1"/>
-        </dgm:presLayoutVars>
-      </dgm:prSet>
-      <dgm:spPr/>
-      <dgm:t>
-        <a:bodyPr/>
-        <a:lstStyle/>
-        <a:p>
-          <a:endParaRPr lang="en-US"/>
-        </a:p>
-      </dgm:t>
-    </dgm:pt>
-    <dgm:pt modelId="{AC9A216A-8375-48F9-A4E6-8E0B64C0209B}" type="pres">
-      <dgm:prSet presAssocID="{5605D28D-2CE6-4513-8566-952984E21E14}" presName="accent_3" presStyleCnt="0"/>
-      <dgm:spPr/>
-    </dgm:pt>
-    <dgm:pt modelId="{A965097E-32F1-4AB8-8C4E-2814A7596B2F}" type="pres">
-      <dgm:prSet presAssocID="{5605D28D-2CE6-4513-8566-952984E21E14}" presName="accentRepeatNode" presStyleLbl="solidFgAcc1" presStyleIdx="2" presStyleCnt="3"/>
-      <dgm:spPr/>
-    </dgm:pt>
-  </dgm:ptLst>
-  <dgm:cxnLst>
-    <dgm:cxn modelId="{29DA474E-5DFA-4C66-882F-319C49ABBB19}" type="presOf" srcId="{6750AC01-D39D-4F3A-9DC8-2A211EE986A2}" destId="{58319267-C71E-43C9-94E1-827D0616C7A7}" srcOrd="0" destOrd="0" presId="urn:microsoft.com/office/officeart/2008/layout/VerticalCurvedList"/>
-    <dgm:cxn modelId="{7084AA77-BACB-46CB-AE4A-77B62D3ED1AF}" type="presOf" srcId="{5605D28D-2CE6-4513-8566-952984E21E14}" destId="{E131CE4A-9776-44F4-BC03-867682E21374}" srcOrd="0" destOrd="0" presId="urn:microsoft.com/office/officeart/2008/layout/VerticalCurvedList"/>
-    <dgm:cxn modelId="{4A378892-5CCC-4F0D-8A38-4BEAECF30F24}" type="presOf" srcId="{0BEF68B8-1228-47BB-83B5-7B9CD1E3F84E}" destId="{95DE6538-27BD-44AF-A1A8-CA8F6B10FDD2}" srcOrd="0" destOrd="0" presId="urn:microsoft.com/office/officeart/2008/layout/VerticalCurvedList"/>
-    <dgm:cxn modelId="{EDEF4F82-1237-4639-A0F7-385C1897CE66}" srcId="{7E5AA53B-3EEE-4DE4-BB81-9044890C2946}" destId="{0BEF68B8-1228-47BB-83B5-7B9CD1E3F84E}" srcOrd="1" destOrd="0" parTransId="{ED3A4BC2-B75A-4952-A38B-A42B5995DF05}" sibTransId="{FD949706-EDCC-4ADC-8EDF-8EDA49C92325}"/>
-    <dgm:cxn modelId="{A11E3B12-1828-45A7-86C3-BB85832DF84D}" type="presOf" srcId="{CA077D98-8478-47EA-B6A9-99ACE60C64D4}" destId="{D79B43FC-100B-4A0D-A4D5-0D2D04B99064}" srcOrd="0" destOrd="0" presId="urn:microsoft.com/office/officeart/2008/layout/VerticalCurvedList"/>
-    <dgm:cxn modelId="{4F65CC8F-B5A8-40BE-A32B-05862B543D6A}" type="presOf" srcId="{7E5AA53B-3EEE-4DE4-BB81-9044890C2946}" destId="{57806726-6E60-4ACC-9C1C-7DF9CC365A10}" srcOrd="0" destOrd="0" presId="urn:microsoft.com/office/officeart/2008/layout/VerticalCurvedList"/>
-    <dgm:cxn modelId="{FAF3F884-F0CF-440F-8CB1-B7648AB1B138}" srcId="{7E5AA53B-3EEE-4DE4-BB81-9044890C2946}" destId="{5605D28D-2CE6-4513-8566-952984E21E14}" srcOrd="2" destOrd="0" parTransId="{EB15AB98-362B-4E70-A3DA-995FC3E8BA79}" sibTransId="{823D1971-2C4D-4EC5-A874-2F463DE37109}"/>
-    <dgm:cxn modelId="{0B5DAE5F-BCDC-4BF7-A6E7-CF856886A64D}" srcId="{7E5AA53B-3EEE-4DE4-BB81-9044890C2946}" destId="{6750AC01-D39D-4F3A-9DC8-2A211EE986A2}" srcOrd="0" destOrd="0" parTransId="{720680DC-AAA4-4434-A582-60EBCC5BA355}" sibTransId="{CA077D98-8478-47EA-B6A9-99ACE60C64D4}"/>
-    <dgm:cxn modelId="{4E25B52E-70EF-4A0F-B410-0B49263AF380}" type="presParOf" srcId="{57806726-6E60-4ACC-9C1C-7DF9CC365A10}" destId="{90561C55-3C6E-4D53-85E1-2C50BCDDA392}" srcOrd="0" destOrd="0" presId="urn:microsoft.com/office/officeart/2008/layout/VerticalCurvedList"/>
-    <dgm:cxn modelId="{2B3DD9E4-EC9C-4B92-B380-F89BF82E7CF3}" type="presParOf" srcId="{90561C55-3C6E-4D53-85E1-2C50BCDDA392}" destId="{B6CD42EC-5AD4-4004-AE5B-47EDA668DAA8}" srcOrd="0" destOrd="0" presId="urn:microsoft.com/office/officeart/2008/layout/VerticalCurvedList"/>
-    <dgm:cxn modelId="{EA357085-80A4-4D1D-9BD2-56B1E9A721FB}" type="presParOf" srcId="{B6CD42EC-5AD4-4004-AE5B-47EDA668DAA8}" destId="{963B8EE3-40CC-4A0A-B420-D0BF920973CE}" srcOrd="0" destOrd="0" presId="urn:microsoft.com/office/officeart/2008/layout/VerticalCurvedList"/>
-    <dgm:cxn modelId="{F175C6D0-411C-40FD-A19B-860D49F42061}" type="presParOf" srcId="{B6CD42EC-5AD4-4004-AE5B-47EDA668DAA8}" destId="{D79B43FC-100B-4A0D-A4D5-0D2D04B99064}" srcOrd="1" destOrd="0" presId="urn:microsoft.com/office/officeart/2008/layout/VerticalCurvedList"/>
-    <dgm:cxn modelId="{794BB944-68C0-47A5-9792-652802EB36AC}" type="presParOf" srcId="{B6CD42EC-5AD4-4004-AE5B-47EDA668DAA8}" destId="{3CAD8DA1-8D53-445C-ACE8-D8449E4F0F55}" srcOrd="2" destOrd="0" presId="urn:microsoft.com/office/officeart/2008/layout/VerticalCurvedList"/>
-    <dgm:cxn modelId="{B8CC75C4-3D1A-49E7-80D2-915668C1368C}" type="presParOf" srcId="{B6CD42EC-5AD4-4004-AE5B-47EDA668DAA8}" destId="{429CABD1-4116-474B-81BF-735E2CA9DD00}" srcOrd="3" destOrd="0" presId="urn:microsoft.com/office/officeart/2008/layout/VerticalCurvedList"/>
-    <dgm:cxn modelId="{28110BB8-F33F-498C-9A75-98364B05EFA5}" type="presParOf" srcId="{90561C55-3C6E-4D53-85E1-2C50BCDDA392}" destId="{58319267-C71E-43C9-94E1-827D0616C7A7}" srcOrd="1" destOrd="0" presId="urn:microsoft.com/office/officeart/2008/layout/VerticalCurvedList"/>
-    <dgm:cxn modelId="{3866F6C9-5521-48F2-B6C3-40C9896E1605}" type="presParOf" srcId="{90561C55-3C6E-4D53-85E1-2C50BCDDA392}" destId="{79F9B8A9-2412-4B74-84A9-69422DB81CDC}" srcOrd="2" destOrd="0" presId="urn:microsoft.com/office/officeart/2008/layout/VerticalCurvedList"/>
-    <dgm:cxn modelId="{D2205A4F-BB7A-4399-BC2F-78E18EC6EAFE}" type="presParOf" srcId="{79F9B8A9-2412-4B74-84A9-69422DB81CDC}" destId="{07CB3071-D555-47DA-A36A-69EB91531FD8}" srcOrd="0" destOrd="0" presId="urn:microsoft.com/office/officeart/2008/layout/VerticalCurvedList"/>
-    <dgm:cxn modelId="{602753E6-8A03-492B-861A-6B9532B5AA28}" type="presParOf" srcId="{90561C55-3C6E-4D53-85E1-2C50BCDDA392}" destId="{95DE6538-27BD-44AF-A1A8-CA8F6B10FDD2}" srcOrd="3" destOrd="0" presId="urn:microsoft.com/office/officeart/2008/layout/VerticalCurvedList"/>
-    <dgm:cxn modelId="{AEC540A3-E86A-4075-8BE4-263F4AFF4EA1}" type="presParOf" srcId="{90561C55-3C6E-4D53-85E1-2C50BCDDA392}" destId="{312BDEE8-85BD-4F02-B35B-2CC8E701C98B}" srcOrd="4" destOrd="0" presId="urn:microsoft.com/office/officeart/2008/layout/VerticalCurvedList"/>
-    <dgm:cxn modelId="{CD5D1014-B7CB-4B47-9A02-5FBF90928A73}" type="presParOf" srcId="{312BDEE8-85BD-4F02-B35B-2CC8E701C98B}" destId="{3F8116AC-FAC3-4E95-9865-93CCFEB191B9}" srcOrd="0" destOrd="0" presId="urn:microsoft.com/office/officeart/2008/layout/VerticalCurvedList"/>
-    <dgm:cxn modelId="{987EB7C0-CA3E-4874-85E0-01E9060A2D35}" type="presParOf" srcId="{90561C55-3C6E-4D53-85E1-2C50BCDDA392}" destId="{E131CE4A-9776-44F4-BC03-867682E21374}" srcOrd="5" destOrd="0" presId="urn:microsoft.com/office/officeart/2008/layout/VerticalCurvedList"/>
-    <dgm:cxn modelId="{91E55363-8DCA-455E-A203-06A9410994CB}" type="presParOf" srcId="{90561C55-3C6E-4D53-85E1-2C50BCDDA392}" destId="{AC9A216A-8375-48F9-A4E6-8E0B64C0209B}" srcOrd="6" destOrd="0" presId="urn:microsoft.com/office/officeart/2008/layout/VerticalCurvedList"/>
-    <dgm:cxn modelId="{D866D586-1293-4049-B6E3-B467C1D5ED64}" type="presParOf" srcId="{AC9A216A-8375-48F9-A4E6-8E0B64C0209B}" destId="{A965097E-32F1-4AB8-8C4E-2814A7596B2F}" srcOrd="0" destOrd="0" presId="urn:microsoft.com/office/officeart/2008/layout/VerticalCurvedList"/>
-  </dgm:cxnLst>
-  <dgm:bg/>
-  <dgm:whole/>
-  <dgm:extLst>
-    <a:ext uri="http://schemas.microsoft.com/office/drawing/2008/diagram">
-      <dsp:dataModelExt xmlns:dsp="http://schemas.microsoft.com/office/drawing/2008/diagram" relId="rId8" minVer="http://schemas.openxmlformats.org/drawingml/2006/diagram"/>
-    </a:ext>
-  </dgm:extLst>
-</dgm:dataModel>
-</file>
-
-<file path=ppt/diagrams/drawing1.xml><?xml version="1.0" encoding="utf-8"?>
-<dsp:drawing xmlns:dgm="http://schemas.openxmlformats.org/drawingml/2006/diagram" xmlns:dsp="http://schemas.microsoft.com/office/drawing/2008/diagram" xmlns:a="http://schemas.openxmlformats.org/drawingml/2006/main">
-  <dsp:spTree>
-    <dsp:nvGrpSpPr>
-      <dsp:cNvPr id="0" name=""/>
-      <dsp:cNvGrpSpPr/>
-    </dsp:nvGrpSpPr>
-    <dsp:grpSpPr/>
-    <dsp:sp modelId="{D79B43FC-100B-4A0D-A4D5-0D2D04B99064}">
-      <dsp:nvSpPr>
-        <dsp:cNvPr id="0" name=""/>
-        <dsp:cNvSpPr/>
-      </dsp:nvSpPr>
-      <dsp:spPr>
-        <a:xfrm>
-          <a:off x="-4028574" y="-618397"/>
-          <a:ext cx="4800732" cy="4800732"/>
-        </a:xfrm>
-        <a:prstGeom prst="blockArc">
-          <a:avLst>
-            <a:gd name="adj1" fmla="val 18900000"/>
-            <a:gd name="adj2" fmla="val 2700000"/>
-            <a:gd name="adj3" fmla="val 450"/>
-          </a:avLst>
-        </a:prstGeom>
-        <a:noFill/>
-        <a:ln w="12700" cap="rnd" cmpd="sng" algn="ctr">
-          <a:solidFill>
-            <a:schemeClr val="accent2">
-              <a:shade val="60000"/>
-              <a:hueOff val="0"/>
-              <a:satOff val="0"/>
-              <a:lumOff val="0"/>
-              <a:alphaOff val="0"/>
-            </a:schemeClr>
-          </a:solidFill>
-          <a:prstDash val="solid"/>
-        </a:ln>
-        <a:effectLst/>
-      </dsp:spPr>
-      <dsp:style>
-        <a:lnRef idx="1">
-          <a:scrgbClr r="0" g="0" b="0"/>
-        </a:lnRef>
-        <a:fillRef idx="0">
-          <a:scrgbClr r="0" g="0" b="0"/>
-        </a:fillRef>
-        <a:effectRef idx="0">
-          <a:scrgbClr r="0" g="0" b="0"/>
-        </a:effectRef>
-        <a:fontRef idx="minor"/>
-      </dsp:style>
-    </dsp:sp>
-    <dsp:sp modelId="{58319267-C71E-43C9-94E1-827D0616C7A7}">
-      <dsp:nvSpPr>
-        <dsp:cNvPr id="0" name=""/>
-        <dsp:cNvSpPr/>
-      </dsp:nvSpPr>
-      <dsp:spPr>
-        <a:xfrm>
-          <a:off x="496568" y="356393"/>
-          <a:ext cx="6310391" cy="712787"/>
-        </a:xfrm>
-        <a:prstGeom prst="rect">
-          <a:avLst/>
-        </a:prstGeom>
-        <a:gradFill rotWithShape="0">
-          <a:gsLst>
-            <a:gs pos="0">
-              <a:schemeClr val="accent2">
-                <a:hueOff val="0"/>
-                <a:satOff val="0"/>
-                <a:lumOff val="0"/>
-                <a:alphaOff val="0"/>
-                <a:tint val="98000"/>
-                <a:lumMod val="110000"/>
-              </a:schemeClr>
-            </a:gs>
-            <a:gs pos="84000">
-              <a:schemeClr val="accent2">
-                <a:hueOff val="0"/>
-                <a:satOff val="0"/>
-                <a:lumOff val="0"/>
-                <a:alphaOff val="0"/>
-                <a:shade val="90000"/>
-                <a:lumMod val="88000"/>
-              </a:schemeClr>
-            </a:gs>
-          </a:gsLst>
-          <a:lin ang="5400000" scaled="0"/>
-        </a:gradFill>
-        <a:ln>
-          <a:noFill/>
-        </a:ln>
-        <a:effectLst>
-          <a:outerShdw blurRad="38100" dist="25400" dir="5400000" rotWithShape="0">
-            <a:srgbClr val="000000">
-              <a:alpha val="55000"/>
-            </a:srgbClr>
-          </a:outerShdw>
-        </a:effectLst>
-      </dsp:spPr>
-      <dsp:style>
-        <a:lnRef idx="0">
-          <a:scrgbClr r="0" g="0" b="0"/>
-        </a:lnRef>
-        <a:fillRef idx="3">
-          <a:scrgbClr r="0" g="0" b="0"/>
-        </a:fillRef>
-        <a:effectRef idx="2">
-          <a:scrgbClr r="0" g="0" b="0"/>
-        </a:effectRef>
-        <a:fontRef idx="minor">
-          <a:schemeClr val="lt1"/>
-        </a:fontRef>
-      </dsp:style>
-      <dsp:txBody>
-        <a:bodyPr spcFirstLastPara="0" vert="horz" wrap="square" lIns="565775" tIns="88900" rIns="88900" bIns="88900" numCol="1" spcCol="1270" anchor="ctr" anchorCtr="0">
-          <a:noAutofit/>
-        </a:bodyPr>
-        <a:lstStyle/>
-        <a:p>
-          <a:pPr lvl="0" algn="l" defTabSz="1555750">
-            <a:lnSpc>
-              <a:spcPct val="100000"/>
-            </a:lnSpc>
-            <a:spcBef>
-              <a:spcPct val="0"/>
-            </a:spcBef>
-            <a:spcAft>
-              <a:spcPct val="35000"/>
-            </a:spcAft>
-          </a:pPr>
-          <a:r>
-            <a:rPr lang="en-US" sz="3500" kern="1200" dirty="0"/>
-            <a:t>Cloud	</a:t>
-          </a:r>
-        </a:p>
-      </dsp:txBody>
-      <dsp:txXfrm>
-        <a:off x="496568" y="356393"/>
-        <a:ext cx="6310391" cy="712787"/>
-      </dsp:txXfrm>
-    </dsp:sp>
-    <dsp:sp modelId="{07CB3071-D555-47DA-A36A-69EB91531FD8}">
-      <dsp:nvSpPr>
-        <dsp:cNvPr id="0" name=""/>
-        <dsp:cNvSpPr/>
-      </dsp:nvSpPr>
-      <dsp:spPr>
-        <a:xfrm>
-          <a:off x="51076" y="267295"/>
-          <a:ext cx="890984" cy="890984"/>
-        </a:xfrm>
-        <a:prstGeom prst="ellipse">
-          <a:avLst/>
-        </a:prstGeom>
-        <a:solidFill>
-          <a:schemeClr val="lt1">
-            <a:hueOff val="0"/>
-            <a:satOff val="0"/>
-            <a:lumOff val="0"/>
-            <a:alphaOff val="0"/>
-          </a:schemeClr>
-        </a:solidFill>
-        <a:ln w="12700" cap="rnd" cmpd="sng" algn="ctr">
-          <a:solidFill>
-            <a:schemeClr val="accent2">
-              <a:hueOff val="0"/>
-              <a:satOff val="0"/>
-              <a:lumOff val="0"/>
-              <a:alphaOff val="0"/>
-            </a:schemeClr>
-          </a:solidFill>
-          <a:prstDash val="solid"/>
-        </a:ln>
-        <a:effectLst/>
-      </dsp:spPr>
-      <dsp:style>
-        <a:lnRef idx="1">
-          <a:scrgbClr r="0" g="0" b="0"/>
-        </a:lnRef>
-        <a:fillRef idx="1">
-          <a:scrgbClr r="0" g="0" b="0"/>
-        </a:fillRef>
-        <a:effectRef idx="0">
-          <a:scrgbClr r="0" g="0" b="0"/>
-        </a:effectRef>
-        <a:fontRef idx="minor"/>
-      </dsp:style>
-    </dsp:sp>
-    <dsp:sp modelId="{95DE6538-27BD-44AF-A1A8-CA8F6B10FDD2}">
-      <dsp:nvSpPr>
-        <dsp:cNvPr id="0" name=""/>
-        <dsp:cNvSpPr/>
-      </dsp:nvSpPr>
-      <dsp:spPr>
-        <a:xfrm>
-          <a:off x="755666" y="1425575"/>
-          <a:ext cx="6051292" cy="712787"/>
-        </a:xfrm>
-        <a:prstGeom prst="rect">
-          <a:avLst/>
-        </a:prstGeom>
-        <a:gradFill rotWithShape="0">
-          <a:gsLst>
-            <a:gs pos="0">
-              <a:schemeClr val="accent2">
-                <a:hueOff val="0"/>
-                <a:satOff val="0"/>
-                <a:lumOff val="0"/>
-                <a:alphaOff val="0"/>
-                <a:tint val="98000"/>
-                <a:lumMod val="110000"/>
-              </a:schemeClr>
-            </a:gs>
-            <a:gs pos="84000">
-              <a:schemeClr val="accent2">
-                <a:hueOff val="0"/>
-                <a:satOff val="0"/>
-                <a:lumOff val="0"/>
-                <a:alphaOff val="0"/>
-                <a:shade val="90000"/>
-                <a:lumMod val="88000"/>
-              </a:schemeClr>
-            </a:gs>
-          </a:gsLst>
-          <a:lin ang="5400000" scaled="0"/>
-        </a:gradFill>
-        <a:ln>
-          <a:noFill/>
-        </a:ln>
-        <a:effectLst>
-          <a:outerShdw blurRad="38100" dist="25400" dir="5400000" rotWithShape="0">
-            <a:srgbClr val="000000">
-              <a:alpha val="55000"/>
-            </a:srgbClr>
-          </a:outerShdw>
-        </a:effectLst>
-      </dsp:spPr>
-      <dsp:style>
-        <a:lnRef idx="0">
-          <a:scrgbClr r="0" g="0" b="0"/>
-        </a:lnRef>
-        <a:fillRef idx="3">
-          <a:scrgbClr r="0" g="0" b="0"/>
-        </a:fillRef>
-        <a:effectRef idx="2">
-          <a:scrgbClr r="0" g="0" b="0"/>
-        </a:effectRef>
-        <a:fontRef idx="minor">
-          <a:schemeClr val="lt1"/>
-        </a:fontRef>
-      </dsp:style>
-      <dsp:txBody>
-        <a:bodyPr spcFirstLastPara="0" vert="horz" wrap="square" lIns="565775" tIns="88900" rIns="88900" bIns="88900" numCol="1" spcCol="1270" anchor="ctr" anchorCtr="0">
-          <a:noAutofit/>
-        </a:bodyPr>
-        <a:lstStyle/>
-        <a:p>
-          <a:pPr lvl="0" algn="l" defTabSz="1555750">
-            <a:lnSpc>
-              <a:spcPct val="100000"/>
-            </a:lnSpc>
-            <a:spcBef>
-              <a:spcPct val="0"/>
-            </a:spcBef>
-            <a:spcAft>
-              <a:spcPct val="35000"/>
-            </a:spcAft>
-          </a:pPr>
-          <a:r>
-            <a:rPr lang="en-US" sz="3500" kern="1200" dirty="0"/>
-            <a:t>Local</a:t>
-          </a:r>
-        </a:p>
-      </dsp:txBody>
-      <dsp:txXfrm>
-        <a:off x="755666" y="1425575"/>
-        <a:ext cx="6051292" cy="712787"/>
-      </dsp:txXfrm>
-    </dsp:sp>
-    <dsp:sp modelId="{3F8116AC-FAC3-4E95-9865-93CCFEB191B9}">
-      <dsp:nvSpPr>
-        <dsp:cNvPr id="0" name=""/>
-        <dsp:cNvSpPr/>
-      </dsp:nvSpPr>
-      <dsp:spPr>
-        <a:xfrm>
-          <a:off x="310174" y="1336476"/>
-          <a:ext cx="890984" cy="890984"/>
-        </a:xfrm>
-        <a:prstGeom prst="ellipse">
-          <a:avLst/>
-        </a:prstGeom>
-        <a:solidFill>
-          <a:schemeClr val="lt1">
-            <a:hueOff val="0"/>
-            <a:satOff val="0"/>
-            <a:lumOff val="0"/>
-            <a:alphaOff val="0"/>
-          </a:schemeClr>
-        </a:solidFill>
-        <a:ln w="12700" cap="rnd" cmpd="sng" algn="ctr">
-          <a:solidFill>
-            <a:schemeClr val="accent2">
-              <a:hueOff val="0"/>
-              <a:satOff val="0"/>
-              <a:lumOff val="0"/>
-              <a:alphaOff val="0"/>
-            </a:schemeClr>
-          </a:solidFill>
-          <a:prstDash val="solid"/>
-        </a:ln>
-        <a:effectLst/>
-      </dsp:spPr>
-      <dsp:style>
-        <a:lnRef idx="1">
-          <a:scrgbClr r="0" g="0" b="0"/>
-        </a:lnRef>
-        <a:fillRef idx="1">
-          <a:scrgbClr r="0" g="0" b="0"/>
-        </a:fillRef>
-        <a:effectRef idx="0">
-          <a:scrgbClr r="0" g="0" b="0"/>
-        </a:effectRef>
-        <a:fontRef idx="minor"/>
-      </dsp:style>
-    </dsp:sp>
-    <dsp:sp modelId="{E131CE4A-9776-44F4-BC03-867682E21374}">
-      <dsp:nvSpPr>
-        <dsp:cNvPr id="0" name=""/>
-        <dsp:cNvSpPr/>
-      </dsp:nvSpPr>
-      <dsp:spPr>
-        <a:xfrm>
-          <a:off x="496568" y="2494756"/>
-          <a:ext cx="6310391" cy="712787"/>
-        </a:xfrm>
-        <a:prstGeom prst="rect">
-          <a:avLst/>
-        </a:prstGeom>
-        <a:gradFill rotWithShape="0">
-          <a:gsLst>
-            <a:gs pos="0">
-              <a:schemeClr val="accent2">
-                <a:hueOff val="0"/>
-                <a:satOff val="0"/>
-                <a:lumOff val="0"/>
-                <a:alphaOff val="0"/>
-                <a:tint val="98000"/>
-                <a:lumMod val="110000"/>
-              </a:schemeClr>
-            </a:gs>
-            <a:gs pos="84000">
-              <a:schemeClr val="accent2">
-                <a:hueOff val="0"/>
-                <a:satOff val="0"/>
-                <a:lumOff val="0"/>
-                <a:alphaOff val="0"/>
-                <a:shade val="90000"/>
-                <a:lumMod val="88000"/>
-              </a:schemeClr>
-            </a:gs>
-          </a:gsLst>
-          <a:lin ang="5400000" scaled="0"/>
-        </a:gradFill>
-        <a:ln>
-          <a:noFill/>
-        </a:ln>
-        <a:effectLst>
-          <a:outerShdw blurRad="38100" dist="25400" dir="5400000" rotWithShape="0">
-            <a:srgbClr val="000000">
-              <a:alpha val="55000"/>
-            </a:srgbClr>
-          </a:outerShdw>
-        </a:effectLst>
-      </dsp:spPr>
-      <dsp:style>
-        <a:lnRef idx="0">
-          <a:scrgbClr r="0" g="0" b="0"/>
-        </a:lnRef>
-        <a:fillRef idx="3">
-          <a:scrgbClr r="0" g="0" b="0"/>
-        </a:fillRef>
-        <a:effectRef idx="2">
-          <a:scrgbClr r="0" g="0" b="0"/>
-        </a:effectRef>
-        <a:fontRef idx="minor">
-          <a:schemeClr val="lt1"/>
-        </a:fontRef>
-      </dsp:style>
-      <dsp:txBody>
-        <a:bodyPr spcFirstLastPara="0" vert="horz" wrap="square" lIns="565775" tIns="88900" rIns="88900" bIns="88900" numCol="1" spcCol="1270" anchor="ctr" anchorCtr="0">
-          <a:noAutofit/>
-        </a:bodyPr>
-        <a:lstStyle/>
-        <a:p>
-          <a:pPr lvl="0" algn="l" defTabSz="1555750">
-            <a:lnSpc>
-              <a:spcPct val="100000"/>
-            </a:lnSpc>
-            <a:spcBef>
-              <a:spcPct val="0"/>
-            </a:spcBef>
-            <a:spcAft>
-              <a:spcPct val="35000"/>
-            </a:spcAft>
-          </a:pPr>
-          <a:r>
-            <a:rPr lang="en-US" sz="3500" kern="1200" dirty="0"/>
-            <a:t>Hybrid</a:t>
-          </a:r>
-        </a:p>
-      </dsp:txBody>
-      <dsp:txXfrm>
-        <a:off x="496568" y="2494756"/>
-        <a:ext cx="6310391" cy="712787"/>
-      </dsp:txXfrm>
-    </dsp:sp>
-    <dsp:sp modelId="{A965097E-32F1-4AB8-8C4E-2814A7596B2F}">
-      <dsp:nvSpPr>
-        <dsp:cNvPr id="0" name=""/>
-        <dsp:cNvSpPr/>
-      </dsp:nvSpPr>
-      <dsp:spPr>
-        <a:xfrm>
-          <a:off x="51076" y="2405658"/>
-          <a:ext cx="890984" cy="890984"/>
-        </a:xfrm>
-        <a:prstGeom prst="ellipse">
-          <a:avLst/>
-        </a:prstGeom>
-        <a:solidFill>
-          <a:schemeClr val="lt1">
-            <a:hueOff val="0"/>
-            <a:satOff val="0"/>
-            <a:lumOff val="0"/>
-            <a:alphaOff val="0"/>
-          </a:schemeClr>
-        </a:solidFill>
-        <a:ln w="12700" cap="rnd" cmpd="sng" algn="ctr">
-          <a:solidFill>
-            <a:schemeClr val="accent2">
-              <a:hueOff val="0"/>
-              <a:satOff val="0"/>
-              <a:lumOff val="0"/>
-              <a:alphaOff val="0"/>
-            </a:schemeClr>
-          </a:solidFill>
-          <a:prstDash val="solid"/>
-        </a:ln>
-        <a:effectLst/>
-      </dsp:spPr>
-      <dsp:style>
-        <a:lnRef idx="1">
-          <a:scrgbClr r="0" g="0" b="0"/>
-        </a:lnRef>
-        <a:fillRef idx="1">
-          <a:scrgbClr r="0" g="0" b="0"/>
-        </a:fillRef>
-        <a:effectRef idx="0">
-          <a:scrgbClr r="0" g="0" b="0"/>
-        </a:effectRef>
-        <a:fontRef idx="minor"/>
-      </dsp:style>
-    </dsp:sp>
-  </dsp:spTree>
-</dsp:drawing>
-</file>
-
-<file path=ppt/diagrams/layout1.xml><?xml version="1.0" encoding="utf-8"?>
-<dgm:layoutDef xmlns:dgm="http://schemas.openxmlformats.org/drawingml/2006/diagram" xmlns:a="http://schemas.openxmlformats.org/drawingml/2006/main" uniqueId="urn:microsoft.com/office/officeart/2008/layout/VerticalCurvedList">
-  <dgm:title val=""/>
-  <dgm:desc val=""/>
-  <dgm:catLst>
-    <dgm:cat type="list" pri="20000"/>
-  </dgm:catLst>
-  <dgm:sampData>
-    <dgm:dataModel>
-      <dgm:ptLst>
-        <dgm:pt modelId="0" type="doc"/>
-        <dgm:pt modelId="1">
-          <dgm:prSet phldr="1"/>
-        </dgm:pt>
-        <dgm:pt modelId="2">
-          <dgm:prSet phldr="1"/>
-        </dgm:pt>
-        <dgm:pt modelId="3">
-          <dgm:prSet phldr="1"/>
-        </dgm:pt>
-      </dgm:ptLst>
-      <dgm:cxnLst>
-        <dgm:cxn modelId="4" srcId="0" destId="1" srcOrd="0" destOrd="0"/>
-        <dgm:cxn modelId="5" srcId="0" destId="2" srcOrd="1" destOrd="0"/>
-        <dgm:cxn modelId="6" srcId="0" destId="3" srcOrd="2" destOrd="0"/>
-      </dgm:cxnLst>
-      <dgm:bg/>
-      <dgm:whole/>
-    </dgm:dataModel>
-  </dgm:sampData>
-  <dgm:styleData>
-    <dgm:dataModel>
-      <dgm:ptLst>
-        <dgm:pt modelId="0" type="doc"/>
-        <dgm:pt modelId="1">
-          <dgm:prSet phldr="1"/>
-        </dgm:pt>
-        <dgm:pt modelId="2">
-          <dgm:prSet phldr="1"/>
-        </dgm:pt>
-      </dgm:ptLst>
-      <dgm:cxnLst>
-        <dgm:cxn modelId="3" srcId="0" destId="1" srcOrd="0" destOrd="0"/>
-        <dgm:cxn modelId="4" srcId="0" destId="2" srcOrd="1" destOrd="0"/>
-      </dgm:cxnLst>
-      <dgm:bg/>
-      <dgm:whole/>
-    </dgm:dataModel>
-  </dgm:styleData>
-  <dgm:clrData>
-    <dgm:dataModel>
-      <dgm:ptLst>
-        <dgm:pt modelId="0" type="doc"/>
-        <dgm:pt modelId="1">
-          <dgm:prSet phldr="1"/>
-        </dgm:pt>
-        <dgm:pt modelId="2">
-          <dgm:prSet phldr="1"/>
-        </dgm:pt>
-        <dgm:pt modelId="3">
-          <dgm:prSet phldr="1"/>
-        </dgm:pt>
-        <dgm:pt modelId="4">
-          <dgm:prSet phldr="1"/>
-        </dgm:pt>
-      </dgm:ptLst>
-      <dgm:cxnLst>
-        <dgm:cxn modelId="5" srcId="0" destId="1" srcOrd="0" destOrd="0"/>
-        <dgm:cxn modelId="6" srcId="0" destId="2" srcOrd="1" destOrd="0"/>
-        <dgm:cxn modelId="7" srcId="0" destId="3" srcOrd="2" destOrd="0"/>
-        <dgm:cxn modelId="8" srcId="0" destId="4" srcOrd="3" destOrd="0"/>
-      </dgm:cxnLst>
-      <dgm:bg/>
-      <dgm:whole/>
-    </dgm:dataModel>
-  </dgm:clrData>
-  <dgm:layoutNode name="Name0">
-    <dgm:varLst>
-      <dgm:chMax val="7"/>
-      <dgm:chPref val="7"/>
-      <dgm:dir/>
-    </dgm:varLst>
-    <dgm:alg type="composite"/>
-    <dgm:shape xmlns:r="http://schemas.openxmlformats.org/officeDocument/2006/relationships" r:blip="">
-      <dgm:adjLst/>
-    </dgm:shape>
-    <dgm:constrLst>
-      <dgm:constr type="w" for="ch" refType="h" refFor="ch" op="gte" fact="0.8"/>
-    </dgm:constrLst>
-    <dgm:layoutNode name="Name1">
-      <dgm:alg type="composite"/>
-      <dgm:shape xmlns:r="http://schemas.openxmlformats.org/officeDocument/2006/relationships" r:blip="">
-        <dgm:adjLst/>
-      </dgm:shape>
-      <dgm:choose name="Name2">
-        <dgm:if name="Name3" func="var" arg="dir" op="equ" val="norm">
-          <dgm:choose name="Name4">
-            <dgm:if name="Name5" axis="ch" ptType="node" func="cnt" op="equ" val="1">
-              <dgm:constrLst>
-                <dgm:constr type="h" for="ch" forName="cycle" refType="h"/>
-                <dgm:constr type="w" for="ch" forName="cycle" refType="h" refFor="ch" refForName="cycle" fact="0.26"/>
-                <dgm:constr type="l" for="ch" forName="cycle"/>
-                <dgm:constr type="ctrY" for="ch" forName="cycle" refType="h" fact="0.5"/>
-                <dgm:constr type="diam" for="ch" forName="cycle" refType="h" fact="1.344"/>
-                <dgm:constr type="h" for="ch" forName="accent_1" refType="h" fact="0.625"/>
-                <dgm:constr type="w" for="ch" forName="accent_1" refType="h" refFor="ch" refForName="accent_1" op="equ"/>
-                <dgm:constr type="ctrY" for="ch" forName="accent_1" refType="h" fact="0.5"/>
-                <dgm:constr type="ctrX" for="ch" forName="accent_1" refType="h" fact="0.2253"/>
-                <dgm:constr type="l" for="ch" forName="text_1" refType="ctrX" refFor="ch" refForName="accent_1"/>
-                <dgm:constr type="r" for="ch" forName="text_1" refType="w"/>
-                <dgm:constr type="w" for="ch" forName="text_1" refType="h" refFor="ch" refForName="text_1" op="gte"/>
-                <dgm:constr type="h" for="ch" forName="text_1" refType="h" refFor="ch" refForName="accent_1" fact="0.8"/>
-                <dgm:constr type="ctrY" for="ch" forName="text_1" refType="ctrY" refFor="ch" refForName="accent_1"/>
-                <dgm:constr type="lMarg" for="ch" forName="text_1" refType="w" refFor="ch" refForName="accent_1" fact="1.8"/>
-                <dgm:constr type="primFontSz" for="ch" ptType="node" op="equ" val="65"/>
-              </dgm:constrLst>
-            </dgm:if>
-            <dgm:if name="Name6" axis="ch" ptType="node" func="cnt" op="equ" val="2">
-              <dgm:constrLst>
-                <dgm:constr type="h" for="ch" forName="cycle" refType="h"/>
-                <dgm:constr type="w" for="ch" forName="cycle" refType="h" refFor="ch" refForName="cycle" fact="0.26"/>
-                <dgm:constr type="l" for="ch" forName="cycle"/>
-                <dgm:constr type="ctrY" for="ch" forName="cycle" refType="h" fact="0.5"/>
-                <dgm:constr type="diam" for="ch" forName="cycle" refType="h" fact="1.344"/>
-                <dgm:constr type="h" for="ch" forName="accent_1" refType="h" fact="0.3571"/>
-                <dgm:constr type="w" for="ch" forName="accent_1" refType="h" refFor="ch" refForName="accent_1" op="equ"/>
-                <dgm:constr type="ctrY" for="ch" forName="accent_1" refType="h" fact="0.2857"/>
-                <dgm:constr type="ctrX" for="ch" forName="accent_1" refType="h" fact="0.1891"/>
-                <dgm:constr type="l" for="ch" forName="text_1" refType="ctrX" refFor="ch" refForName="accent_1"/>
-                <dgm:constr type="r" for="ch" forName="text_1" refType="w"/>
-                <dgm:constr type="w" for="ch" forName="text_1" refType="h" refFor="ch" refForName="text_1" op="gte"/>
-                <dgm:constr type="h" for="ch" forName="text_1" refType="h" refFor="ch" refForName="accent_1" fact="0.8"/>
-                <dgm:constr type="ctrY" for="ch" forName="text_1" refType="ctrY" refFor="ch" refForName="accent_1"/>
-                <dgm:constr type="lMarg" for="ch" forName="text_1" refType="w" refFor="ch" refForName="accent_1" fact="1.8"/>
-                <dgm:constr type="h" for="ch" forName="accent_2" refType="h" fact="0.3571"/>
-                <dgm:constr type="w" for="ch" forName="accent_2" refType="h" refFor="ch" refForName="accent_2" op="equ"/>
-                <dgm:constr type="ctrY" for="ch" forName="accent_2" refType="h" fact="0.7143"/>
-                <dgm:constr type="ctrX" for="ch" forName="accent_2" refType="h" fact="0.1891"/>
-                <dgm:constr type="l" for="ch" forName="text_2" refType="ctrX" refFor="ch" refForName="accent_2"/>
-                <dgm:constr type="r" for="ch" forName="text_2" refType="w"/>
-                <dgm:constr type="w" for="ch" forName="text_2" refType="h" refFor="ch" refForName="text_2" op="gte"/>
-                <dgm:constr type="h" for="ch" forName="text_2" refType="h" refFor="ch" refForName="accent_2" fact="0.8"/>
-                <dgm:constr type="ctrY" for="ch" forName="text_2" refType="ctrY" refFor="ch" refForName="accent_2"/>
-                <dgm:constr type="lMarg" for="ch" forName="text_2" refType="w" refFor="ch" refForName="accent_2" fact="1.8"/>
-                <dgm:constr type="primFontSz" for="ch" ptType="node" op="equ" val="65"/>
-              </dgm:constrLst>
-            </dgm:if>
-            <dgm:if name="Name7" axis="ch" ptType="node" func="cnt" op="equ" val="3">
-              <dgm:constrLst>
-                <dgm:constr type="h" for="ch" forName="cycle" refType="h"/>
-                <dgm:constr type="w" for="ch" forName="cycle" refType="h" refFor="ch" refForName="cycle" fact="0.26"/>
-                <dgm:constr type="l" for="ch" forName="cycle"/>
-                <dgm:constr type="ctrY" for="ch" forName="cycle" refType="h" fact="0.5"/>
-                <dgm:constr type="diam" for="ch" forName="cycle" refType="h" fact="1.344"/>
-                <dgm:constr type="h" for="ch" forName="accent_1" refType="h" fact="0.25"/>
-                <dgm:constr type="w" for="ch" forName="accent_1" refType="h" refFor="ch" refForName="accent_1" op="equ"/>
-                <dgm:constr type="ctrY" for="ch" forName="accent_1" refType="h" fact="0.2"/>
-                <dgm:constr type="ctrX" for="ch" forName="accent_1" refType="h" fact="0.1526"/>
-                <dgm:constr type="l" for="ch" forName="text_1" refType="ctrX" refFor="ch" refForName="accent_1"/>
-                <dgm:constr type="r" for="ch" forName="text_1" refType="w"/>
-                <dgm:constr type="w" for="ch" forName="text_1" refType="h" refFor="ch" refForName="text_1" op="gte"/>
-                <dgm:constr type="h" for="ch" forName="text_1" refType="h" refFor="ch" refForName="accent_1" fact="0.8"/>
-                <dgm:constr type="ctrY" for="ch" forName="text_1" refType="ctrY" refFor="ch" refForName="accent_1"/>
-                <dgm:constr type="lMarg" for="ch" forName="text_1" refType="w" refFor="ch" refForName="accent_1" fact="1.8"/>
-                <dgm:constr type="h" for="ch" forName="accent_2" refType="h" fact="0.25"/>
-                <dgm:constr type="w" for="ch" forName="accent_2" refType="h" refFor="ch" refForName="accent_2" op="equ"/>
-                <dgm:constr type="ctrY" for="ch" forName="accent_2" refType="h" fact="0.5"/>
-                <dgm:constr type="ctrX" for="ch" forName="accent_2" refType="h" fact="0.2253"/>
-                <dgm:constr type="l" for="ch" forName="text_2" refType="ctrX" refFor="ch" refForName="accent_2"/>
-                <dgm:constr type="r" for="ch" forName="text_2" refType="w"/>
-                <dgm:constr type="w" for="ch" forName="text_2" refType="h" refFor="ch" refForName="text_2" op="gte"/>
-                <dgm:constr type="h" for="ch" forName="text_2" refType="h" refFor="ch" refForName="accent_2" fact="0.8"/>
-                <dgm:constr type="ctrY" for="ch" forName="text_2" refType="ctrY" refFor="ch" refForName="accent_2"/>
-                <dgm:constr type="lMarg" for="ch" forName="text_2" refType="w" refFor="ch" refForName="accent_2" fact="1.8"/>
-                <dgm:constr type="h" for="ch" forName="accent_3" refType="h" fact="0.25"/>
-                <dgm:constr type="w" for="ch" forName="accent_3" refType="h" refFor="ch" refForName="accent_3" op="equ"/>
-                <dgm:constr type="ctrY" for="ch" forName="accent_3" refType="h" fact="0.8"/>
-                <dgm:constr type="ctrX" for="ch" forName="accent_3" refType="h" fact="0.1526"/>
-                <dgm:constr type="l" for="ch" forName="text_3" refType="ctrX" refFor="ch" refForName="accent_3"/>
-                <dgm:constr type="r" for="ch" forName="text_3" refType="w"/>
-                <dgm:constr type="w" for="ch" forName="text_3" refType="h" refFor="ch" refForName="text_3" op="gte"/>
-                <dgm:constr type="h" for="ch" forName="text_3" refType="h" refFor="ch" refForName="accent_3" fact="0.8"/>
-                <dgm:constr type="ctrY" for="ch" forName="text_3" refType="ctrY" refFor="ch" refForName="accent_3"/>
-                <dgm:constr type="lMarg" for="ch" forName="text_3" refType="w" refFor="ch" refForName="accent_3" fact="1.8"/>
-                <dgm:constr type="primFontSz" for="ch" ptType="node" op="equ" val="65"/>
-              </dgm:constrLst>
-            </dgm:if>
-            <dgm:if name="Name8" axis="ch" ptType="node" func="cnt" op="equ" val="4">
-              <dgm:constrLst>
-                <dgm:constr type="h" for="ch" forName="cycle" refType="h"/>
-                <dgm:constr type="w" for="ch" forName="cycle" refType="h" refFor="ch" refForName="cycle" fact="0.26"/>
-                <dgm:constr type="l" for="ch" forName="cycle"/>
-                <dgm:constr type="ctrY" for="ch" forName="cycle" refType="h" fact="0.5"/>
-                <dgm:constr type="diam" for="ch" forName="cycle" refType="h" fact="1.344"/>
-                <dgm:constr type="h" for="ch" forName="accent_1" refType="h" fact="0.1923"/>
-                <dgm:constr type="w" for="ch" forName="accent_1" refType="h" refFor="ch" refForName="accent_1" op="equ"/>
-                <dgm:constr type="ctrY" for="ch" forName="accent_1" refType="h" fact="0.1538"/>
-                <dgm:constr type="ctrX" for="ch" forName="accent_1" refType="h" fact="0.1268"/>
-                <dgm:constr type="l" for="ch" forName="text_1" refType="ctrX" refFor="ch" refForName="accent_1"/>
-                <dgm:constr type="r" for="ch" forName="text_1" refType="w"/>
-                <dgm:constr type="w" for="ch" forName="text_1" refType="h" refFor="ch" refForName="text_1" op="gte"/>
-                <dgm:constr type="h" for="ch" forName="text_1" refType="h" refFor="ch" refForName="accent_1" fact="0.8"/>
-                <dgm:constr type="ctrY" for="ch" forName="text_1" refType="ctrY" refFor="ch" refForName="accent_1"/>
-                <dgm:constr type="lMarg" for="ch" forName="text_1" refType="w" refFor="ch" refForName="accent_1" fact="1.8"/>
-                <dgm:constr type="h" for="ch" forName="accent_2" refType="h" fact="0.1923"/>
-                <dgm:constr type="w" for="ch" forName="accent_2" refType="h" refFor="ch" refForName="accent_2" op="equ"/>
-                <dgm:constr type="ctrY" for="ch" forName="accent_2" refType="h" fact="0.3846"/>
-                <dgm:constr type="ctrX" for="ch" forName="accent_2" refType="h" fact="0.215"/>
-                <dgm:constr type="l" for="ch" forName="text_2" refType="ctrX" refFor="ch" refForName="accent_2"/>
-                <dgm:constr type="r" for="ch" forName="text_2" refType="w"/>
-                <dgm:constr type="w" for="ch" forName="text_2" refType="h" refFor="ch" refForName="text_2" op="gte"/>
-                <dgm:constr type="h" for="ch" forName="text_2" refType="h" refFor="ch" refForName="accent_2" fact="0.8"/>
-                <dgm:constr type="ctrY" for="ch" forName="text_2" refType="ctrY" refFor="ch" refForName="accent_2"/>
-                <dgm:constr type="lMarg" for="ch" forName="text_2" refType="w" refFor="ch" refForName="accent_2" fact="1.8"/>
-                <dgm:constr type="h" for="ch" forName="accent_3" refType="h" fact="0.1923"/>
-                <dgm:constr type="w" for="ch" forName="accent_3" refType="h" refFor="ch" refForName="accent_3" op="equ"/>
-                <dgm:constr type="ctrY" for="ch" forName="accent_3" refType="h" fact="0.6154"/>
-                <dgm:constr type="ctrX" for="ch" forName="accent_3" refType="h" fact="0.215"/>
-                <dgm:constr type="l" for="ch" forName="text_3" refType="ctrX" refFor="ch" refForName="accent_3"/>
-                <dgm:constr type="r" for="ch" forName="text_3" refType="w"/>
-                <dgm:constr type="w" for="ch" forName="text_3" refType="h" refFor="ch" refForName="text_3" op="gte"/>
-                <dgm:constr type="h" for="ch" forName="text_3" refType="h" refFor="ch" refForName="accent_3" fact="0.8"/>
-                <dgm:constr type="ctrY" for="ch" forName="text_3" refType="ctrY" refFor="ch" refForName="accent_3"/>
-                <dgm:constr type="lMarg" for="ch" forName="text_3" refType="w" refFor="ch" refForName="accent_3" fact="1.8"/>
-                <dgm:constr type="h" for="ch" forName="accent_4" refType="h" fact="0.1923"/>
-                <dgm:constr type="w" for="ch" forName="accent_4" refType="h" refFor="ch" refForName="accent_4" op="equ"/>
-                <dgm:constr type="ctrY" for="ch" forName="accent_4" refType="h" fact="0.8462"/>
-                <dgm:constr type="ctrX" for="ch" forName="accent_4" refType="h" fact="0.1268"/>
-                <dgm:constr type="l" for="ch" forName="text_4" refType="ctrX" refFor="ch" refForName="accent_4"/>
-                <dgm:constr type="r" for="ch" forName="text_4" refType="w"/>
-                <dgm:constr type="w" for="ch" forName="text_4" refType="h" refFor="ch" refForName="text_4" op="gte"/>
-                <dgm:constr type="h" for="ch" forName="text_4" refType="h" refFor="ch" refForName="accent_4" fact="0.8"/>
-                <dgm:constr type="ctrY" for="ch" forName="text_4" refType="ctrY" refFor="ch" refForName="accent_4"/>
-                <dgm:constr type="lMarg" for="ch" forName="text_4" refType="w" refFor="ch" refForName="accent_4" fact="1.8"/>
-                <dgm:constr type="primFontSz" for="ch" ptType="node" op="equ" val="65"/>
-              </dgm:constrLst>
-            </dgm:if>
-            <dgm:if name="Name9" axis="ch" ptType="node" func="cnt" op="equ" val="5">
-              <dgm:constrLst>
-                <dgm:constr type="h" for="ch" forName="cycle" refType="h"/>
-                <dgm:constr type="w" for="ch" forName="cycle" refType="h" refFor="ch" refForName="cycle" fact="0.26"/>
-                <dgm:constr type="l" for="ch" forName="cycle"/>
-                <dgm:constr type="ctrY" for="ch" forName="cycle" refType="h" fact="0.5"/>
-                <dgm:constr type="diam" for="ch" forName="cycle" refType="h" fact="1.344"/>
-                <dgm:constr type="h" for="ch" forName="accent_1" refType="h" fact="0.1563"/>
-                <dgm:constr type="w" for="ch" forName="accent_1" refType="h" refFor="ch" refForName="accent_1" op="equ"/>
-                <dgm:constr type="ctrY" for="ch" forName="accent_1" refType="h" fact="0.125"/>
-                <dgm:constr type="ctrX" for="ch" forName="accent_1" refType="h" fact="0.1082"/>
-                <dgm:constr type="l" for="ch" forName="text_1" refType="ctrX" refFor="ch" refForName="accent_1"/>
-                <dgm:constr type="r" for="ch" forName="text_1" refType="w"/>
-                <dgm:constr type="w" for="ch" forName="text_1" refType="h" refFor="ch" refForName="text_1" op="gte"/>
-                <dgm:constr type="h" for="ch" forName="text_1" refType="h" refFor="ch" refForName="accent_1" fact="0.8"/>
-                <dgm:constr type="ctrY" for="ch" forName="text_1" refType="ctrY" refFor="ch" refForName="accent_1"/>
-                <dgm:constr type="lMarg" for="ch" forName="text_1" refType="w" refFor="ch" refForName="accent_1" fact="1.8"/>
-                <dgm:constr type="h" for="ch" forName="accent_2" refType="h" fact="0.1563"/>
-                <dgm:constr type="w" for="ch" forName="accent_2" refType="h" refFor="ch" refForName="accent_2" op="equ"/>
-                <dgm:constr type="ctrY" for="ch" forName="accent_2" refType="h" fact="0.3125"/>
-                <dgm:constr type="ctrX" for="ch" forName="accent_2" refType="h" fact="0.1978"/>
-                <dgm:constr type="l" for="ch" forName="text_2" refType="ctrX" refFor="ch" refForName="accent_2"/>
-                <dgm:constr type="r" for="ch" forName="text_2" refType="w"/>
-                <dgm:constr type="w" for="ch" forName="text_2" refType="h" refFor="ch" refForName="text_2" op="gte"/>
-                <dgm:constr type="h" for="ch" forName="text_2" refType="h" refFor="ch" refForName="accent_2" fact="0.8"/>
-                <dgm:constr type="ctrY" for="ch" forName="text_2" refType="ctrY" refFor="ch" refForName="accent_2"/>
-                <dgm:constr type="lMarg" for="ch" forName="text_2" refType="w" refFor="ch" refForName="accent_2" fact="1.8"/>
-                <dgm:constr type="h" for="ch" forName="accent_3" refType="h" fact="0.1563"/>
-                <dgm:constr type="w" for="ch" forName="accent_3" refType="h" refFor="ch" refForName="accent_3" op="equ"/>
-                <dgm:constr type="ctrY" for="ch" forName="accent_3" refType="h" fact="0.5"/>
-                <dgm:constr type="ctrX" for="ch" forName="accent_3" refType="h" fact="0.2253"/>
-                <dgm:constr type="l" for="ch" forName="text_3" refType="ctrX" refFor="ch" refForName="accent_3"/>
-                <dgm:constr type="r" for="ch" forName="text_3" refType="w"/>
-                <dgm:constr type="w" for="ch" forName="text_3" refType="h" refFor="ch" refForName="text_3" op="gte"/>
-                <dgm:constr type="h" for="ch" forName="text_3" refType="h" refFor="ch" refForName="accent_3" fact="0.8"/>
-                <dgm:constr type="ctrY" for="ch" forName="text_3" refType="ctrY" refFor="ch" refForName="accent_3"/>
-                <dgm:constr type="lMarg" for="ch" forName="text_3" refType="w" refFor="ch" refForName="accent_3" fact="1.8"/>
-                <dgm:constr type="h" for="ch" forName="accent_4" refType="h" fact="0.1563"/>
-                <dgm:constr type="w" for="ch" forName="accent_4" refType="h" refFor="ch" refForName="accent_4" op="equ"/>
-                <dgm:constr type="ctrY" for="ch" forName="accent_4" refType="h" fact="0.6875"/>
-                <dgm:constr type="ctrX" for="ch" forName="accent_4" refType="h" fact="0.1978"/>
-                <dgm:constr type="l" for="ch" forName="text_4" refType="ctrX" refFor="ch" refForName="accent_4"/>
-                <dgm:constr type="r" for="ch" forName="text_4" refType="w"/>
-                <dgm:constr type="w" for="ch" forName="text_4" refType="h" refFor="ch" refForName="text_4" op="gte"/>
-                <dgm:constr type="h" for="ch" forName="text_4" refType="h" refFor="ch" refForName="accent_4" fact="0.8"/>
-                <dgm:constr type="ctrY" for="ch" forName="text_4" refType="ctrY" refFor="ch" refForName="accent_4"/>
-                <dgm:constr type="lMarg" for="ch" forName="text_4" refType="w" refFor="ch" refForName="accent_4" fact="1.8"/>
-                <dgm:constr type="h" for="ch" forName="accent_5" refType="h" fact="0.1563"/>
-                <dgm:constr type="w" for="ch" forName="accent_5" refType="h" refFor="ch" refForName="accent_5" op="equ"/>
-                <dgm:constr type="ctrY" for="ch" forName="accent_5" refType="h" fact="0.875"/>
-                <dgm:constr type="ctrX" for="ch" forName="accent_5" refType="h" fact="0.1082"/>
-                <dgm:constr type="l" for="ch" forName="text_5" refType="ctrX" refFor="ch" refForName="accent_5"/>
-                <dgm:constr type="r" for="ch" forName="text_5" refType="w"/>
-                <dgm:constr type="w" for="ch" forName="text_5" refType="h" refFor="ch" refForName="text_5" op="gte"/>
-                <dgm:constr type="h" for="ch" forName="text_5" refType="h" refFor="ch" refForName="accent_5" fact="0.8"/>
-                <dgm:constr type="ctrY" for="ch" forName="text_5" refType="ctrY" refFor="ch" refForName="accent_5"/>
-                <dgm:constr type="lMarg" for="ch" forName="text_5" refType="w" refFor="ch" refForName="accent_5" fact="1.8"/>
-                <dgm:constr type="primFontSz" for="ch" ptType="node" op="equ" val="65"/>
-              </dgm:constrLst>
-            </dgm:if>
-            <dgm:if name="Name10" axis="ch" ptType="node" func="cnt" op="equ" val="6">
-              <dgm:constrLst>
-                <dgm:constr type="h" for="ch" forName="cycle" refType="h"/>
-                <dgm:constr type="w" for="ch" forName="cycle" refType="h" refFor="ch" refForName="cycle" fact="0.26"/>
-                <dgm:constr type="l" for="ch" forName="cycle"/>
-                <dgm:constr type="ctrY" for="ch" forName="cycle" refType="h" fact="0.5"/>
-                <dgm:constr type="diam" for="ch" forName="cycle" refType="h" fact="1.344"/>
-                <dgm:constr type="h" for="ch" forName="accent_1" refType="h" fact="0.1316"/>
-                <dgm:constr type="w" for="ch" forName="accent_1" refType="h" refFor="ch" refForName="accent_1" op="equ"/>
-                <dgm:constr type="ctrY" for="ch" forName="accent_1" refType="h" fact="0.1053"/>
-                <dgm:constr type="ctrX" for="ch" forName="accent_1" refType="h" fact="0.0943"/>
-                <dgm:constr type="l" for="ch" forName="text_1" refType="ctrX" refFor="ch" refForName="accent_1"/>
-                <dgm:constr type="r" for="ch" forName="text_1" refType="w"/>
-                <dgm:constr type="w" for="ch" forName="text_1" refType="h" refFor="ch" refForName="text_1" op="gte"/>
-                <dgm:constr type="h" for="ch" forName="text_1" refType="h" refFor="ch" refForName="accent_1" fact="0.8"/>
-                <dgm:constr type="ctrY" for="ch" forName="text_1" refType="ctrY" refFor="ch" refForName="accent_1"/>
-                <dgm:constr type="lMarg" for="ch" forName="text_1" refType="w" refFor="ch" refForName="accent_1" fact="1.8"/>
-                <dgm:constr type="h" for="ch" forName="accent_2" refType="h" fact="0.1316"/>
-                <dgm:constr type="w" for="ch" forName="accent_2" refType="h" refFor="ch" refForName="accent_2" op="equ"/>
-                <dgm:constr type="ctrY" for="ch" forName="accent_2" refType="h" fact="0.2632"/>
-                <dgm:constr type="ctrX" for="ch" forName="accent_2" refType="h" fact="0.1809"/>
-                <dgm:constr type="l" for="ch" forName="text_2" refType="ctrX" refFor="ch" refForName="accent_2"/>
-                <dgm:constr type="r" for="ch" forName="text_2" refType="w"/>
-                <dgm:constr type="w" for="ch" forName="text_2" refType="h" refFor="ch" refForName="text_2" op="gte"/>
-                <dgm:constr type="h" for="ch" forName="text_2" refType="h" refFor="ch" refForName="accent_2" fact="0.8"/>
-                <dgm:constr type="ctrY" for="ch" forName="text_2" refType="ctrY" refFor="ch" refForName="accent_2"/>
-                <dgm:constr type="lMarg" for="ch" forName="text_2" refType="w" refFor="ch" refForName="accent_2" fact="1.8"/>
-                <dgm:constr type="h" for="ch" forName="accent_3" refType="h" fact="0.1316"/>
-                <dgm:constr type="w" for="ch" forName="accent_3" refType="h" refFor="ch" refForName="accent_3" op="equ"/>
-                <dgm:constr type="ctrY" for="ch" forName="accent_3" refType="h" fact="0.4211"/>
-                <dgm:constr type="ctrX" for="ch" forName="accent_3" refType="h" fact="0.2205"/>
-                <dgm:constr type="l" for="ch" forName="text_3" refType="ctrX" refFor="ch" refForName="accent_3"/>
-                <dgm:constr type="r" for="ch" forName="text_3" refType="w"/>
-                <dgm:constr type="w" for="ch" forName="text_3" refType="h" refFor="ch" refForName="text_3" op="gte"/>
-                <dgm:constr type="h" for="ch" forName="text_3" refType="h" refFor="ch" refForName="accent_3" fact="0.8"/>
-                <dgm:constr type="ctrY" for="ch" forName="text_3" refType="ctrY" refFor="ch" refForName="accent_3"/>
-                <dgm:constr type="lMarg" for="ch" forName="text_3" refType="w" refFor="ch" refForName="accent_3" fact="1.8"/>
-                <dgm:constr type="h" for="ch" forName="accent_4" refType="h" fact="0.1316"/>
-                <dgm:constr type="w" for="ch" forName="accent_4" refType="h" refFor="ch" refForName="accent_4" op="equ"/>
-                <dgm:constr type="ctrY" for="ch" forName="accent_4" refType="h" fact="0.5789"/>
-                <dgm:constr type="ctrX" for="ch" forName="accent_4" refType="h" fact="0.2205"/>
-                <dgm:constr type="l" for="ch" forName="text_4" refType="ctrX" refFor="ch" refForName="accent_4"/>
-                <dgm:constr type="r" for="ch" forName="text_4" refType="w"/>
-                <dgm:constr type="w" for="ch" forName="text_4" refType="h" refFor="ch" refForName="text_4" op="gte"/>
-                <dgm:constr type="h" for="ch" forName="text_4" refType="h" refFor="ch" refForName="accent_4" fact="0.8"/>
-                <dgm:constr type="ctrY" for="ch" forName="text_4" refType="ctrY" refFor="ch" refForName="accent_4"/>
-                <dgm:constr type="lMarg" for="ch" forName="text_4" refType="w" refFor="ch" refForName="accent_4" fact="1.8"/>
-                <dgm:constr type="h" for="ch" forName="accent_5" refType="h" fact="0.1316"/>
-                <dgm:constr type="w" for="ch" forName="accent_5" refType="h" refFor="ch" refForName="accent_5" op="equ"/>
-                <dgm:constr type="ctrY" for="ch" forName="accent_5" refType="h" fact="0.7368"/>
-                <dgm:constr type="ctrX" for="ch" forName="accent_5" refType="h" fact="0.1809"/>
-                <dgm:constr type="l" for="ch" forName="text_5" refType="ctrX" refFor="ch" refForName="accent_5"/>
-                <dgm:constr type="r" for="ch" forName="text_5" refType="w"/>
-                <dgm:constr type="w" for="ch" forName="text_5" refType="h" refFor="ch" refForName="text_5" op="gte"/>
-                <dgm:constr type="h" for="ch" forName="text_5" refType="h" refFor="ch" refForName="accent_5" fact="0.8"/>
-                <dgm:constr type="ctrY" for="ch" forName="text_5" refType="ctrY" refFor="ch" refForName="accent_5"/>
-                <dgm:constr type="lMarg" for="ch" forName="text_5" refType="w" refFor="ch" refForName="accent_5" fact="1.8"/>
-                <dgm:constr type="h" for="ch" forName="accent_6" refType="h" fact="0.1316"/>
-                <dgm:constr type="w" for="ch" forName="accent_6" refType="h" refFor="ch" refForName="accent_6" op="equ"/>
-                <dgm:constr type="ctrY" for="ch" forName="accent_6" refType="h" fact="0.8947"/>
-                <dgm:constr type="ctrX" for="ch" forName="accent_6" refType="h" fact="0.0943"/>
-                <dgm:constr type="l" for="ch" forName="text_6" refType="ctrX" refFor="ch" refForName="accent_6"/>
-                <dgm:constr type="r" for="ch" forName="text_6" refType="w"/>
-                <dgm:constr type="w" for="ch" forName="text_6" refType="h" refFor="ch" refForName="text_6" op="gte"/>
-                <dgm:constr type="h" for="ch" forName="text_6" refType="h" refFor="ch" refForName="accent_6" fact="0.8"/>
-                <dgm:constr type="ctrY" for="ch" forName="text_6" refType="ctrY" refFor="ch" refForName="accent_6"/>
-                <dgm:constr type="lMarg" for="ch" forName="text_6" refType="w" refFor="ch" refForName="accent_6" fact="1.8"/>
-                <dgm:constr type="primFontSz" for="ch" ptType="node" op="equ" val="65"/>
-              </dgm:constrLst>
-            </dgm:if>
-            <dgm:else name="Name11">
-              <dgm:constrLst>
-                <dgm:constr type="h" for="ch" forName="cycle" refType="h"/>
-                <dgm:constr type="w" for="ch" forName="cycle" refType="h" refFor="ch" refForName="cycle" fact="0.26"/>
-                <dgm:constr type="l" for="ch" forName="cycle"/>
-                <dgm:constr type="ctrY" for="ch" forName="cycle" refType="h" fact="0.5"/>
-                <dgm:constr type="diam" for="ch" forName="cycle" refType="h" fact="1.344"/>
-                <dgm:constr type="h" for="ch" forName="accent_1" refType="h" fact="0.1136"/>
-                <dgm:constr type="w" for="ch" forName="accent_1" refType="h" refFor="ch" refForName="accent_1" op="equ"/>
-                <dgm:constr type="ctrY" for="ch" forName="accent_1" refType="h" fact="0.0909"/>
-                <dgm:constr type="ctrX" for="ch" forName="accent_1" refType="h" fact="0.0835"/>
-                <dgm:constr type="l" for="ch" forName="text_1" refType="ctrX" refFor="ch" refForName="accent_1"/>
-                <dgm:constr type="r" for="ch" forName="text_1" refType="w"/>
-                <dgm:constr type="w" for="ch" forName="text_1" refType="h" refFor="ch" refForName="text_1" op="gte"/>
-                <dgm:constr type="h" for="ch" forName="text_1" refType="h" refFor="ch" refForName="accent_1" fact="0.8"/>
-                <dgm:constr type="ctrY" for="ch" forName="text_1" refType="ctrY" refFor="ch" refForName="accent_1"/>
-                <dgm:constr type="lMarg" for="ch" forName="text_1" refType="w" refFor="ch" refForName="accent_1" fact="1.8"/>
-                <dgm:constr type="h" for="ch" forName="accent_2" refType="h" fact="0.1136"/>
-                <dgm:constr type="w" for="ch" forName="accent_2" refType="h" refFor="ch" refForName="accent_2" op="equ"/>
-                <dgm:constr type="ctrY" for="ch" forName="accent_2" refType="h" fact="0.2273"/>
-                <dgm:constr type="ctrX" for="ch" forName="accent_2" refType="h" fact="0.1658"/>
-                <dgm:constr type="l" for="ch" forName="text_2" refType="ctrX" refFor="ch" refForName="accent_2"/>
-                <dgm:constr type="r" for="ch" forName="text_2" refType="w"/>
-                <dgm:constr type="w" for="ch" forName="text_2" refType="h" refFor="ch" refForName="text_2" op="gte"/>
-                <dgm:constr type="h" for="ch" forName="text_2" refType="h" refFor="ch" refForName="accent_2" fact="0.8"/>
-                <dgm:constr type="ctrY" for="ch" forName="text_2" refType="ctrY" refFor="ch" refForName="accent_2"/>
-                <dgm:constr type="lMarg" for="ch" forName="text_2" refType="w" refFor="ch" refForName="accent_2" fact="1.8"/>
-                <dgm:constr type="h" for="ch" forName="accent_3" refType="h" fact="0.1136"/>
-                <dgm:constr type="w" for="ch" forName="accent_3" refType="h" refFor="ch" refForName="accent_3" op="equ"/>
-                <dgm:constr type="ctrY" for="ch" forName="accent_3" refType="h" fact="0.3636"/>
-                <dgm:constr type="ctrX" for="ch" forName="accent_3" refType="h" fact="0.2109"/>
-                <dgm:constr type="l" for="ch" forName="text_3" refType="ctrX" refFor="ch" refForName="accent_3"/>
-                <dgm:constr type="r" for="ch" forName="text_3" refType="w"/>
-                <dgm:constr type="w" for="ch" forName="text_3" refType="h" refFor="ch" refForName="text_3" op="gte"/>
-                <dgm:constr type="h" for="ch" forName="text_3" refType="h" refFor="ch" refForName="accent_3" fact="0.8"/>
-                <dgm:constr type="ctrY" for="ch" forName="text_3" refType="ctrY" refFor="ch" refForName="accent_3"/>
-                <dgm:constr type="lMarg" for="ch" forName="text_3" refType="w" refFor="ch" refForName="accent_3" fact="1.8"/>
-                <dgm:constr type="h" for="ch" forName="accent_4" refType="h" fact="0.1136"/>
-                <dgm:constr type="w" for="ch" forName="accent_4" refType="h" refFor="ch" refForName="accent_4" op="equ"/>
-                <dgm:constr type="ctrY" for="ch" forName="accent_4" refType="h" fact="0.5"/>
-                <dgm:constr type="ctrX" for="ch" forName="accent_4" refType="h" fact="0.2253"/>
-                <dgm:constr type="l" for="ch" forName="text_4" refType="ctrX" refFor="ch" refForName="accent_4"/>
-                <dgm:constr type="r" for="ch" forName="text_4" refType="w"/>
-                <dgm:constr type="w" for="ch" forName="text_4" refType="h" refFor="ch" refForName="text_4" op="gte"/>
-                <dgm:constr type="h" for="ch" forName="text_4" refType="h" refFor="ch" refForName="accent_4" fact="0.8"/>
-                <dgm:constr type="ctrY" for="ch" forName="text_4" refType="ctrY" refFor="ch" refForName="accent_4"/>
-                <dgm:constr type="lMarg" for="ch" forName="text_4" refType="w" refFor="ch" refForName="accent_4" fact="1.8"/>
-                <dgm:constr type="h" for="ch" forName="accent_5" refType="h" fact="0.1136"/>
-                <dgm:constr type="w" for="ch" forName="accent_5" refType="h" refFor="ch" refForName="accent_5" op="equ"/>
-                <dgm:constr type="ctrY" for="ch" forName="accent_5" refType="h" fact="0.6364"/>
-                <dgm:constr type="ctrX" for="ch" forName="accent_5" refType="h" fact="0.2109"/>
-                <dgm:constr type="l" for="ch" forName="text_5" refType="ctrX" refFor="ch" refForName="accent_5"/>
-                <dgm:constr type="r" for="ch" forName="text_5" refType="w"/>
-                <dgm:constr type="w" for="ch" forName="text_5" refType="h" refFor="ch" refForName="text_5" op="gte"/>
-                <dgm:constr type="h" for="ch" forName="text_5" refType="h" refFor="ch" refForName="accent_5" fact="0.8"/>
-                <dgm:constr type="ctrY" for="ch" forName="text_5" refType="ctrY" refFor="ch" refForName="accent_5"/>
-                <dgm:constr type="lMarg" for="ch" forName="text_5" refType="w" refFor="ch" refForName="accent_5" fact="1.8"/>
-                <dgm:constr type="h" for="ch" forName="accent_6" refType="h" fact="0.1136"/>
-                <dgm:constr type="w" for="ch" forName="accent_6" refType="h" refFor="ch" refForName="accent_6" op="equ"/>
-                <dgm:constr type="ctrY" for="ch" forName="accent_6" refType="h" fact="0.7727"/>
-                <dgm:constr type="ctrX" for="ch" forName="accent_6" refType="h" fact="0.1658"/>
-                <dgm:constr type="l" for="ch" forName="text_6" refType="ctrX" refFor="ch" refForName="accent_6"/>
-                <dgm:constr type="r" for="ch" forName="text_6" refType="w"/>
-                <dgm:constr type="w" for="ch" forName="text_6" refType="h" refFor="ch" refForName="text_6" op="gte"/>
-                <dgm:constr type="h" for="ch" forName="text_6" refType="h" refFor="ch" refForName="accent_6" fact="0.8"/>
-                <dgm:constr type="ctrY" for="ch" forName="text_6" refType="ctrY" refFor="ch" refForName="accent_6"/>
-                <dgm:constr type="lMarg" for="ch" forName="text_6" refType="w" refFor="ch" refForName="accent_6" fact="1.8"/>
-                <dgm:constr type="h" for="ch" forName="accent_7" refType="h" fact="0.1136"/>
-                <dgm:constr type="w" for="ch" forName="accent_7" refType="h" refFor="ch" refForName="accent_7" op="equ"/>
-                <dgm:constr type="ctrY" for="ch" forName="accent_7" refType="h" fact="0.9091"/>
-                <dgm:constr type="ctrX" for="ch" forName="accent_7" refType="h" fact="0.0835"/>
-                <dgm:constr type="l" for="ch" forName="text_7" refType="ctrX" refFor="ch" refForName="accent_7"/>
-                <dgm:constr type="r" for="ch" forName="text_7" refType="w"/>
-                <dgm:constr type="w" for="ch" forName="text_7" refType="h" refFor="ch" refForName="text_7" op="gte"/>
-                <dgm:constr type="h" for="ch" forName="text_7" refType="h" refFor="ch" refForName="accent_7" fact="0.8"/>
-                <dgm:constr type="ctrY" for="ch" forName="text_7" refType="ctrY" refFor="ch" refForName="accent_7"/>
-                <dgm:constr type="lMarg" for="ch" forName="text_7" refType="w" refFor="ch" refForName="accent_7" fact="1.8"/>
-                <dgm:constr type="primFontSz" for="ch" ptType="node" op="equ" val="65"/>
-              </dgm:constrLst>
-            </dgm:else>
-          </dgm:choose>
-        </dgm:if>
-        <dgm:else name="Name12">
-          <dgm:choose name="Name13">
-            <dgm:if name="Name14" axis="ch" ptType="node" func="cnt" op="equ" val="1">
-              <dgm:constrLst>
-                <dgm:constr type="h" for="ch" forName="cycle" refType="h"/>
-                <dgm:constr type="w" for="ch" forName="cycle" refType="h" refFor="ch" refForName="cycle" fact="0.26"/>
-                <dgm:constr type="r" for="ch" forName="cycle" refType="w"/>
-                <dgm:constr type="ctrY" for="ch" forName="cycle" refType="h" fact="0.5"/>
-                <dgm:constr type="diam" for="ch" forName="cycle" refType="h" fact="1.344"/>
-                <dgm:constr type="h" for="ch" forName="accent_1" refType="h" fact="0.625"/>
-                <dgm:constr type="w" for="ch" forName="accent_1" refType="h" refFor="ch" refForName="accent_1" op="equ"/>
-                <dgm:constr type="ctrY" for="ch" forName="accent_1" refType="h" fact="0.5"/>
-                <dgm:constr type="ctrX" for="ch" forName="accent_1" refType="w"/>
-                <dgm:constr type="ctrXOff" for="ch" forName="accent_1" refType="h" fact="-0.2253"/>
-                <dgm:constr type="r" for="ch" forName="text_1" refType="ctrX" refFor="ch" refForName="accent_1"/>
-                <dgm:constr type="rOff" for="ch" forName="text_1" refType="ctrXOff" refFor="ch" refForName="accent_1"/>
-                <dgm:constr type="l" for="ch" forName="text_1"/>
-                <dgm:constr type="w" for="ch" forName="text_1" refType="h" refFor="ch" refForName="text_1" op="gte"/>
-                <dgm:constr type="h" for="ch" forName="text_1" refType="h" refFor="ch" refForName="accent_1" fact="0.8"/>
-                <dgm:constr type="ctrY" for="ch" forName="text_1" refType="ctrY" refFor="ch" refForName="accent_1"/>
-                <dgm:constr type="rMarg" for="ch" forName="text_1" refType="w" refFor="ch" refForName="accent_1" fact="1.8"/>
-                <dgm:constr type="primFontSz" for="ch" ptType="node" op="equ" val="65"/>
-              </dgm:constrLst>
-            </dgm:if>
-            <dgm:if name="Name15" axis="ch" ptType="node" func="cnt" op="equ" val="2">
-              <dgm:constrLst>
-                <dgm:constr type="h" for="ch" forName="cycle" refType="h"/>
-                <dgm:constr type="w" for="ch" forName="cycle" refType="h" refFor="ch" refForName="cycle" fact="0.26"/>
-                <dgm:constr type="r" for="ch" forName="cycle" refType="w"/>
-                <dgm:constr type="ctrY" for="ch" forName="cycle" refType="h" fact="0.5"/>
-                <dgm:constr type="diam" for="ch" forName="cycle" refType="h" fact="1.344"/>
-                <dgm:constr type="h" for="ch" forName="accent_1" refType="h" fact="0.3571"/>
-                <dgm:constr type="w" for="ch" forName="accent_1" refType="h" refFor="ch" refForName="accent_1" op="equ"/>
-                <dgm:constr type="ctrY" for="ch" forName="accent_1" refType="h" fact="0.2857"/>
-                <dgm:constr type="ctrX" for="ch" forName="accent_1" refType="w"/>
-                <dgm:constr type="ctrXOff" for="ch" forName="accent_1" refType="h" fact="-0.1891"/>
-                <dgm:constr type="r" for="ch" forName="text_1" refType="ctrX" refFor="ch" refForName="accent_1"/>
-                <dgm:constr type="rOff" for="ch" forName="text_1" refType="ctrXOff" refFor="ch" refForName="accent_1"/>
-                <dgm:constr type="l" for="ch" forName="text_1"/>
-                <dgm:constr type="w" for="ch" forName="text_1" refType="h" refFor="ch" refForName="text_1" op="gte"/>
-                <dgm:constr type="h" for="ch" forName="text_1" refType="h" refFor="ch" refForName="accent_1" fact="0.8"/>
-                <dgm:constr type="ctrY" for="ch" forName="text_1" refType="ctrY" refFor="ch" refForName="accent_1"/>
-                <dgm:constr type="rMarg" for="ch" forName="text_1" refType="w" refFor="ch" refForName="accent_1" fact="1.8"/>
-                <dgm:constr type="h" for="ch" forName="accent_2" refType="h" fact="0.3571"/>
-                <dgm:constr type="w" for="ch" forName="accent_2" refType="h" refFor="ch" refForName="accent_2" op="equ"/>
-                <dgm:constr type="ctrY" for="ch" forName="accent_2" refType="h" fact="0.7143"/>
-                <dgm:constr type="ctrX" for="ch" forName="accent_2" refType="w"/>
-                <dgm:constr type="ctrXOff" for="ch" forName="accent_2" refType="h" fact="-0.1891"/>
-                <dgm:constr type="r" for="ch" forName="text_2" refType="ctrX" refFor="ch" refForName="accent_2"/>
-                <dgm:constr type="rOff" for="ch" forName="text_2" refType="ctrXOff" refFor="ch" refForName="accent_2"/>
-                <dgm:constr type="l" for="ch" forName="text_2"/>
-                <dgm:constr type="w" for="ch" forName="text_2" refType="h" refFor="ch" refForName="text_2" op="gte"/>
-                <dgm:constr type="h" for="ch" forName="text_2" refType="h" refFor="ch" refForName="accent_2" fact="0.8"/>
-                <dgm:constr type="ctrY" for="ch" forName="text_2" refType="ctrY" refFor="ch" refForName="accent_2"/>
-                <dgm:constr type="rMarg" for="ch" forName="text_2" refType="w" refFor="ch" refForName="accent_2" fact="1.8"/>
-                <dgm:constr type="primFontSz" for="ch" ptType="node" op="equ" val="65"/>
-              </dgm:constrLst>
-            </dgm:if>
-            <dgm:if name="Name16" axis="ch" ptType="node" func="cnt" op="equ" val="3">
-              <dgm:constrLst>
-                <dgm:constr type="h" for="ch" forName="cycle" refType="h"/>
-                <dgm:constr type="w" for="ch" forName="cycle" refType="h" refFor="ch" refForName="cycle" fact="0.26"/>
-                <dgm:constr type="r" for="ch" forName="cycle" refType="w"/>
-                <dgm:constr type="ctrY" for="ch" forName="cycle" refType="h" fact="0.5"/>
-                <dgm:constr type="diam" for="ch" forName="cycle" refType="h" fact="1.344"/>
-                <dgm:constr type="h" for="ch" forName="accent_1" refType="h" fact="0.25"/>
-                <dgm:constr type="w" for="ch" forName="accent_1" refType="h" refFor="ch" refForName="accent_1" op="equ"/>
-                <dgm:constr type="ctrY" for="ch" forName="accent_1" refType="h" fact="0.2"/>
-                <dgm:constr type="ctrX" for="ch" forName="accent_1" refType="w"/>
-                <dgm:constr type="ctrXOff" for="ch" forName="accent_1" refType="h" fact="-0.1526"/>
-                <dgm:constr type="r" for="ch" forName="text_1" refType="ctrX" refFor="ch" refForName="accent_1"/>
-                <dgm:constr type="rOff" for="ch" forName="text_1" refType="ctrXOff" refFor="ch" refForName="accent_1"/>
-                <dgm:constr type="l" for="ch" forName="text_1"/>
-                <dgm:constr type="w" for="ch" forName="text_1" refType="h" refFor="ch" refForName="text_1" op="gte"/>
-                <dgm:constr type="h" for="ch" forName="text_1" refType="h" refFor="ch" refForName="accent_1" fact="0.8"/>
-                <dgm:constr type="ctrY" for="ch" forName="text_1" refType="ctrY" refFor="ch" refForName="accent_1"/>
-                <dgm:constr type="rMarg" for="ch" forName="text_1" refType="w" refFor="ch" refForName="accent_1" fact="1.8"/>
-                <dgm:constr type="h" for="ch" forName="accent_2" refType="h" fact="0.25"/>
-                <dgm:constr type="w" for="ch" forName="accent_2" refType="h" refFor="ch" refForName="accent_2" op="equ"/>
-                <dgm:constr type="ctrY" for="ch" forName="accent_2" refType="h" fact="0.5"/>
-                <dgm:constr type="ctrX" for="ch" forName="accent_2" refType="w"/>
-                <dgm:constr type="ctrXOff" for="ch" forName="accent_2" refType="h" fact="-0.2253"/>
-                <dgm:constr type="r" for="ch" forName="text_2" refType="ctrX" refFor="ch" refForName="accent_2"/>
-                <dgm:constr type="rOff" for="ch" forName="text_2" refType="ctrXOff" refFor="ch" refForName="accent_2"/>
-                <dgm:constr type="l" for="ch" forName="text_2"/>
-                <dgm:constr type="w" for="ch" forName="text_2" refType="h" refFor="ch" refForName="text_2" op="gte"/>
-                <dgm:constr type="h" for="ch" forName="text_2" refType="h" refFor="ch" refForName="accent_2" fact="0.8"/>
-                <dgm:constr type="ctrY" for="ch" forName="text_2" refType="ctrY" refFor="ch" refForName="accent_2"/>
-                <dgm:constr type="rMarg" for="ch" forName="text_2" refType="w" refFor="ch" refForName="accent_2" fact="1.8"/>
-                <dgm:constr type="h" for="ch" forName="accent_3" refType="h" fact="0.25"/>
-                <dgm:constr type="w" for="ch" forName="accent_3" refType="h" refFor="ch" refForName="accent_3" op="equ"/>
-                <dgm:constr type="ctrY" for="ch" forName="accent_3" refType="h" fact="0.8"/>
-                <dgm:constr type="ctrX" for="ch" forName="accent_3" refType="w"/>
-                <dgm:constr type="ctrXOff" for="ch" forName="accent_3" refType="h" fact="-0.1526"/>
-                <dgm:constr type="r" for="ch" forName="text_3" refType="ctrX" refFor="ch" refForName="accent_3"/>
-                <dgm:constr type="rOff" for="ch" forName="text_3" refType="ctrXOff" refFor="ch" refForName="accent_3"/>
-                <dgm:constr type="l" for="ch" forName="text_3"/>
-                <dgm:constr type="w" for="ch" forName="text_3" refType="h" refFor="ch" refForName="text_3" op="gte"/>
-                <dgm:constr type="h" for="ch" forName="text_3" refType="h" refFor="ch" refForName="accent_3" fact="0.8"/>
-                <dgm:constr type="ctrY" for="ch" forName="text_3" refType="ctrY" refFor="ch" refForName="accent_3"/>
-                <dgm:constr type="rMarg" for="ch" forName="text_3" refType="w" refFor="ch" refForName="accent_3" fact="1.8"/>
-                <dgm:constr type="primFontSz" for="ch" ptType="node" op="equ" val="65"/>
-              </dgm:constrLst>
-            </dgm:if>
-            <dgm:if name="Name17" axis="ch" ptType="node" func="cnt" op="equ" val="4">
-              <dgm:constrLst>
-                <dgm:constr type="h" for="ch" forName="cycle" refType="h"/>
-                <dgm:constr type="w" for="ch" forName="cycle" refType="h" refFor="ch" refForName="cycle" fact="0.26"/>
-                <dgm:constr type="r" for="ch" forName="cycle" refType="w"/>
-                <dgm:constr type="ctrY" for="ch" forName="cycle" refType="h" fact="0.5"/>
-                <dgm:constr type="diam" for="ch" forName="cycle" refType="h" fact="1.344"/>
-                <dgm:constr type="h" for="ch" forName="accent_1" refType="h" fact="0.1923"/>
-                <dgm:constr type="w" for="ch" forName="accent_1" refType="h" refFor="ch" refForName="accent_1" op="equ"/>
-                <dgm:constr type="ctrY" for="ch" forName="accent_1" refType="h" fact="0.1538"/>
-                <dgm:constr type="ctrX" for="ch" forName="accent_1" refType="w"/>
-                <dgm:constr type="ctrXOff" for="ch" forName="accent_1" refType="h" fact="-0.1268"/>
-                <dgm:constr type="r" for="ch" forName="text_1" refType="ctrX" refFor="ch" refForName="accent_1"/>
-                <dgm:constr type="rOff" for="ch" forName="text_1" refType="ctrXOff" refFor="ch" refForName="accent_1"/>
-                <dgm:constr type="l" for="ch" forName="text_1"/>
-                <dgm:constr type="w" for="ch" forName="text_1" refType="h" refFor="ch" refForName="text_1" op="gte"/>
-                <dgm:constr type="h" for="ch" forName="text_1" refType="h" refFor="ch" refForName="accent_1" fact="0.8"/>
-                <dgm:constr type="ctrY" for="ch" forName="text_1" refType="ctrY" refFor="ch" refForName="accent_1"/>
-                <dgm:constr type="rMarg" for="ch" forName="text_1" refType="w" refFor="ch" refForName="accent_1" fact="1.8"/>
-                <dgm:constr type="h" for="ch" forName="accent_2" refType="h" fact="0.1923"/>
-                <dgm:constr type="w" for="ch" forName="accent_2" refType="h" refFor="ch" refForName="accent_2" op="equ"/>
-                <dgm:constr type="ctrY" for="ch" forName="accent_2" refType="h" fact="0.3846"/>
-                <dgm:constr type="ctrX" for="ch" forName="accent_2" refType="w"/>
-                <dgm:constr type="ctrXOff" for="ch" forName="accent_2" refType="h" fact="-0.215"/>
-                <dgm:constr type="r" for="ch" forName="text_2" refType="ctrX" refFor="ch" refForName="accent_2"/>
-                <dgm:constr type="rOff" for="ch" forName="text_2" refType="ctrXOff" refFor="ch" refForName="accent_2"/>
-                <dgm:constr type="l" for="ch" forName="text_2"/>
-                <dgm:constr type="w" for="ch" forName="text_2" refType="h" refFor="ch" refForName="text_2" op="gte"/>
-                <dgm:constr type="h" for="ch" forName="text_2" refType="h" refFor="ch" refForName="accent_2" fact="0.8"/>
-                <dgm:constr type="ctrY" for="ch" forName="text_2" refType="ctrY" refFor="ch" refForName="accent_2"/>
-                <dgm:constr type="rMarg" for="ch" forName="text_2" refType="w" refFor="ch" refForName="accent_2" fact="1.8"/>
-                <dgm:constr type="h" for="ch" forName="accent_3" refType="h" fact="0.1923"/>
-                <dgm:constr type="w" for="ch" forName="accent_3" refType="h" refFor="ch" refForName="accent_3" op="equ"/>
-                <dgm:constr type="ctrY" for="ch" forName="accent_3" refType="h" fact="0.6154"/>
-                <dgm:constr type="ctrX" for="ch" forName="accent_3" refType="w"/>
-                <dgm:constr type="ctrXOff" for="ch" forName="accent_3" refType="h" fact="-0.215"/>
-                <dgm:constr type="r" for="ch" forName="text_3" refType="ctrX" refFor="ch" refForName="accent_3"/>
-                <dgm:constr type="rOff" for="ch" forName="text_3" refType="ctrXOff" refFor="ch" refForName="accent_3"/>
-                <dgm:constr type="l" for="ch" forName="text_3"/>
-                <dgm:constr type="w" for="ch" forName="text_3" refType="h" refFor="ch" refForName="text_3" op="gte"/>
-                <dgm:constr type="h" for="ch" forName="text_3" refType="h" refFor="ch" refForName="accent_3" fact="0.8"/>
-                <dgm:constr type="ctrY" for="ch" forName="text_3" refType="ctrY" refFor="ch" refForName="accent_3"/>
-                <dgm:constr type="rMarg" for="ch" forName="text_3" refType="w" refFor="ch" refForName="accent_3" fact="1.8"/>
-                <dgm:constr type="h" for="ch" forName="accent_4" refType="h" fact="0.1923"/>
-                <dgm:constr type="w" for="ch" forName="accent_4" refType="h" refFor="ch" refForName="accent_4" op="equ"/>
-                <dgm:constr type="ctrY" for="ch" forName="accent_4" refType="h" fact="0.8462"/>
-                <dgm:constr type="ctrX" for="ch" forName="accent_4" refType="w"/>
-                <dgm:constr type="ctrXOff" for="ch" forName="accent_4" refType="h" fact="-0.1268"/>
-                <dgm:constr type="r" for="ch" forName="text_4" refType="ctrX" refFor="ch" refForName="accent_4"/>
-                <dgm:constr type="rOff" for="ch" forName="text_4" refType="ctrXOff" refFor="ch" refForName="accent_4"/>
-                <dgm:constr type="l" for="ch" forName="text_4"/>
-                <dgm:constr type="w" for="ch" forName="text_4" refType="h" refFor="ch" refForName="text_4" op="gte"/>
-                <dgm:constr type="h" for="ch" forName="text_4" refType="h" refFor="ch" refForName="accent_4" fact="0.8"/>
-                <dgm:constr type="ctrY" for="ch" forName="text_4" refType="ctrY" refFor="ch" refForName="accent_4"/>
-                <dgm:constr type="rMarg" for="ch" forName="text_4" refType="w" refFor="ch" refForName="accent_4" fact="1.8"/>
-                <dgm:constr type="primFontSz" for="ch" ptType="node" op="equ" val="65"/>
-              </dgm:constrLst>
-            </dgm:if>
-            <dgm:if name="Name18" axis="ch" ptType="node" func="cnt" op="equ" val="5">
-              <dgm:constrLst>
-                <dgm:constr type="h" for="ch" forName="cycle" refType="h"/>
-                <dgm:constr type="w" for="ch" forName="cycle" refType="h" refFor="ch" refForName="cycle" fact="0.26"/>
-                <dgm:constr type="r" for="ch" forName="cycle" refType="w"/>
-                <dgm:constr type="ctrY" for="ch" forName="cycle" refType="h" fact="0.5"/>
-                <dgm:constr type="diam" for="ch" forName="cycle" refType="h" fact="1.344"/>
-                <dgm:constr type="h" for="ch" forName="accent_1" refType="h" fact="0.1563"/>
-                <dgm:constr type="w" for="ch" forName="accent_1" refType="h" refFor="ch" refForName="accent_1" op="equ"/>
-                <dgm:constr type="ctrY" for="ch" forName="accent_1" refType="h" fact="0.125"/>
-                <dgm:constr type="ctrX" for="ch" forName="accent_1" refType="w"/>
-                <dgm:constr type="ctrXOff" for="ch" forName="accent_1" refType="h" fact="-0.1082"/>
-                <dgm:constr type="r" for="ch" forName="text_1" refType="ctrX" refFor="ch" refForName="accent_1"/>
-                <dgm:constr type="rOff" for="ch" forName="text_1" refType="ctrXOff" refFor="ch" refForName="accent_1"/>
-                <dgm:constr type="l" for="ch" forName="text_1"/>
-                <dgm:constr type="w" for="ch" forName="text_1" refType="h" refFor="ch" refForName="text_1" op="gte"/>
-                <dgm:constr type="h" for="ch" forName="text_1" refType="h" refFor="ch" refForName="accent_1" fact="0.8"/>
-                <dgm:constr type="ctrY" for="ch" forName="text_1" refType="ctrY" refFor="ch" refForName="accent_1"/>
-                <dgm:constr type="rMarg" for="ch" forName="text_1" refType="w" refFor="ch" refForName="accent_1" fact="1.8"/>
-                <dgm:constr type="h" for="ch" forName="accent_2" refType="h" fact="0.1563"/>
-                <dgm:constr type="w" for="ch" forName="accent_2" refType="h" refFor="ch" refForName="accent_2" op="equ"/>
-                <dgm:constr type="ctrY" for="ch" forName="accent_2" refType="h" fact="0.3125"/>
-                <dgm:constr type="ctrX" for="ch" forName="accent_2" refType="w"/>
-                <dgm:constr type="ctrXOff" for="ch" forName="accent_2" refType="h" fact="-0.1978"/>
-                <dgm:constr type="r" for="ch" forName="text_2" refType="ctrX" refFor="ch" refForName="accent_2"/>
-                <dgm:constr type="rOff" for="ch" forName="text_2" refType="ctrXOff" refFor="ch" refForName="accent_2"/>
-                <dgm:constr type="l" for="ch" forName="text_2"/>
-                <dgm:constr type="w" for="ch" forName="text_2" refType="h" refFor="ch" refForName="text_2" op="gte"/>
-                <dgm:constr type="h" for="ch" forName="text_2" refType="h" refFor="ch" refForName="accent_2" fact="0.8"/>
-                <dgm:constr type="ctrY" for="ch" forName="text_2" refType="ctrY" refFor="ch" refForName="accent_2"/>
-                <dgm:constr type="rMarg" for="ch" forName="text_2" refType="w" refFor="ch" refForName="accent_2" fact="1.8"/>
-                <dgm:constr type="h" for="ch" forName="accent_3" refType="h" fact="0.1563"/>
-                <dgm:constr type="w" for="ch" forName="accent_3" refType="h" refFor="ch" refForName="accent_3" op="equ"/>
-                <dgm:constr type="ctrY" for="ch" forName="accent_3" refType="h" fact="0.5"/>
-                <dgm:constr type="ctrX" for="ch" forName="accent_3" refType="w"/>
-                <dgm:constr type="ctrXOff" for="ch" forName="accent_3" refType="h" fact="-0.2253"/>
-                <dgm:constr type="r" for="ch" forName="text_3" refType="ctrX" refFor="ch" refForName="accent_3"/>
-                <dgm:constr type="rOff" for="ch" forName="text_3" refType="ctrXOff" refFor="ch" refForName="accent_3"/>
-                <dgm:constr type="l" for="ch" forName="text_3"/>
-                <dgm:constr type="w" for="ch" forName="text_3" refType="h" refFor="ch" refForName="text_3" op="gte"/>
-                <dgm:constr type="h" for="ch" forName="text_3" refType="h" refFor="ch" refForName="accent_3" fact="0.8"/>
-                <dgm:constr type="ctrY" for="ch" forName="text_3" refType="ctrY" refFor="ch" refForName="accent_3"/>
-                <dgm:constr type="rMarg" for="ch" forName="text_3" refType="w" refFor="ch" refForName="accent_3" fact="1.8"/>
-                <dgm:constr type="h" for="ch" forName="accent_4" refType="h" fact="0.1563"/>
-                <dgm:constr type="w" for="ch" forName="accent_4" refType="h" refFor="ch" refForName="accent_4" op="equ"/>
-                <dgm:constr type="ctrY" for="ch" forName="accent_4" refType="h" fact="0.6875"/>
-                <dgm:constr type="ctrX" for="ch" forName="accent_4" refType="w"/>
-                <dgm:constr type="ctrXOff" for="ch" forName="accent_4" refType="h" fact="-0.1978"/>
-                <dgm:constr type="r" for="ch" forName="text_4" refType="ctrX" refFor="ch" refForName="accent_4"/>
-                <dgm:constr type="rOff" for="ch" forName="text_4" refType="ctrXOff" refFor="ch" refForName="accent_4"/>
-                <dgm:constr type="l" for="ch" forName="text_4"/>
-                <dgm:constr type="w" for="ch" forName="text_4" refType="h" refFor="ch" refForName="text_4" op="gte"/>
-                <dgm:constr type="h" for="ch" forName="text_4" refType="h" refFor="ch" refForName="accent_4" fact="0.8"/>
-                <dgm:constr type="ctrY" for="ch" forName="text_4" refType="ctrY" refFor="ch" refForName="accent_4"/>
-                <dgm:constr type="rMarg" for="ch" forName="text_4" refType="w" refFor="ch" refForName="accent_4" fact="1.8"/>
-                <dgm:constr type="h" for="ch" forName="accent_5" refType="h" fact="0.1563"/>
-                <dgm:constr type="w" for="ch" forName="accent_5" refType="h" refFor="ch" refForName="accent_5" op="equ"/>
-                <dgm:constr type="ctrY" for="ch" forName="accent_5" refType="h" fact="0.875"/>
-                <dgm:constr type="ctrX" for="ch" forName="accent_5" refType="w"/>
-                <dgm:constr type="ctrXOff" for="ch" forName="accent_5" refType="h" fact="-0.1082"/>
-                <dgm:constr type="r" for="ch" forName="text_5" refType="ctrX" refFor="ch" refForName="accent_5"/>
-                <dgm:constr type="rOff" for="ch" forName="text_5" refType="ctrXOff" refFor="ch" refForName="accent_5"/>
-                <dgm:constr type="l" for="ch" forName="text_5"/>
-                <dgm:constr type="w" for="ch" forName="text_5" refType="h" refFor="ch" refForName="text_5" op="gte"/>
-                <dgm:constr type="h" for="ch" forName="text_5" refType="h" refFor="ch" refForName="accent_5" fact="0.8"/>
-                <dgm:constr type="ctrY" for="ch" forName="text_5" refType="ctrY" refFor="ch" refForName="accent_5"/>
-                <dgm:constr type="rMarg" for="ch" forName="text_5" refType="w" refFor="ch" refForName="accent_5" fact="1.8"/>
-                <dgm:constr type="primFontSz" for="ch" ptType="node" op="equ" val="65"/>
-              </dgm:constrLst>
-            </dgm:if>
-            <dgm:if name="Name19" axis="ch" ptType="node" func="cnt" op="equ" val="6">
-              <dgm:constrLst>
-                <dgm:constr type="h" for="ch" forName="cycle" refType="h"/>
-                <dgm:constr type="w" for="ch" forName="cycle" refType="h" refFor="ch" refForName="cycle" fact="0.26"/>
-                <dgm:constr type="r" for="ch" forName="cycle" refType="w"/>
-                <dgm:constr type="ctrY" for="ch" forName="cycle" refType="h" fact="0.5"/>
-                <dgm:constr type="diam" for="ch" forName="cycle" refType="h" fact="1.344"/>
-                <dgm:constr type="h" for="ch" forName="accent_1" refType="h" fact="0.1316"/>
-                <dgm:constr type="w" for="ch" forName="accent_1" refType="h" refFor="ch" refForName="accent_1" op="equ"/>
-                <dgm:constr type="ctrY" for="ch" forName="accent_1" refType="h" fact="0.1053"/>
-                <dgm:constr type="ctrX" for="ch" forName="accent_1" refType="w"/>
-                <dgm:constr type="ctrXOff" for="ch" forName="accent_1" refType="h" fact="-0.0943"/>
-                <dgm:constr type="r" for="ch" forName="text_1" refType="ctrX" refFor="ch" refForName="accent_1"/>
-                <dgm:constr type="rOff" for="ch" forName="text_1" refType="ctrXOff" refFor="ch" refForName="accent_1"/>
-                <dgm:constr type="l" for="ch" forName="text_1"/>
-                <dgm:constr type="w" for="ch" forName="text_1" refType="h" refFor="ch" refForName="text_1" op="gte"/>
-                <dgm:constr type="h" for="ch" forName="text_1" refType="h" refFor="ch" refForName="accent_1" fact="0.8"/>
-                <dgm:constr type="ctrY" for="ch" forName="text_1" refType="ctrY" refFor="ch" refForName="accent_1"/>
-                <dgm:constr type="rMarg" for="ch" forName="text_1" refType="w" refFor="ch" refForName="accent_1" fact="1.8"/>
-                <dgm:constr type="h" for="ch" forName="accent_2" refType="h" fact="0.1316"/>
-                <dgm:constr type="w" for="ch" forName="accent_2" refType="h" refFor="ch" refForName="accent_2" op="equ"/>
-                <dgm:constr type="ctrY" for="ch" forName="accent_2" refType="h" fact="0.2632"/>
-                <dgm:constr type="ctrX" for="ch" forName="accent_2" refType="w"/>
-                <dgm:constr type="ctrXOff" for="ch" forName="accent_2" refType="h" fact="-0.1809"/>
-                <dgm:constr type="r" for="ch" forName="text_2" refType="ctrX" refFor="ch" refForName="accent_2"/>
-                <dgm:constr type="rOff" for="ch" forName="text_2" refType="ctrXOff" refFor="ch" refForName="accent_2"/>
-                <dgm:constr type="l" for="ch" forName="text_2"/>
-                <dgm:constr type="w" for="ch" forName="text_2" refType="h" refFor="ch" refForName="text_2" op="gte"/>
-                <dgm:constr type="h" for="ch" forName="text_2" refType="h" refFor="ch" refForName="accent_2" fact="0.8"/>
-                <dgm:constr type="ctrY" for="ch" forName="text_2" refType="ctrY" refFor="ch" refForName="accent_2"/>
-                <dgm:constr type="rMarg" for="ch" forName="text_2" refType="w" refFor="ch" refForName="accent_2" fact="1.8"/>
-                <dgm:constr type="h" for="ch" forName="accent_3" refType="h" fact="0.1316"/>
-                <dgm:constr type="w" for="ch" forName="accent_3" refType="h" refFor="ch" refForName="accent_3" op="equ"/>
-                <dgm:constr type="ctrY" for="ch" forName="accent_3" refType="h" fact="0.4211"/>
-                <dgm:constr type="ctrX" for="ch" forName="accent_3" refType="w"/>
-                <dgm:constr type="ctrXOff" for="ch" forName="accent_3" refType="h" fact="-0.2205"/>
-                <dgm:constr type="r" for="ch" forName="text_3" refType="ctrX" refFor="ch" refForName="accent_3"/>
-                <dgm:constr type="rOff" for="ch" forName="text_3" refType="ctrXOff" refFor="ch" refForName="accent_3"/>
-                <dgm:constr type="l" for="ch" forName="text_3"/>
-                <dgm:constr type="w" for="ch" forName="text_3" refType="h" refFor="ch" refForName="text_3" op="gte"/>
-                <dgm:constr type="h" for="ch" forName="text_3" refType="h" refFor="ch" refForName="accent_3" fact="0.8"/>
-                <dgm:constr type="ctrY" for="ch" forName="text_3" refType="ctrY" refFor="ch" refForName="accent_3"/>
-                <dgm:constr type="rMarg" for="ch" forName="text_3" refType="w" refFor="ch" refForName="accent_3" fact="1.8"/>
-                <dgm:constr type="h" for="ch" forName="accent_4" refType="h" fact="0.1316"/>
-                <dgm:constr type="w" for="ch" forName="accent_4" refType="h" refFor="ch" refForName="accent_4" op="equ"/>
-                <dgm:constr type="ctrY" for="ch" forName="accent_4" refType="h" fact="0.5789"/>
-                <dgm:constr type="ctrX" for="ch" forName="accent_4" refType="w"/>
-                <dgm:constr type="ctrXOff" for="ch" forName="accent_4" refType="h" fact="-0.2205"/>
-                <dgm:constr type="r" for="ch" forName="text_4" refType="ctrX" refFor="ch" refForName="accent_4"/>
-                <dgm:constr type="rOff" for="ch" forName="text_4" refType="ctrXOff" refFor="ch" refForName="accent_4"/>
-                <dgm:constr type="l" for="ch" forName="text_4"/>
-                <dgm:constr type="w" for="ch" forName="text_4" refType="h" refFor="ch" refForName="text_4" op="gte"/>
-                <dgm:constr type="h" for="ch" forName="text_4" refType="h" refFor="ch" refForName="accent_4" fact="0.8"/>
-                <dgm:constr type="ctrY" for="ch" forName="text_4" refType="ctrY" refFor="ch" refForName="accent_4"/>
-                <dgm:constr type="rMarg" for="ch" forName="text_4" refType="w" refFor="ch" refForName="accent_4" fact="1.8"/>
-                <dgm:constr type="h" for="ch" forName="accent_5" refType="h" fact="0.1316"/>
-                <dgm:constr type="w" for="ch" forName="accent_5" refType="h" refFor="ch" refForName="accent_5" op="equ"/>
-                <dgm:constr type="ctrY" for="ch" forName="accent_5" refType="h" fact="0.7368"/>
-                <dgm:constr type="ctrX" for="ch" forName="accent_5" refType="w"/>
-                <dgm:constr type="ctrXOff" for="ch" forName="accent_5" refType="h" fact="-0.1809"/>
-                <dgm:constr type="r" for="ch" forName="text_5" refType="ctrX" refFor="ch" refForName="accent_5"/>
-                <dgm:constr type="rOff" for="ch" forName="text_5" refType="ctrXOff" refFor="ch" refForName="accent_5"/>
-                <dgm:constr type="l" for="ch" forName="text_5"/>
-                <dgm:constr type="w" for="ch" forName="text_5" refType="h" refFor="ch" refForName="text_5" op="gte"/>
-                <dgm:constr type="h" for="ch" forName="text_5" refType="h" refFor="ch" refForName="accent_5" fact="0.8"/>
-                <dgm:constr type="ctrY" for="ch" forName="text_5" refType="ctrY" refFor="ch" refForName="accent_5"/>
-                <dgm:constr type="rMarg" for="ch" forName="text_5" refType="w" refFor="ch" refForName="accent_5" fact="1.8"/>
-                <dgm:constr type="h" for="ch" forName="accent_6" refType="h" fact="0.1316"/>
-                <dgm:constr type="w" for="ch" forName="accent_6" refType="h" refFor="ch" refForName="accent_6" op="equ"/>
-                <dgm:constr type="ctrY" for="ch" forName="accent_6" refType="h" fact="0.8947"/>
-                <dgm:constr type="ctrX" for="ch" forName="accent_6" refType="w"/>
-                <dgm:constr type="ctrXOff" for="ch" forName="accent_6" refType="h" fact="-0.0943"/>
-                <dgm:constr type="r" for="ch" forName="text_6" refType="ctrX" refFor="ch" refForName="accent_6"/>
-                <dgm:constr type="rOff" for="ch" forName="text_6" refType="ctrXOff" refFor="ch" refForName="accent_6"/>
-                <dgm:constr type="l" for="ch" forName="text_6"/>
-                <dgm:constr type="w" for="ch" forName="text_6" refType="h" refFor="ch" refForName="text_6" op="gte"/>
-                <dgm:constr type="h" for="ch" forName="text_6" refType="h" refFor="ch" refForName="accent_6" fact="0.8"/>
-                <dgm:constr type="ctrY" for="ch" forName="text_6" refType="ctrY" refFor="ch" refForName="accent_6"/>
-                <dgm:constr type="rMarg" for="ch" forName="text_6" refType="w" refFor="ch" refForName="accent_6" fact="1.8"/>
-                <dgm:constr type="primFontSz" for="ch" ptType="node" op="equ" val="65"/>
-              </dgm:constrLst>
-            </dgm:if>
-            <dgm:else name="Name20">
-              <dgm:constrLst>
-                <dgm:constr type="h" for="ch" forName="cycle" refType="h"/>
-                <dgm:constr type="w" for="ch" forName="cycle" refType="h" refFor="ch" refForName="cycle" fact="0.26"/>
-                <dgm:constr type="r" for="ch" forName="cycle" refType="w"/>
-                <dgm:constr type="ctrY" for="ch" forName="cycle" refType="h" fact="0.5"/>
-                <dgm:constr type="diam" for="ch" forName="cycle" refType="h" fact="1.344"/>
-                <dgm:constr type="h" for="ch" forName="accent_1" refType="h" fact="0.1136"/>
-                <dgm:constr type="w" for="ch" forName="accent_1" refType="h" refFor="ch" refForName="accent_1" op="equ"/>
-                <dgm:constr type="ctrY" for="ch" forName="accent_1" refType="h" fact="0.0909"/>
-                <dgm:constr type="ctrX" for="ch" forName="accent_1" refType="w"/>
-                <dgm:constr type="ctrXOff" for="ch" forName="accent_1" refType="h" fact="-0.0835"/>
-                <dgm:constr type="r" for="ch" forName="text_1" refType="ctrX" refFor="ch" refForName="accent_1"/>
-                <dgm:constr type="rOff" for="ch" forName="text_1" refType="ctrXOff" refFor="ch" refForName="accent_1"/>
-                <dgm:constr type="l" for="ch" forName="text_1"/>
-                <dgm:constr type="w" for="ch" forName="text_1" refType="h" refFor="ch" refForName="text_1" op="gte"/>
-                <dgm:constr type="h" for="ch" forName="text_1" refType="h" refFor="ch" refForName="accent_1" fact="0.8"/>
-                <dgm:constr type="ctrY" for="ch" forName="text_1" refType="ctrY" refFor="ch" refForName="accent_1"/>
-                <dgm:constr type="rMarg" for="ch" forName="text_1" refType="w" refFor="ch" refForName="accent_1" fact="1.8"/>
-                <dgm:constr type="h" for="ch" forName="accent_2" refType="h" fact="0.1136"/>
-                <dgm:constr type="w" for="ch" forName="accent_2" refType="h" refFor="ch" refForName="accent_2" op="equ"/>
-                <dgm:constr type="ctrY" for="ch" forName="accent_2" refType="h" fact="0.2273"/>
-                <dgm:constr type="ctrX" for="ch" forName="accent_2" refType="w"/>
-                <dgm:constr type="ctrXOff" for="ch" forName="accent_2" refType="h" fact="-0.1658"/>
-                <dgm:constr type="r" for="ch" forName="text_2" refType="ctrX" refFor="ch" refForName="accent_2"/>
-                <dgm:constr type="rOff" for="ch" forName="text_2" refType="ctrXOff" refFor="ch" refForName="accent_2"/>
-                <dgm:constr type="l" for="ch" forName="text_2"/>
-                <dgm:constr type="w" for="ch" forName="text_2" refType="h" refFor="ch" refForName="text_2" op="gte"/>
-                <dgm:constr type="h" for="ch" forName="text_2" refType="h" refFor="ch" refForName="accent_2" fact="0.8"/>
-                <dgm:constr type="ctrY" for="ch" forName="text_2" refType="ctrY" refFor="ch" refForName="accent_2"/>
-                <dgm:constr type="rMarg" for="ch" forName="text_2" refType="w" refFor="ch" refForName="accent_2" fact="1.8"/>
-                <dgm:constr type="h" for="ch" forName="accent_3" refType="h" fact="0.1136"/>
-                <dgm:constr type="w" for="ch" forName="accent_3" refType="h" refFor="ch" refForName="accent_3" op="equ"/>
-                <dgm:constr type="ctrY" for="ch" forName="accent_3" refType="h" fact="0.3636"/>
-                <dgm:constr type="ctrX" for="ch" forName="accent_3" refType="w"/>
-                <dgm:constr type="ctrXOff" for="ch" forName="accent_3" refType="h" fact="-0.2109"/>
-                <dgm:constr type="r" for="ch" forName="text_3" refType="ctrX" refFor="ch" refForName="accent_3"/>
-                <dgm:constr type="rOff" for="ch" forName="text_3" refType="ctrXOff" refFor="ch" refForName="accent_3"/>
-                <dgm:constr type="l" for="ch" forName="text_3"/>
-                <dgm:constr type="w" for="ch" forName="text_3" refType="h" refFor="ch" refForName="text_3" op="gte"/>
-                <dgm:constr type="h" for="ch" forName="text_3" refType="h" refFor="ch" refForName="accent_3" fact="0.8"/>
-                <dgm:constr type="ctrY" for="ch" forName="text_3" refType="ctrY" refFor="ch" refForName="accent_3"/>
-                <dgm:constr type="rMarg" for="ch" forName="text_3" refType="w" refFor="ch" refForName="accent_3" fact="1.8"/>
-                <dgm:constr type="h" for="ch" forName="accent_4" refType="h" fact="0.1136"/>
-                <dgm:constr type="w" for="ch" forName="accent_4" refType="h" refFor="ch" refForName="accent_4" op="equ"/>
-                <dgm:constr type="ctrY" for="ch" forName="accent_4" refType="h" fact="0.5"/>
-                <dgm:constr type="ctrX" for="ch" forName="accent_4" refType="w"/>
-                <dgm:constr type="ctrXOff" for="ch" forName="accent_4" refType="h" fact="-0.2253"/>
-                <dgm:constr type="r" for="ch" forName="text_4" refType="ctrX" refFor="ch" refForName="accent_4"/>
-                <dgm:constr type="rOff" for="ch" forName="text_4" refType="ctrXOff" refFor="ch" refForName="accent_4"/>
-                <dgm:constr type="l" for="ch" forName="text_4"/>
-                <dgm:constr type="w" for="ch" forName="text_4" refType="h" refFor="ch" refForName="text_4" op="gte"/>
-                <dgm:constr type="h" for="ch" forName="text_4" refType="h" refFor="ch" refForName="accent_4" fact="0.8"/>
-                <dgm:constr type="ctrY" for="ch" forName="text_4" refType="ctrY" refFor="ch" refForName="accent_4"/>
-                <dgm:constr type="rMarg" for="ch" forName="text_4" refType="w" refFor="ch" refForName="accent_4" fact="1.8"/>
-                <dgm:constr type="h" for="ch" forName="accent_5" refType="h" fact="0.1136"/>
-                <dgm:constr type="w" for="ch" forName="accent_5" refType="h" refFor="ch" refForName="accent_5" op="equ"/>
-                <dgm:constr type="ctrY" for="ch" forName="accent_5" refType="h" fact="0.6364"/>
-                <dgm:constr type="ctrX" for="ch" forName="accent_5" refType="w"/>
-                <dgm:constr type="ctrXOff" for="ch" forName="accent_5" refType="h" fact="-0.2109"/>
-                <dgm:constr type="r" for="ch" forName="text_5" refType="ctrX" refFor="ch" refForName="accent_5"/>
-                <dgm:constr type="rOff" for="ch" forName="text_5" refType="ctrXOff" refFor="ch" refForName="accent_5"/>
-                <dgm:constr type="l" for="ch" forName="text_5"/>
-                <dgm:constr type="w" for="ch" forName="text_5" refType="h" refFor="ch" refForName="text_5" op="gte"/>
-                <dgm:constr type="h" for="ch" forName="text_5" refType="h" refFor="ch" refForName="accent_5" fact="0.8"/>
-                <dgm:constr type="ctrY" for="ch" forName="text_5" refType="ctrY" refFor="ch" refForName="accent_5"/>
-                <dgm:constr type="rMarg" for="ch" forName="text_5" refType="w" refFor="ch" refForName="accent_5" fact="1.8"/>
-                <dgm:constr type="h" for="ch" forName="accent_6" refType="h" fact="0.1136"/>
-                <dgm:constr type="w" for="ch" forName="accent_6" refType="h" refFor="ch" refForName="accent_6" op="equ"/>
-                <dgm:constr type="ctrY" for="ch" forName="accent_6" refType="h" fact="0.7727"/>
-                <dgm:constr type="ctrX" for="ch" forName="accent_6" refType="w"/>
-                <dgm:constr type="ctrXOff" for="ch" forName="accent_6" refType="h" fact="-0.1658"/>
-                <dgm:constr type="r" for="ch" forName="text_6" refType="ctrX" refFor="ch" refForName="accent_6"/>
-                <dgm:constr type="rOff" for="ch" forName="text_6" refType="ctrXOff" refFor="ch" refForName="accent_6"/>
-                <dgm:constr type="l" for="ch" forName="text_6"/>
-                <dgm:constr type="w" for="ch" forName="text_6" refType="h" refFor="ch" refForName="text_6" op="gte"/>
-                <dgm:constr type="h" for="ch" forName="text_6" refType="h" refFor="ch" refForName="accent_6" fact="0.8"/>
-                <dgm:constr type="ctrY" for="ch" forName="text_6" refType="ctrY" refFor="ch" refForName="accent_6"/>
-                <dgm:constr type="rMarg" for="ch" forName="text_6" refType="w" refFor="ch" refForName="accent_6" fact="1.8"/>
-                <dgm:constr type="h" for="ch" forName="accent_7" refType="h" fact="0.1136"/>
-                <dgm:constr type="w" for="ch" forName="accent_7" refType="h" refFor="ch" refForName="accent_7" op="equ"/>
-                <dgm:constr type="ctrY" for="ch" forName="accent_7" refType="h" fact="0.9091"/>
-                <dgm:constr type="ctrX" for="ch" forName="accent_7" refType="w"/>
-                <dgm:constr type="ctrXOff" for="ch" forName="accent_7" refType="h" fact="-0.0835"/>
-                <dgm:constr type="r" for="ch" forName="text_7" refType="ctrX" refFor="ch" refForName="accent_7"/>
-                <dgm:constr type="rOff" for="ch" forName="text_7" refType="ctrXOff" refFor="ch" refForName="accent_7"/>
-                <dgm:constr type="l" for="ch" forName="text_7"/>
-                <dgm:constr type="w" for="ch" forName="text_7" refType="h" refFor="ch" refForName="text_7" op="gte"/>
-                <dgm:constr type="h" for="ch" forName="text_7" refType="h" refFor="ch" refForName="accent_7" fact="0.8"/>
-                <dgm:constr type="ctrY" for="ch" forName="text_7" refType="ctrY" refFor="ch" refForName="accent_7"/>
-                <dgm:constr type="rMarg" for="ch" forName="text_7" refType="w" refFor="ch" refForName="accent_7" fact="1.8"/>
-                <dgm:constr type="primFontSz" for="ch" ptType="node" op="equ" val="65"/>
-              </dgm:constrLst>
-            </dgm:else>
-          </dgm:choose>
-        </dgm:else>
-      </dgm:choose>
-      <dgm:layoutNode name="cycle">
-        <dgm:choose name="Name21">
-          <dgm:if name="Name22" func="var" arg="dir" op="equ" val="norm">
-            <dgm:alg type="cycle">
-              <dgm:param type="stAng" val="45"/>
-              <dgm:param type="spanAng" val="90"/>
-            </dgm:alg>
-          </dgm:if>
-          <dgm:else name="Name23">
-            <dgm:alg type="cycle">
-              <dgm:param type="stAng" val="225"/>
-              <dgm:param type="spanAng" val="90"/>
-            </dgm:alg>
-          </dgm:else>
-        </dgm:choose>
-        <dgm:shape xmlns:r="http://schemas.openxmlformats.org/officeDocument/2006/relationships" r:blip="">
-          <dgm:adjLst/>
-        </dgm:shape>
-        <dgm:presOf/>
-        <dgm:constrLst>
-          <dgm:constr type="w" for="ch" val="1"/>
-          <dgm:constr type="h" for="ch" val="1"/>
-          <dgm:constr type="diam" for="ch" forName="conn" refType="diam"/>
-        </dgm:constrLst>
-        <dgm:layoutNode name="srcNode">
-          <dgm:alg type="sp"/>
-          <dgm:shape xmlns:r="http://schemas.openxmlformats.org/officeDocument/2006/relationships" type="rect" r:blip="" hideGeom="1">
-            <dgm:adjLst/>
-          </dgm:shape>
-          <dgm:presOf/>
-        </dgm:layoutNode>
-        <dgm:layoutNode name="conn" styleLbl="parChTrans1D2">
-          <dgm:alg type="conn">
-            <dgm:param type="connRout" val="curve"/>
-            <dgm:param type="srcNode" val="srcNode"/>
-            <dgm:param type="dstNode" val="dstNode"/>
-            <dgm:param type="begPts" val="ctr"/>
-            <dgm:param type="endPts" val="ctr"/>
-            <dgm:param type="endSty" val="noArr"/>
-          </dgm:alg>
-          <dgm:shape xmlns:r="http://schemas.openxmlformats.org/officeDocument/2006/relationships" type="conn" r:blip="">
-            <dgm:adjLst/>
-          </dgm:shape>
-          <dgm:presOf axis="desOrSelf" ptType="sibTrans" hideLastTrans="0" st="0" cnt="1"/>
-          <dgm:constrLst>
-            <dgm:constr type="begPad"/>
-            <dgm:constr type="endPad"/>
-          </dgm:constrLst>
-        </dgm:layoutNode>
-        <dgm:layoutNode name="extraNode">
-          <dgm:alg type="sp"/>
-          <dgm:shape xmlns:r="http://schemas.openxmlformats.org/officeDocument/2006/relationships" type="rect" r:blip="" hideGeom="1">
-            <dgm:adjLst/>
-          </dgm:shape>
-          <dgm:presOf/>
-        </dgm:layoutNode>
-        <dgm:layoutNode name="dstNode">
-          <dgm:alg type="sp"/>
-          <dgm:shape xmlns:r="http://schemas.openxmlformats.org/officeDocument/2006/relationships" type="rect" r:blip="" hideGeom="1">
-            <dgm:adjLst/>
-          </dgm:shape>
-          <dgm:presOf/>
-        </dgm:layoutNode>
-      </dgm:layoutNode>
-      <dgm:forEach name="wrapper" axis="self" ptType="parTrans">
-        <dgm:forEach name="wrapper2" axis="self" ptType="sibTrans" st="2">
-          <dgm:forEach name="accentRepeat" axis="self">
-            <dgm:layoutNode name="accentRepeatNode" styleLbl="solidFgAcc1">
-              <dgm:alg type="sp"/>
-              <dgm:shape xmlns:r="http://schemas.openxmlformats.org/officeDocument/2006/relationships" type="ellipse" r:blip="">
-                <dgm:adjLst/>
-              </dgm:shape>
-              <dgm:presOf/>
-            </dgm:layoutNode>
-          </dgm:forEach>
-        </dgm:forEach>
-      </dgm:forEach>
-      <dgm:forEach name="Name24" axis="ch" ptType="node" cnt="1">
-        <dgm:layoutNode name="text_1" styleLbl="node1">
-          <dgm:varLst>
-            <dgm:bulletEnabled val="1"/>
-          </dgm:varLst>
-          <dgm:choose name="Name25">
-            <dgm:if name="Name26" func="var" arg="dir" op="equ" val="norm">
-              <dgm:alg type="tx">
-                <dgm:param type="parTxLTRAlign" val="l"/>
-                <dgm:param type="shpTxLTRAlignCh" val="l"/>
-                <dgm:param type="parTxRTLAlign" val="l"/>
-                <dgm:param type="shpTxRTLAlignCh" val="l"/>
-              </dgm:alg>
-            </dgm:if>
-            <dgm:else name="Name27">
-              <dgm:alg type="tx">
-                <dgm:param type="parTxLTRAlign" val="r"/>
-                <dgm:param type="shpTxLTRAlignCh" val="r"/>
-                <dgm:param type="parTxRTLAlign" val="r"/>
-                <dgm:param type="shpTxRTLAlignCh" val="r"/>
-              </dgm:alg>
-            </dgm:else>
-          </dgm:choose>
-          <dgm:shape xmlns:r="http://schemas.openxmlformats.org/officeDocument/2006/relationships" type="rect" r:blip="">
-            <dgm:adjLst/>
-          </dgm:shape>
-          <dgm:presOf axis="desOrSelf" ptType="node"/>
-          <dgm:constrLst>
-            <dgm:constr type="primFontSz" val="65"/>
-            <dgm:constr type="lMarg" refType="primFontSz" fact="0.2"/>
-            <dgm:constr type="rMarg" refType="primFontSz" fact="0.2"/>
-            <dgm:constr type="tMarg" refType="primFontSz" fact="0.2"/>
-            <dgm:constr type="bMarg" refType="primFontSz" fact="0.2"/>
-          </dgm:constrLst>
-          <dgm:ruleLst>
-            <dgm:rule type="primFontSz" val="5" fact="NaN" max="NaN"/>
-          </dgm:ruleLst>
-        </dgm:layoutNode>
-        <dgm:layoutNode name="accent_1">
-          <dgm:alg type="sp"/>
-          <dgm:shape xmlns:r="http://schemas.openxmlformats.org/officeDocument/2006/relationships" r:blip="">
-            <dgm:adjLst/>
-          </dgm:shape>
-          <dgm:presOf/>
-          <dgm:constrLst/>
-          <dgm:forEach name="Name28" ref="accentRepeat"/>
-        </dgm:layoutNode>
-      </dgm:forEach>
-      <dgm:forEach name="Name29" axis="ch" ptType="node" st="2" cnt="1">
-        <dgm:layoutNode name="text_2" styleLbl="node1">
-          <dgm:varLst>
-            <dgm:bulletEnabled val="1"/>
-          </dgm:varLst>
-          <dgm:choose name="Name30">
-            <dgm:if name="Name31" func="var" arg="dir" op="equ" val="norm">
-              <dgm:alg type="tx">
-                <dgm:param type="parTxLTRAlign" val="l"/>
-                <dgm:param type="shpTxLTRAlignCh" val="l"/>
-                <dgm:param type="parTxRTLAlign" val="l"/>
-                <dgm:param type="shpTxRTLAlignCh" val="l"/>
-              </dgm:alg>
-            </dgm:if>
-            <dgm:else name="Name32">
-              <dgm:alg type="tx">
-                <dgm:param type="parTxLTRAlign" val="r"/>
-                <dgm:param type="shpTxLTRAlignCh" val="r"/>
-                <dgm:param type="parTxRTLAlign" val="r"/>
-                <dgm:param type="shpTxRTLAlignCh" val="r"/>
-              </dgm:alg>
-            </dgm:else>
-          </dgm:choose>
-          <dgm:shape xmlns:r="http://schemas.openxmlformats.org/officeDocument/2006/relationships" type="rect" r:blip="">
-            <dgm:adjLst/>
-          </dgm:shape>
-          <dgm:presOf axis="desOrSelf" ptType="node"/>
-          <dgm:constrLst>
-            <dgm:constr type="primFontSz" val="65"/>
-            <dgm:constr type="lMarg" refType="primFontSz" fact="0.2"/>
-            <dgm:constr type="rMarg" refType="primFontSz" fact="0.2"/>
-            <dgm:constr type="tMarg" refType="primFontSz" fact="0.2"/>
-            <dgm:constr type="bMarg" refType="primFontSz" fact="0.2"/>
-          </dgm:constrLst>
-          <dgm:ruleLst>
-            <dgm:rule type="primFontSz" val="5" fact="NaN" max="NaN"/>
-          </dgm:ruleLst>
-        </dgm:layoutNode>
-        <dgm:layoutNode name="accent_2">
-          <dgm:alg type="sp"/>
-          <dgm:shape xmlns:r="http://schemas.openxmlformats.org/officeDocument/2006/relationships" r:blip="">
-            <dgm:adjLst/>
-          </dgm:shape>
-          <dgm:presOf/>
-          <dgm:constrLst/>
-          <dgm:forEach name="Name33" ref="accentRepeat"/>
-        </dgm:layoutNode>
-      </dgm:forEach>
-      <dgm:forEach name="Name34" axis="ch" ptType="node" st="3" cnt="1">
-        <dgm:layoutNode name="text_3" styleLbl="node1">
-          <dgm:varLst>
-            <dgm:bulletEnabled val="1"/>
-          </dgm:varLst>
-          <dgm:choose name="Name35">
-            <dgm:if name="Name36" func="var" arg="dir" op="equ" val="norm">
-              <dgm:alg type="tx">
-                <dgm:param type="parTxLTRAlign" val="l"/>
-                <dgm:param type="shpTxLTRAlignCh" val="l"/>
-                <dgm:param type="parTxRTLAlign" val="l"/>
-                <dgm:param type="shpTxRTLAlignCh" val="l"/>
-              </dgm:alg>
-            </dgm:if>
-            <dgm:else name="Name37">
-              <dgm:alg type="tx">
-                <dgm:param type="parTxLTRAlign" val="r"/>
-                <dgm:param type="shpTxLTRAlignCh" val="r"/>
-                <dgm:param type="parTxRTLAlign" val="r"/>
-                <dgm:param type="shpTxRTLAlignCh" val="r"/>
-              </dgm:alg>
-            </dgm:else>
-          </dgm:choose>
-          <dgm:shape xmlns:r="http://schemas.openxmlformats.org/officeDocument/2006/relationships" type="rect" r:blip="">
-            <dgm:adjLst/>
-          </dgm:shape>
-          <dgm:presOf axis="desOrSelf" ptType="node"/>
-          <dgm:constrLst>
-            <dgm:constr type="primFontSz" val="65"/>
-            <dgm:constr type="lMarg" refType="primFontSz" fact="0.2"/>
-            <dgm:constr type="rMarg" refType="primFontSz" fact="0.2"/>
-            <dgm:constr type="tMarg" refType="primFontSz" fact="0.2"/>
-            <dgm:constr type="bMarg" refType="primFontSz" fact="0.2"/>
-          </dgm:constrLst>
-          <dgm:ruleLst>
-            <dgm:rule type="primFontSz" val="5" fact="NaN" max="NaN"/>
-          </dgm:ruleLst>
-        </dgm:layoutNode>
-        <dgm:layoutNode name="accent_3">
-          <dgm:alg type="sp"/>
-          <dgm:shape xmlns:r="http://schemas.openxmlformats.org/officeDocument/2006/relationships" r:blip="">
-            <dgm:adjLst/>
-          </dgm:shape>
-          <dgm:presOf/>
-          <dgm:constrLst/>
-          <dgm:forEach name="Name38" ref="accentRepeat"/>
-        </dgm:layoutNode>
-      </dgm:forEach>
-      <dgm:forEach name="Name39" axis="ch" ptType="node" st="4" cnt="1">
-        <dgm:layoutNode name="text_4" styleLbl="node1">
-          <dgm:varLst>
-            <dgm:bulletEnabled val="1"/>
-          </dgm:varLst>
-          <dgm:choose name="Name40">
-            <dgm:if name="Name41" func="var" arg="dir" op="equ" val="norm">
-              <dgm:alg type="tx">
-                <dgm:param type="parTxLTRAlign" val="l"/>
-                <dgm:param type="shpTxLTRAlignCh" val="l"/>
-                <dgm:param type="parTxRTLAlign" val="l"/>
-                <dgm:param type="shpTxRTLAlignCh" val="l"/>
-              </dgm:alg>
-            </dgm:if>
-            <dgm:else name="Name42">
-              <dgm:alg type="tx">
-                <dgm:param type="parTxLTRAlign" val="r"/>
-                <dgm:param type="shpTxLTRAlignCh" val="r"/>
-                <dgm:param type="parTxRTLAlign" val="r"/>
-                <dgm:param type="shpTxRTLAlignCh" val="r"/>
-              </dgm:alg>
-            </dgm:else>
-          </dgm:choose>
-          <dgm:shape xmlns:r="http://schemas.openxmlformats.org/officeDocument/2006/relationships" type="rect" r:blip="">
-            <dgm:adjLst/>
-          </dgm:shape>
-          <dgm:presOf axis="desOrSelf" ptType="node"/>
-          <dgm:constrLst>
-            <dgm:constr type="primFontSz" val="65"/>
-            <dgm:constr type="lMarg" refType="primFontSz" fact="0.2"/>
-            <dgm:constr type="rMarg" refType="primFontSz" fact="0.2"/>
-            <dgm:constr type="tMarg" refType="primFontSz" fact="0.2"/>
-            <dgm:constr type="bMarg" refType="primFontSz" fact="0.2"/>
-          </dgm:constrLst>
-          <dgm:ruleLst>
-            <dgm:rule type="primFontSz" val="5" fact="NaN" max="NaN"/>
-          </dgm:ruleLst>
-        </dgm:layoutNode>
-        <dgm:layoutNode name="accent_4">
-          <dgm:alg type="sp"/>
-          <dgm:shape xmlns:r="http://schemas.openxmlformats.org/officeDocument/2006/relationships" r:blip="">
-            <dgm:adjLst/>
-          </dgm:shape>
-          <dgm:presOf/>
-          <dgm:constrLst/>
-          <dgm:forEach name="Name43" ref="accentRepeat"/>
-        </dgm:layoutNode>
-      </dgm:forEach>
-      <dgm:forEach name="Name44" axis="ch" ptType="node" st="5" cnt="1">
-        <dgm:layoutNode name="text_5" styleLbl="node1">
-          <dgm:varLst>
-            <dgm:bulletEnabled val="1"/>
-          </dgm:varLst>
-          <dgm:choose name="Name45">
-            <dgm:if name="Name46" func="var" arg="dir" op="equ" val="norm">
-              <dgm:alg type="tx">
-                <dgm:param type="parTxLTRAlign" val="l"/>
-                <dgm:param type="shpTxLTRAlignCh" val="l"/>
-                <dgm:param type="parTxRTLAlign" val="l"/>
-                <dgm:param type="shpTxRTLAlignCh" val="l"/>
-              </dgm:alg>
-            </dgm:if>
-            <dgm:else name="Name47">
-              <dgm:alg type="tx">
-                <dgm:param type="parTxLTRAlign" val="r"/>
-                <dgm:param type="shpTxLTRAlignCh" val="r"/>
-                <dgm:param type="parTxRTLAlign" val="r"/>
-                <dgm:param type="shpTxRTLAlignCh" val="r"/>
-              </dgm:alg>
-            </dgm:else>
-          </dgm:choose>
-          <dgm:shape xmlns:r="http://schemas.openxmlformats.org/officeDocument/2006/relationships" type="rect" r:blip="">
-            <dgm:adjLst/>
-          </dgm:shape>
-          <dgm:presOf axis="desOrSelf" ptType="node"/>
-          <dgm:constrLst>
-            <dgm:constr type="primFontSz" val="65"/>
-            <dgm:constr type="lMarg" refType="primFontSz" fact="0.2"/>
-            <dgm:constr type="rMarg" refType="primFontSz" fact="0.2"/>
-            <dgm:constr type="tMarg" refType="primFontSz" fact="0.2"/>
-            <dgm:constr type="bMarg" refType="primFontSz" fact="0.2"/>
-          </dgm:constrLst>
-          <dgm:ruleLst>
-            <dgm:rule type="primFontSz" val="5" fact="NaN" max="NaN"/>
-          </dgm:ruleLst>
-        </dgm:layoutNode>
-        <dgm:layoutNode name="accent_5">
-          <dgm:alg type="sp"/>
-          <dgm:shape xmlns:r="http://schemas.openxmlformats.org/officeDocument/2006/relationships" r:blip="">
-            <dgm:adjLst/>
-          </dgm:shape>
-          <dgm:presOf/>
-          <dgm:constrLst/>
-          <dgm:forEach name="Name48" ref="accentRepeat"/>
-        </dgm:layoutNode>
-      </dgm:forEach>
-      <dgm:forEach name="Name49" axis="ch" ptType="node" st="6" cnt="1">
-        <dgm:layoutNode name="text_6" styleLbl="node1">
-          <dgm:varLst>
-            <dgm:bulletEnabled val="1"/>
-          </dgm:varLst>
-          <dgm:choose name="Name50">
-            <dgm:if name="Name51" func="var" arg="dir" op="equ" val="norm">
-              <dgm:alg type="tx">
-                <dgm:param type="parTxLTRAlign" val="l"/>
-                <dgm:param type="shpTxLTRAlignCh" val="l"/>
-                <dgm:param type="parTxRTLAlign" val="l"/>
-                <dgm:param type="shpTxRTLAlignCh" val="l"/>
-              </dgm:alg>
-            </dgm:if>
-            <dgm:else name="Name52">
-              <dgm:alg type="tx">
-                <dgm:param type="parTxLTRAlign" val="r"/>
-                <dgm:param type="shpTxLTRAlignCh" val="r"/>
-                <dgm:param type="parTxRTLAlign" val="r"/>
-                <dgm:param type="shpTxRTLAlignCh" val="r"/>
-              </dgm:alg>
-            </dgm:else>
-          </dgm:choose>
-          <dgm:shape xmlns:r="http://schemas.openxmlformats.org/officeDocument/2006/relationships" type="rect" r:blip="">
-            <dgm:adjLst/>
-          </dgm:shape>
-          <dgm:presOf axis="desOrSelf" ptType="node"/>
-          <dgm:constrLst>
-            <dgm:constr type="primFontSz" val="65"/>
-            <dgm:constr type="lMarg" refType="primFontSz" fact="0.2"/>
-            <dgm:constr type="rMarg" refType="primFontSz" fact="0.2"/>
-            <dgm:constr type="tMarg" refType="primFontSz" fact="0.2"/>
-            <dgm:constr type="bMarg" refType="primFontSz" fact="0.2"/>
-          </dgm:constrLst>
-          <dgm:ruleLst>
-            <dgm:rule type="primFontSz" val="5" fact="NaN" max="NaN"/>
-          </dgm:ruleLst>
-        </dgm:layoutNode>
-        <dgm:layoutNode name="accent_6">
-          <dgm:alg type="sp"/>
-          <dgm:shape xmlns:r="http://schemas.openxmlformats.org/officeDocument/2006/relationships" r:blip="">
-            <dgm:adjLst/>
-          </dgm:shape>
-          <dgm:presOf/>
-          <dgm:constrLst/>
-          <dgm:forEach name="Name53" ref="accentRepeat"/>
-        </dgm:layoutNode>
-      </dgm:forEach>
-      <dgm:forEach name="Name54" axis="ch" ptType="node" st="7" cnt="1">
-        <dgm:layoutNode name="text_7" styleLbl="node1">
-          <dgm:varLst>
-            <dgm:bulletEnabled val="1"/>
-          </dgm:varLst>
-          <dgm:choose name="Name55">
-            <dgm:if name="Name56" func="var" arg="dir" op="equ" val="norm">
-              <dgm:alg type="tx">
-                <dgm:param type="parTxLTRAlign" val="l"/>
-                <dgm:param type="shpTxLTRAlignCh" val="l"/>
-                <dgm:param type="parTxRTLAlign" val="l"/>
-                <dgm:param type="shpTxRTLAlignCh" val="l"/>
-              </dgm:alg>
-            </dgm:if>
-            <dgm:else name="Name57">
-              <dgm:alg type="tx">
-                <dgm:param type="parTxLTRAlign" val="r"/>
-                <dgm:param type="shpTxLTRAlignCh" val="r"/>
-                <dgm:param type="parTxRTLAlign" val="r"/>
-                <dgm:param type="shpTxRTLAlignCh" val="r"/>
-              </dgm:alg>
-            </dgm:else>
-          </dgm:choose>
-          <dgm:shape xmlns:r="http://schemas.openxmlformats.org/officeDocument/2006/relationships" type="rect" r:blip="">
-            <dgm:adjLst/>
-          </dgm:shape>
-          <dgm:presOf axis="desOrSelf" ptType="node"/>
-          <dgm:constrLst>
-            <dgm:constr type="primFontSz" val="65"/>
-            <dgm:constr type="lMarg" refType="primFontSz" fact="0.2"/>
-            <dgm:constr type="rMarg" refType="primFontSz" fact="0.2"/>
-            <dgm:constr type="tMarg" refType="primFontSz" fact="0.2"/>
-            <dgm:constr type="bMarg" refType="primFontSz" fact="0.2"/>
-          </dgm:constrLst>
-          <dgm:ruleLst>
-            <dgm:rule type="primFontSz" val="5" fact="NaN" max="NaN"/>
-          </dgm:ruleLst>
-        </dgm:layoutNode>
-        <dgm:layoutNode name="accent_7">
-          <dgm:alg type="sp"/>
-          <dgm:shape xmlns:r="http://schemas.openxmlformats.org/officeDocument/2006/relationships" r:blip="">
-            <dgm:adjLst/>
-          </dgm:shape>
-          <dgm:presOf/>
-          <dgm:constrLst/>
-          <dgm:forEach name="Name58" ref="accentRepeat"/>
-        </dgm:layoutNode>
-      </dgm:forEach>
-    </dgm:layoutNode>
-  </dgm:layoutNode>
-</dgm:layoutDef>
-</file>
-
-<file path=ppt/diagrams/quickStyle1.xml><?xml version="1.0" encoding="utf-8"?>
-<dgm:styleDef xmlns:dgm="http://schemas.openxmlformats.org/drawingml/2006/diagram" xmlns:a="http://schemas.openxmlformats.org/drawingml/2006/main" uniqueId="urn:microsoft.com/office/officeart/2005/8/quickstyle/simple4">
-  <dgm:title val=""/>
-  <dgm:desc val=""/>
-  <dgm:catLst>
-    <dgm:cat type="simple" pri="10400"/>
-  </dgm:catLst>
-  <dgm:scene3d>
-    <a:camera prst="orthographicFront"/>
-    <a:lightRig rig="threePt" dir="t"/>
-  </dgm:scene3d>
-  <dgm:styleLbl name="node0">
-    <dgm:scene3d>
-      <a:camera prst="orthographicFront"/>
-      <a:lightRig rig="threePt" dir="t"/>
-    </dgm:scene3d>
-    <dgm:sp3d/>
-    <dgm:txPr/>
-    <dgm:style>
-      <a:lnRef idx="0">
-        <a:scrgbClr r="0" g="0" b="0"/>
-      </a:lnRef>
-      <a:fillRef idx="3">
-        <a:scrgbClr r="0" g="0" b="0"/>
-      </a:fillRef>
-      <a:effectRef idx="2">
-        <a:scrgbClr r="0" g="0" b="0"/>
-      </a:effectRef>
-      <a:fontRef idx="minor">
-        <a:schemeClr val="lt1"/>
-      </a:fontRef>
-    </dgm:style>
-  </dgm:styleLbl>
-  <dgm:styleLbl name="lnNode1">
-    <dgm:scene3d>
-      <a:camera prst="orthographicFront"/>
-      <a:lightRig rig="threePt" dir="t"/>
-    </dgm:scene3d>
-    <dgm:sp3d/>
-    <dgm:txPr/>
-    <dgm:style>
-      <a:lnRef idx="1">
-        <a:scrgbClr r="0" g="0" b="0"/>
-      </a:lnRef>
-      <a:fillRef idx="3">
-        <a:scrgbClr r="0" g="0" b="0"/>
-      </a:fillRef>
-      <a:effectRef idx="2">
-        <a:scrgbClr r="0" g="0" b="0"/>
-      </a:effectRef>
-      <a:fontRef idx="minor">
-        <a:schemeClr val="lt1"/>
-      </a:fontRef>
-    </dgm:style>
-  </dgm:styleLbl>
-  <dgm:styleLbl name="vennNode1">
-    <dgm:scene3d>
-      <a:camera prst="orthographicFront"/>
-      <a:lightRig rig="threePt" dir="t"/>
-    </dgm:scene3d>
-    <dgm:sp3d/>
-    <dgm:txPr/>
-    <dgm:style>
-      <a:lnRef idx="0">
-        <a:scrgbClr r="0" g="0" b="0"/>
-      </a:lnRef>
-      <a:fillRef idx="3">
-        <a:scrgbClr r="0" g="0" b="0"/>
-      </a:fillRef>
-      <a:effectRef idx="0">
-        <a:scrgbClr r="0" g="0" b="0"/>
-      </a:effectRef>
-      <a:fontRef idx="minor">
-        <a:schemeClr val="tx1"/>
-      </a:fontRef>
-    </dgm:style>
-  </dgm:styleLbl>
-  <dgm:styleLbl name="alignNode1">
-    <dgm:scene3d>
-      <a:camera prst="orthographicFront"/>
-      <a:lightRig rig="threePt" dir="t"/>
-    </dgm:scene3d>
-    <dgm:sp3d/>
-    <dgm:txPr/>
-    <dgm:style>
-      <a:lnRef idx="1">
-        <a:scrgbClr r="0" g="0" b="0"/>
-      </a:lnRef>
-      <a:fillRef idx="3">
-        <a:scrgbClr r="0" g="0" b="0"/>
-      </a:fillRef>
-      <a:effectRef idx="2">
-        <a:scrgbClr r="0" g="0" b="0"/>
-      </a:effectRef>
-      <a:fontRef idx="minor">
-        <a:schemeClr val="lt1"/>
-      </a:fontRef>
-    </dgm:style>
-  </dgm:styleLbl>
-  <dgm:styleLbl name="node1">
-    <dgm:scene3d>
-      <a:camera prst="orthographicFront"/>
-      <a:lightRig rig="threePt" dir="t"/>
-    </dgm:scene3d>
-    <dgm:sp3d/>
-    <dgm:txPr/>
-    <dgm:style>
-      <a:lnRef idx="0">
-        <a:scrgbClr r="0" g="0" b="0"/>
-      </a:lnRef>
-      <a:fillRef idx="3">
-        <a:scrgbClr r="0" g="0" b="0"/>
-      </a:fillRef>
-      <a:effectRef idx="2">
-        <a:scrgbClr r="0" g="0" b="0"/>
-      </a:effectRef>
-      <a:fontRef idx="minor">
-        <a:schemeClr val="lt1"/>
-      </a:fontRef>
-    </dgm:style>
-  </dgm:styleLbl>
-  <dgm:styleLbl name="node2">
-    <dgm:scene3d>
-      <a:camera prst="orthographicFront"/>
-      <a:lightRig rig="threePt" dir="t"/>
-    </dgm:scene3d>
-    <dgm:sp3d/>
-    <dgm:txPr/>
-    <dgm:style>
-      <a:lnRef idx="0">
-        <a:scrgbClr r="0" g="0" b="0"/>
-      </a:lnRef>
-      <a:fillRef idx="3">
-        <a:scrgbClr r="0" g="0" b="0"/>
-      </a:fillRef>
-      <a:effectRef idx="2">
-        <a:scrgbClr r="0" g="0" b="0"/>
-      </a:effectRef>
-      <a:fontRef idx="minor">
-        <a:schemeClr val="lt1"/>
-      </a:fontRef>
-    </dgm:style>
-  </dgm:styleLbl>
-  <dgm:styleLbl name="node3">
-    <dgm:scene3d>
-      <a:camera prst="orthographicFront"/>
-      <a:lightRig rig="threePt" dir="t"/>
-    </dgm:scene3d>
-    <dgm:sp3d/>
-    <dgm:txPr/>
-    <dgm:style>
-      <a:lnRef idx="0">
-        <a:scrgbClr r="0" g="0" b="0"/>
-      </a:lnRef>
-      <a:fillRef idx="3">
-        <a:scrgbClr r="0" g="0" b="0"/>
-      </a:fillRef>
-      <a:effectRef idx="2">
-        <a:scrgbClr r="0" g="0" b="0"/>
-      </a:effectRef>
-      <a:fontRef idx="minor">
-        <a:schemeClr val="lt1"/>
-      </a:fontRef>
-    </dgm:style>
-  </dgm:styleLbl>
-  <dgm:styleLbl name="node4">
-    <dgm:scene3d>
-      <a:camera prst="orthographicFront"/>
-      <a:lightRig rig="threePt" dir="t"/>
-    </dgm:scene3d>
-    <dgm:sp3d/>
-    <dgm:txPr/>
-    <dgm:style>
-      <a:lnRef idx="0">
-        <a:scrgbClr r="0" g="0" b="0"/>
-      </a:lnRef>
-      <a:fillRef idx="3">
-        <a:scrgbClr r="0" g="0" b="0"/>
-      </a:fillRef>
-      <a:effectRef idx="2">
-        <a:scrgbClr r="0" g="0" b="0"/>
-      </a:effectRef>
-      <a:fontRef idx="minor">
-        <a:schemeClr val="lt1"/>
-      </a:fontRef>
-    </dgm:style>
-  </dgm:styleLbl>
-  <dgm:styleLbl name="fgImgPlace1">
-    <dgm:scene3d>
-      <a:camera prst="orthographicFront"/>
-      <a:lightRig rig="threePt" dir="t"/>
-    </dgm:scene3d>
-    <dgm:sp3d/>
-    <dgm:txPr/>
-    <dgm:style>
-      <a:lnRef idx="0">
-        <a:scrgbClr r="0" g="0" b="0"/>
-      </a:lnRef>
-      <a:fillRef idx="1">
-        <a:scrgbClr r="0" g="0" b="0"/>
-      </a:fillRef>
-      <a:effectRef idx="2">
-        <a:scrgbClr r="0" g="0" b="0"/>
-      </a:effectRef>
-      <a:fontRef idx="minor"/>
-    </dgm:style>
-  </dgm:styleLbl>
-  <dgm:styleLbl name="alignImgPlace1">
-    <dgm:scene3d>
-      <a:camera prst="orthographicFront"/>
-      <a:lightRig rig="threePt" dir="t"/>
-    </dgm:scene3d>
-    <dgm:sp3d/>
-    <dgm:txPr/>
-    <dgm:style>
-      <a:lnRef idx="0">
-        <a:scrgbClr r="0" g="0" b="0"/>
-      </a:lnRef>
-      <a:fillRef idx="1">
-        <a:scrgbClr r="0" g="0" b="0"/>
-      </a:fillRef>
-      <a:effectRef idx="2">
-        <a:scrgbClr r="0" g="0" b="0"/>
-      </a:effectRef>
-      <a:fontRef idx="minor"/>
-    </dgm:style>
-  </dgm:styleLbl>
-  <dgm:styleLbl name="bgImgPlace1">
-    <dgm:scene3d>
-      <a:camera prst="orthographicFront"/>
-      <a:lightRig rig="threePt" dir="t"/>
-    </dgm:scene3d>
-    <dgm:sp3d/>
-    <dgm:txPr/>
-    <dgm:style>
-      <a:lnRef idx="0">
-        <a:scrgbClr r="0" g="0" b="0"/>
-      </a:lnRef>
-      <a:fillRef idx="1">
-        <a:scrgbClr r="0" g="0" b="0"/>
-      </a:fillRef>
-      <a:effectRef idx="2">
-        <a:scrgbClr r="0" g="0" b="0"/>
-      </a:effectRef>
-      <a:fontRef idx="minor"/>
-    </dgm:style>
-  </dgm:styleLbl>
-  <dgm:styleLbl name="sibTrans2D1">
-    <dgm:scene3d>
-      <a:camera prst="orthographicFront"/>
-      <a:lightRig rig="threePt" dir="t"/>
-    </dgm:scene3d>
-    <dgm:sp3d/>
-    <dgm:txPr/>
-    <dgm:style>
-      <a:lnRef idx="0">
-        <a:scrgbClr r="0" g="0" b="0"/>
-      </a:lnRef>
-      <a:fillRef idx="3">
-        <a:scrgbClr r="0" g="0" b="0"/>
-      </a:fillRef>
-      <a:effectRef idx="2">
-        <a:scrgbClr r="0" g="0" b="0"/>
-      </a:effectRef>
-      <a:fontRef idx="minor">
-        <a:schemeClr val="lt1"/>
-      </a:fontRef>
-    </dgm:style>
-  </dgm:styleLbl>
-  <dgm:styleLbl name="fgSibTrans2D1">
-    <dgm:scene3d>
-      <a:camera prst="orthographicFront"/>
-      <a:lightRig rig="threePt" dir="t"/>
-    </dgm:scene3d>
-    <dgm:sp3d/>
-    <dgm:txPr/>
-    <dgm:style>
-      <a:lnRef idx="0">
-        <a:scrgbClr r="0" g="0" b="0"/>
-      </a:lnRef>
-      <a:fillRef idx="3">
-        <a:scrgbClr r="0" g="0" b="0"/>
-      </a:fillRef>
-      <a:effectRef idx="2">
-        <a:scrgbClr r="0" g="0" b="0"/>
-      </a:effectRef>
-      <a:fontRef idx="minor">
-        <a:schemeClr val="lt1"/>
-      </a:fontRef>
-    </dgm:style>
-  </dgm:styleLbl>
-  <dgm:styleLbl name="bgSibTrans2D1">
-    <dgm:scene3d>
-      <a:camera prst="orthographicFront"/>
-      <a:lightRig rig="threePt" dir="t"/>
-    </dgm:scene3d>
-    <dgm:sp3d/>
-    <dgm:txPr/>
-    <dgm:style>
-      <a:lnRef idx="0">
-        <a:scrgbClr r="0" g="0" b="0"/>
-      </a:lnRef>
-      <a:fillRef idx="3">
-        <a:scrgbClr r="0" g="0" b="0"/>
-      </a:fillRef>
-      <a:effectRef idx="2">
-        <a:scrgbClr r="0" g="0" b="0"/>
-      </a:effectRef>
-      <a:fontRef idx="minor">
-        <a:schemeClr val="lt1"/>
-      </a:fontRef>
-    </dgm:style>
-  </dgm:styleLbl>
-  <dgm:styleLbl name="sibTrans1D1">
-    <dgm:scene3d>
-      <a:camera prst="orthographicFront"/>
-      <a:lightRig rig="threePt" dir="t"/>
-    </dgm:scene3d>
-    <dgm:sp3d/>
-    <dgm:txPr/>
-    <dgm:style>
-      <a:lnRef idx="1">
-        <a:scrgbClr r="0" g="0" b="0"/>
-      </a:lnRef>
-      <a:fillRef idx="0">
-        <a:scrgbClr r="0" g="0" b="0"/>
-      </a:fillRef>
-      <a:effectRef idx="0">
-        <a:scrgbClr r="0" g="0" b="0"/>
-      </a:effectRef>
-      <a:fontRef idx="minor"/>
-    </dgm:style>
-  </dgm:styleLbl>
-  <dgm:styleLbl name="callout">
-    <dgm:scene3d>
-      <a:camera prst="orthographicFront"/>
-      <a:lightRig rig="threePt" dir="t"/>
-    </dgm:scene3d>
-    <dgm:sp3d/>
-    <dgm:txPr/>
-    <dgm:style>
-      <a:lnRef idx="2">
-        <a:scrgbClr r="0" g="0" b="0"/>
-      </a:lnRef>
-      <a:fillRef idx="1">
-        <a:scrgbClr r="0" g="0" b="0"/>
-      </a:fillRef>
-      <a:effectRef idx="1">
-        <a:scrgbClr r="0" g="0" b="0"/>
-      </a:effectRef>
-      <a:fontRef idx="minor"/>
-    </dgm:style>
-  </dgm:styleLbl>
-  <dgm:styleLbl name="asst0">
-    <dgm:scene3d>
-      <a:camera prst="orthographicFront"/>
-      <a:lightRig rig="threePt" dir="t"/>
-    </dgm:scene3d>
-    <dgm:sp3d/>
-    <dgm:txPr/>
-    <dgm:style>
-      <a:lnRef idx="0">
-        <a:scrgbClr r="0" g="0" b="0"/>
-      </a:lnRef>
-      <a:fillRef idx="3">
-        <a:scrgbClr r="0" g="0" b="0"/>
-      </a:fillRef>
-      <a:effectRef idx="2">
-        <a:scrgbClr r="0" g="0" b="0"/>
-      </a:effectRef>
-      <a:fontRef idx="minor">
-        <a:schemeClr val="lt1"/>
-      </a:fontRef>
-    </dgm:style>
-  </dgm:styleLbl>
-  <dgm:styleLbl name="asst1">
-    <dgm:scene3d>
-      <a:camera prst="orthographicFront"/>
-      <a:lightRig rig="threePt" dir="t"/>
-    </dgm:scene3d>
-    <dgm:sp3d/>
-    <dgm:txPr/>
-    <dgm:style>
-      <a:lnRef idx="0">
-        <a:scrgbClr r="0" g="0" b="0"/>
-      </a:lnRef>
-      <a:fillRef idx="3">
-        <a:scrgbClr r="0" g="0" b="0"/>
-      </a:fillRef>
-      <a:effectRef idx="2">
-        <a:scrgbClr r="0" g="0" b="0"/>
-      </a:effectRef>
-      <a:fontRef idx="minor">
-        <a:schemeClr val="lt1"/>
-      </a:fontRef>
-    </dgm:style>
-  </dgm:styleLbl>
-  <dgm:styleLbl name="asst2">
-    <dgm:scene3d>
-      <a:camera prst="orthographicFront"/>
-      <a:lightRig rig="threePt" dir="t"/>
-    </dgm:scene3d>
-    <dgm:sp3d/>
-    <dgm:txPr/>
-    <dgm:style>
-      <a:lnRef idx="0">
-        <a:scrgbClr r="0" g="0" b="0"/>
-      </a:lnRef>
-      <a:fillRef idx="3">
-        <a:scrgbClr r="0" g="0" b="0"/>
-      </a:fillRef>
-      <a:effectRef idx="2">
-        <a:scrgbClr r="0" g="0" b="0"/>
-      </a:effectRef>
-      <a:fontRef idx="minor">
-        <a:schemeClr val="lt1"/>
-      </a:fontRef>
-    </dgm:style>
-  </dgm:styleLbl>
-  <dgm:styleLbl name="asst3">
-    <dgm:scene3d>
-      <a:camera prst="orthographicFront"/>
-      <a:lightRig rig="threePt" dir="t"/>
-    </dgm:scene3d>
-    <dgm:sp3d/>
-    <dgm:txPr/>
-    <dgm:style>
-      <a:lnRef idx="0">
-        <a:scrgbClr r="0" g="0" b="0"/>
-      </a:lnRef>
-      <a:fillRef idx="3">
-        <a:scrgbClr r="0" g="0" b="0"/>
-      </a:fillRef>
-      <a:effectRef idx="2">
-        <a:scrgbClr r="0" g="0" b="0"/>
-      </a:effectRef>
-      <a:fontRef idx="minor">
-        <a:schemeClr val="lt1"/>
-      </a:fontRef>
-    </dgm:style>
-  </dgm:styleLbl>
-  <dgm:styleLbl name="asst4">
-    <dgm:scene3d>
-      <a:camera prst="orthographicFront"/>
-      <a:lightRig rig="threePt" dir="t"/>
-    </dgm:scene3d>
-    <dgm:sp3d/>
-    <dgm:txPr/>
-    <dgm:style>
-      <a:lnRef idx="0">
-        <a:scrgbClr r="0" g="0" b="0"/>
-      </a:lnRef>
-      <a:fillRef idx="3">
-        <a:scrgbClr r="0" g="0" b="0"/>
-      </a:fillRef>
-      <a:effectRef idx="2">
-        <a:scrgbClr r="0" g="0" b="0"/>
-      </a:effectRef>
-      <a:fontRef idx="minor">
-        <a:schemeClr val="lt1"/>
-      </a:fontRef>
-    </dgm:style>
-  </dgm:styleLbl>
-  <dgm:styleLbl name="parChTrans2D1">
-    <dgm:scene3d>
-      <a:camera prst="orthographicFront"/>
-      <a:lightRig rig="threePt" dir="t"/>
-    </dgm:scene3d>
-    <dgm:sp3d/>
-    <dgm:txPr/>
-    <dgm:style>
-      <a:lnRef idx="0">
-        <a:scrgbClr r="0" g="0" b="0"/>
-      </a:lnRef>
-      <a:fillRef idx="3">
-        <a:scrgbClr r="0" g="0" b="0"/>
-      </a:fillRef>
-      <a:effectRef idx="2">
-        <a:scrgbClr r="0" g="0" b="0"/>
-      </a:effectRef>
-      <a:fontRef idx="minor">
-        <a:schemeClr val="lt1"/>
-      </a:fontRef>
-    </dgm:style>
-  </dgm:styleLbl>
-  <dgm:styleLbl name="parChTrans2D2">
-    <dgm:scene3d>
-      <a:camera prst="orthographicFront"/>
-      <a:lightRig rig="threePt" dir="t"/>
-    </dgm:scene3d>
-    <dgm:sp3d/>
-    <dgm:txPr/>
-    <dgm:style>
-      <a:lnRef idx="0">
-        <a:scrgbClr r="0" g="0" b="0"/>
-      </a:lnRef>
-      <a:fillRef idx="3">
-        <a:scrgbClr r="0" g="0" b="0"/>
-      </a:fillRef>
-      <a:effectRef idx="2">
-        <a:scrgbClr r="0" g="0" b="0"/>
-      </a:effectRef>
-      <a:fontRef idx="minor">
-        <a:schemeClr val="lt1"/>
-      </a:fontRef>
-    </dgm:style>
-  </dgm:styleLbl>
-  <dgm:styleLbl name="parChTrans2D3">
-    <dgm:scene3d>
-      <a:camera prst="orthographicFront"/>
-      <a:lightRig rig="threePt" dir="t"/>
-    </dgm:scene3d>
-    <dgm:sp3d/>
-    <dgm:txPr/>
-    <dgm:style>
-      <a:lnRef idx="1">
-        <a:scrgbClr r="0" g="0" b="0"/>
-      </a:lnRef>
-      <a:fillRef idx="3">
-        <a:scrgbClr r="0" g="0" b="0"/>
-      </a:fillRef>
-      <a:effectRef idx="2">
-        <a:scrgbClr r="0" g="0" b="0"/>
-      </a:effectRef>
-      <a:fontRef idx="minor">
-        <a:schemeClr val="lt1"/>
-      </a:fontRef>
-    </dgm:style>
-  </dgm:styleLbl>
-  <dgm:styleLbl name="parChTrans2D4">
-    <dgm:scene3d>
-      <a:camera prst="orthographicFront"/>
-      <a:lightRig rig="threePt" dir="t"/>
-    </dgm:scene3d>
-    <dgm:sp3d/>
-    <dgm:txPr/>
-    <dgm:style>
-      <a:lnRef idx="1">
-        <a:scrgbClr r="0" g="0" b="0"/>
-      </a:lnRef>
-      <a:fillRef idx="3">
-        <a:scrgbClr r="0" g="0" b="0"/>
-      </a:fillRef>
-      <a:effectRef idx="2">
-        <a:scrgbClr r="0" g="0" b="0"/>
-      </a:effectRef>
-      <a:fontRef idx="minor">
-        <a:schemeClr val="lt1"/>
-      </a:fontRef>
-    </dgm:style>
-  </dgm:styleLbl>
-  <dgm:styleLbl name="parChTrans1D1">
-    <dgm:scene3d>
-      <a:camera prst="orthographicFront"/>
-      <a:lightRig rig="threePt" dir="t"/>
-    </dgm:scene3d>
-    <dgm:sp3d/>
-    <dgm:txPr/>
-    <dgm:style>
-      <a:lnRef idx="1">
-        <a:scrgbClr r="0" g="0" b="0"/>
-      </a:lnRef>
-      <a:fillRef idx="0">
-        <a:scrgbClr r="0" g="0" b="0"/>
-      </a:fillRef>
-      <a:effectRef idx="0">
-        <a:scrgbClr r="0" g="0" b="0"/>
-      </a:effectRef>
-      <a:fontRef idx="minor"/>
-    </dgm:style>
-  </dgm:styleLbl>
-  <dgm:styleLbl name="parChTrans1D2">
-    <dgm:scene3d>
-      <a:camera prst="orthographicFront"/>
-      <a:lightRig rig="threePt" dir="t"/>
-    </dgm:scene3d>
-    <dgm:sp3d/>
-    <dgm:txPr/>
-    <dgm:style>
-      <a:lnRef idx="1">
-        <a:scrgbClr r="0" g="0" b="0"/>
-      </a:lnRef>
-      <a:fillRef idx="0">
-        <a:scrgbClr r="0" g="0" b="0"/>
-      </a:fillRef>
-      <a:effectRef idx="0">
-        <a:scrgbClr r="0" g="0" b="0"/>
-      </a:effectRef>
-      <a:fontRef idx="minor"/>
-    </dgm:style>
-  </dgm:styleLbl>
-  <dgm:styleLbl name="parChTrans1D3">
-    <dgm:scene3d>
-      <a:camera prst="orthographicFront"/>
-      <a:lightRig rig="threePt" dir="t"/>
-    </dgm:scene3d>
-    <dgm:sp3d/>
-    <dgm:txPr/>
-    <dgm:style>
-      <a:lnRef idx="1">
-        <a:scrgbClr r="0" g="0" b="0"/>
-      </a:lnRef>
-      <a:fillRef idx="0">
-        <a:scrgbClr r="0" g="0" b="0"/>
-      </a:fillRef>
-      <a:effectRef idx="0">
-        <a:scrgbClr r="0" g="0" b="0"/>
-      </a:effectRef>
-      <a:fontRef idx="minor"/>
-    </dgm:style>
-  </dgm:styleLbl>
-  <dgm:styleLbl name="parChTrans1D4">
-    <dgm:scene3d>
-      <a:camera prst="orthographicFront"/>
-      <a:lightRig rig="threePt" dir="t"/>
-    </dgm:scene3d>
-    <dgm:sp3d/>
-    <dgm:txPr/>
-    <dgm:style>
-      <a:lnRef idx="1">
-        <a:scrgbClr r="0" g="0" b="0"/>
-      </a:lnRef>
-      <a:fillRef idx="0">
-        <a:scrgbClr r="0" g="0" b="0"/>
-      </a:fillRef>
-      <a:effectRef idx="0">
-        <a:scrgbClr r="0" g="0" b="0"/>
-      </a:effectRef>
-      <a:fontRef idx="minor"/>
-    </dgm:style>
-  </dgm:styleLbl>
-  <dgm:styleLbl name="fgAcc1">
-    <dgm:scene3d>
-      <a:camera prst="orthographicFront"/>
-      <a:lightRig rig="threePt" dir="t"/>
-    </dgm:scene3d>
-    <dgm:sp3d/>
-    <dgm:txPr/>
-    <dgm:style>
-      <a:lnRef idx="1">
-        <a:scrgbClr r="0" g="0" b="0"/>
-      </a:lnRef>
-      <a:fillRef idx="1">
-        <a:scrgbClr r="0" g="0" b="0"/>
-      </a:fillRef>
-      <a:effectRef idx="0">
-        <a:scrgbClr r="0" g="0" b="0"/>
-      </a:effectRef>
-      <a:fontRef idx="minor"/>
-    </dgm:style>
-  </dgm:styleLbl>
-  <dgm:styleLbl name="conFgAcc1">
-    <dgm:scene3d>
-      <a:camera prst="orthographicFront"/>
-      <a:lightRig rig="threePt" dir="t"/>
-    </dgm:scene3d>
-    <dgm:sp3d/>
-    <dgm:txPr/>
-    <dgm:style>
-      <a:lnRef idx="1">
-        <a:scrgbClr r="0" g="0" b="0"/>
-      </a:lnRef>
-      <a:fillRef idx="1">
-        <a:scrgbClr r="0" g="0" b="0"/>
-      </a:fillRef>
-      <a:effectRef idx="0">
-        <a:scrgbClr r="0" g="0" b="0"/>
-      </a:effectRef>
-      <a:fontRef idx="minor"/>
-    </dgm:style>
-  </dgm:styleLbl>
-  <dgm:styleLbl name="alignAcc1">
-    <dgm:scene3d>
-      <a:camera prst="orthographicFront"/>
-      <a:lightRig rig="threePt" dir="t"/>
-    </dgm:scene3d>
-    <dgm:sp3d/>
-    <dgm:txPr/>
-    <dgm:style>
-      <a:lnRef idx="1">
-        <a:scrgbClr r="0" g="0" b="0"/>
-      </a:lnRef>
-      <a:fillRef idx="1">
-        <a:scrgbClr r="0" g="0" b="0"/>
-      </a:fillRef>
-      <a:effectRef idx="0">
-        <a:scrgbClr r="0" g="0" b="0"/>
-      </a:effectRef>
-      <a:fontRef idx="minor"/>
-    </dgm:style>
-  </dgm:styleLbl>
-  <dgm:styleLbl name="trAlignAcc1">
-    <dgm:scene3d>
-      <a:camera prst="orthographicFront"/>
-      <a:lightRig rig="threePt" dir="t"/>
-    </dgm:scene3d>
-    <dgm:sp3d/>
-    <dgm:txPr/>
-    <dgm:style>
-      <a:lnRef idx="1">
-        <a:scrgbClr r="0" g="0" b="0"/>
-      </a:lnRef>
-      <a:fillRef idx="1">
-        <a:scrgbClr r="0" g="0" b="0"/>
-      </a:fillRef>
-      <a:effectRef idx="0">
-        <a:scrgbClr r="0" g="0" b="0"/>
-      </a:effectRef>
-      <a:fontRef idx="minor"/>
-    </dgm:style>
-  </dgm:styleLbl>
-  <dgm:styleLbl name="bgAcc1">
-    <dgm:scene3d>
-      <a:camera prst="orthographicFront"/>
-      <a:lightRig rig="threePt" dir="t"/>
-    </dgm:scene3d>
-    <dgm:sp3d/>
-    <dgm:txPr/>
-    <dgm:style>
-      <a:lnRef idx="1">
-        <a:scrgbClr r="0" g="0" b="0"/>
-      </a:lnRef>
-      <a:fillRef idx="1">
-        <a:scrgbClr r="0" g="0" b="0"/>
-      </a:fillRef>
-      <a:effectRef idx="0">
-        <a:scrgbClr r="0" g="0" b="0"/>
-      </a:effectRef>
-      <a:fontRef idx="minor"/>
-    </dgm:style>
-  </dgm:styleLbl>
-  <dgm:styleLbl name="solidFgAcc1">
-    <dgm:scene3d>
-      <a:camera prst="orthographicFront"/>
-      <a:lightRig rig="threePt" dir="t"/>
-    </dgm:scene3d>
-    <dgm:sp3d/>
-    <dgm:txPr/>
-    <dgm:style>
-      <a:lnRef idx="1">
-        <a:scrgbClr r="0" g="0" b="0"/>
-      </a:lnRef>
-      <a:fillRef idx="1">
-        <a:scrgbClr r="0" g="0" b="0"/>
-      </a:fillRef>
-      <a:effectRef idx="0">
-        <a:scrgbClr r="0" g="0" b="0"/>
-      </a:effectRef>
-      <a:fontRef idx="minor"/>
-    </dgm:style>
-  </dgm:styleLbl>
-  <dgm:styleLbl name="solidAlignAcc1">
-    <dgm:scene3d>
-      <a:camera prst="orthographicFront"/>
-      <a:lightRig rig="threePt" dir="t"/>
-    </dgm:scene3d>
-    <dgm:sp3d/>
-    <dgm:txPr/>
-    <dgm:style>
-      <a:lnRef idx="1">
-        <a:scrgbClr r="0" g="0" b="0"/>
-      </a:lnRef>
-      <a:fillRef idx="1">
-        <a:scrgbClr r="0" g="0" b="0"/>
-      </a:fillRef>
-      <a:effectRef idx="0">
-        <a:scrgbClr r="0" g="0" b="0"/>
-      </a:effectRef>
-      <a:fontRef idx="minor"/>
-    </dgm:style>
-  </dgm:styleLbl>
-  <dgm:styleLbl name="solidBgAcc1">
-    <dgm:scene3d>
-      <a:camera prst="orthographicFront"/>
-      <a:lightRig rig="threePt" dir="t"/>
-    </dgm:scene3d>
-    <dgm:sp3d/>
-    <dgm:txPr/>
-    <dgm:style>
-      <a:lnRef idx="1">
-        <a:scrgbClr r="0" g="0" b="0"/>
-      </a:lnRef>
-      <a:fillRef idx="1">
-        <a:scrgbClr r="0" g="0" b="0"/>
-      </a:fillRef>
-      <a:effectRef idx="0">
-        <a:scrgbClr r="0" g="0" b="0"/>
-      </a:effectRef>
-      <a:fontRef idx="minor"/>
-    </dgm:style>
-  </dgm:styleLbl>
-  <dgm:styleLbl name="fgAccFollowNode1">
-    <dgm:scene3d>
-      <a:camera prst="orthographicFront"/>
-      <a:lightRig rig="threePt" dir="t"/>
-    </dgm:scene3d>
-    <dgm:sp3d/>
-    <dgm:txPr/>
-    <dgm:style>
-      <a:lnRef idx="1">
-        <a:scrgbClr r="0" g="0" b="0"/>
-      </a:lnRef>
-      <a:fillRef idx="1">
-        <a:scrgbClr r="0" g="0" b="0"/>
-      </a:fillRef>
-      <a:effectRef idx="0">
-        <a:scrgbClr r="0" g="0" b="0"/>
-      </a:effectRef>
-      <a:fontRef idx="minor"/>
-    </dgm:style>
-  </dgm:styleLbl>
-  <dgm:styleLbl name="alignAccFollowNode1">
-    <dgm:scene3d>
-      <a:camera prst="orthographicFront"/>
-      <a:lightRig rig="threePt" dir="t"/>
-    </dgm:scene3d>
-    <dgm:sp3d/>
-    <dgm:txPr/>
-    <dgm:style>
-      <a:lnRef idx="1">
-        <a:scrgbClr r="0" g="0" b="0"/>
-      </a:lnRef>
-      <a:fillRef idx="1">
-        <a:scrgbClr r="0" g="0" b="0"/>
-      </a:fillRef>
-      <a:effectRef idx="0">
-        <a:scrgbClr r="0" g="0" b="0"/>
-      </a:effectRef>
-      <a:fontRef idx="minor"/>
-    </dgm:style>
-  </dgm:styleLbl>
-  <dgm:styleLbl name="bgAccFollowNode1">
-    <dgm:scene3d>
-      <a:camera prst="orthographicFront"/>
-      <a:lightRig rig="threePt" dir="t"/>
-    </dgm:scene3d>
-    <dgm:sp3d/>
-    <dgm:txPr/>
-    <dgm:style>
-      <a:lnRef idx="1">
-        <a:scrgbClr r="0" g="0" b="0"/>
-      </a:lnRef>
-      <a:fillRef idx="1">
-        <a:scrgbClr r="0" g="0" b="0"/>
-      </a:fillRef>
-      <a:effectRef idx="0">
-        <a:scrgbClr r="0" g="0" b="0"/>
-      </a:effectRef>
-      <a:fontRef idx="minor"/>
-    </dgm:style>
-  </dgm:styleLbl>
-  <dgm:styleLbl name="fgAcc0">
-    <dgm:scene3d>
-      <a:camera prst="orthographicFront"/>
-      <a:lightRig rig="threePt" dir="t"/>
-    </dgm:scene3d>
-    <dgm:sp3d/>
-    <dgm:txPr/>
-    <dgm:style>
-      <a:lnRef idx="1">
-        <a:scrgbClr r="0" g="0" b="0"/>
-      </a:lnRef>
-      <a:fillRef idx="1">
-        <a:scrgbClr r="0" g="0" b="0"/>
-      </a:fillRef>
-      <a:effectRef idx="0">
-        <a:scrgbClr r="0" g="0" b="0"/>
-      </a:effectRef>
-      <a:fontRef idx="minor"/>
-    </dgm:style>
-  </dgm:styleLbl>
-  <dgm:styleLbl name="fgAcc2">
-    <dgm:scene3d>
-      <a:camera prst="orthographicFront"/>
-      <a:lightRig rig="threePt" dir="t"/>
-    </dgm:scene3d>
-    <dgm:sp3d/>
-    <dgm:txPr/>
-    <dgm:style>
-      <a:lnRef idx="1">
-        <a:scrgbClr r="0" g="0" b="0"/>
-      </a:lnRef>
-      <a:fillRef idx="1">
-        <a:scrgbClr r="0" g="0" b="0"/>
-      </a:fillRef>
-      <a:effectRef idx="0">
-        <a:scrgbClr r="0" g="0" b="0"/>
-      </a:effectRef>
-      <a:fontRef idx="minor"/>
-    </dgm:style>
-  </dgm:styleLbl>
-  <dgm:styleLbl name="fgAcc3">
-    <dgm:scene3d>
-      <a:camera prst="orthographicFront"/>
-      <a:lightRig rig="threePt" dir="t"/>
-    </dgm:scene3d>
-    <dgm:sp3d/>
-    <dgm:txPr/>
-    <dgm:style>
-      <a:lnRef idx="1">
-        <a:scrgbClr r="0" g="0" b="0"/>
-      </a:lnRef>
-      <a:fillRef idx="1">
-        <a:scrgbClr r="0" g="0" b="0"/>
-      </a:fillRef>
-      <a:effectRef idx="0">
-        <a:scrgbClr r="0" g="0" b="0"/>
-      </a:effectRef>
-      <a:fontRef idx="minor"/>
-    </dgm:style>
-  </dgm:styleLbl>
-  <dgm:styleLbl name="fgAcc4">
-    <dgm:scene3d>
-      <a:camera prst="orthographicFront"/>
-      <a:lightRig rig="threePt" dir="t"/>
-    </dgm:scene3d>
-    <dgm:sp3d/>
-    <dgm:txPr/>
-    <dgm:style>
-      <a:lnRef idx="1">
-        <a:scrgbClr r="0" g="0" b="0"/>
-      </a:lnRef>
-      <a:fillRef idx="1">
-        <a:scrgbClr r="0" g="0" b="0"/>
-      </a:fillRef>
-      <a:effectRef idx="0">
-        <a:scrgbClr r="0" g="0" b="0"/>
-      </a:effectRef>
-      <a:fontRef idx="minor"/>
-    </dgm:style>
-  </dgm:styleLbl>
-  <dgm:styleLbl name="bgShp">
-    <dgm:scene3d>
-      <a:camera prst="orthographicFront"/>
-      <a:lightRig rig="threePt" dir="t"/>
-    </dgm:scene3d>
-    <dgm:sp3d/>
-    <dgm:txPr/>
-    <dgm:style>
-      <a:lnRef idx="0">
-        <a:scrgbClr r="0" g="0" b="0"/>
-      </a:lnRef>
-      <a:fillRef idx="1">
-        <a:scrgbClr r="0" g="0" b="0"/>
-      </a:fillRef>
-      <a:effectRef idx="2">
-        <a:scrgbClr r="0" g="0" b="0"/>
-      </a:effectRef>
-      <a:fontRef idx="minor"/>
-    </dgm:style>
-  </dgm:styleLbl>
-  <dgm:styleLbl name="dkBgShp">
-    <dgm:scene3d>
-      <a:camera prst="orthographicFront"/>
-      <a:lightRig rig="threePt" dir="t"/>
-    </dgm:scene3d>
-    <dgm:sp3d/>
-    <dgm:txPr/>
-    <dgm:style>
-      <a:lnRef idx="0">
-        <a:scrgbClr r="0" g="0" b="0"/>
-      </a:lnRef>
-      <a:fillRef idx="1">
-        <a:scrgbClr r="0" g="0" b="0"/>
-      </a:fillRef>
-      <a:effectRef idx="2">
-        <a:scrgbClr r="0" g="0" b="0"/>
-      </a:effectRef>
-      <a:fontRef idx="minor"/>
-    </dgm:style>
-  </dgm:styleLbl>
-  <dgm:styleLbl name="trBgShp">
-    <dgm:scene3d>
-      <a:camera prst="orthographicFront"/>
-      <a:lightRig rig="threePt" dir="t"/>
-    </dgm:scene3d>
-    <dgm:sp3d/>
-    <dgm:txPr/>
-    <dgm:style>
-      <a:lnRef idx="0">
-        <a:scrgbClr r="0" g="0" b="0"/>
-      </a:lnRef>
-      <a:fillRef idx="1">
-        <a:scrgbClr r="0" g="0" b="0"/>
-      </a:fillRef>
-      <a:effectRef idx="0">
-        <a:scrgbClr r="0" g="0" b="0"/>
-      </a:effectRef>
-      <a:fontRef idx="minor"/>
-    </dgm:style>
-  </dgm:styleLbl>
-  <dgm:styleLbl name="fgShp">
-    <dgm:scene3d>
-      <a:camera prst="orthographicFront"/>
-      <a:lightRig rig="threePt" dir="t"/>
-    </dgm:scene3d>
-    <dgm:sp3d/>
-    <dgm:txPr/>
-    <dgm:style>
-      <a:lnRef idx="0">
-        <a:scrgbClr r="0" g="0" b="0"/>
-      </a:lnRef>
-      <a:fillRef idx="3">
-        <a:scrgbClr r="0" g="0" b="0"/>
-      </a:fillRef>
-      <a:effectRef idx="2">
-        <a:scrgbClr r="0" g="0" b="0"/>
-      </a:effectRef>
-      <a:fontRef idx="minor"/>
-    </dgm:style>
-  </dgm:styleLbl>
-  <dgm:styleLbl name="revTx">
-    <dgm:scene3d>
-      <a:camera prst="orthographicFront"/>
-      <a:lightRig rig="threePt" dir="t"/>
-    </dgm:scene3d>
-    <dgm:sp3d/>
-    <dgm:txPr/>
-    <dgm:style>
-      <a:lnRef idx="0">
-        <a:scrgbClr r="0" g="0" b="0"/>
-      </a:lnRef>
-      <a:fillRef idx="0">
-        <a:scrgbClr r="0" g="0" b="0"/>
-      </a:fillRef>
-      <a:effectRef idx="0">
-        <a:scrgbClr r="0" g="0" b="0"/>
-      </a:effectRef>
-      <a:fontRef idx="minor"/>
-    </dgm:style>
-  </dgm:styleLbl>
-</dgm:styleDef>
-</file>
-
 <file path=ppt/handoutMasters/handoutMaster1.xml><?xml version="1.0" encoding="utf-8"?>
 <p:handoutMaster xmlns:a="http://schemas.openxmlformats.org/drawingml/2006/main" xmlns:r="http://schemas.openxmlformats.org/officeDocument/2006/relationships" xmlns:p="http://schemas.openxmlformats.org/presentationml/2006/main">
   <p:cSld>
@@ -5834,7 +2018,7 @@
           <a:p>
             <a:fld id="{4929A4FD-FAFB-4CDA-9DC5-D20CA18269A9}" type="datetimeFigureOut">
               <a:rPr lang="en-US" smtClean="0"/>
-              <a:t>6/25/2020</a:t>
+              <a:t>6/26/2020</a:t>
             </a:fld>
             <a:endParaRPr lang="en-US" dirty="0"/>
           </a:p>
@@ -6011,7 +2195,7 @@
           <a:p>
             <a:fld id="{CB91E35E-F34C-4F0E-B8A1-D9F5F49CB3AD}" type="datetimeFigureOut">
               <a:rPr lang="en-US" smtClean="0"/>
-              <a:t>6/25/2020</a:t>
+              <a:t>6/26/2020</a:t>
             </a:fld>
             <a:endParaRPr lang="en-US" dirty="0"/>
           </a:p>
@@ -6343,175 +2527,7 @@
           <a:p>
             <a:fld id="{CD3F15BC-4AA1-41C4-8C26-91A7E3BB93DC}" type="slidenum">
               <a:rPr lang="en-US" smtClean="0"/>
-              <a:t>7</a:t>
-            </a:fld>
-            <a:endParaRPr lang="en-US" dirty="0"/>
-          </a:p>
-        </p:txBody>
-      </p:sp>
-    </p:spTree>
-    <p:extLst>
-      <p:ext uri="{BB962C8B-B14F-4D97-AF65-F5344CB8AC3E}">
-        <p14:creationId xmlns:p14="http://schemas.microsoft.com/office/powerpoint/2010/main" val="1738381787"/>
-      </p:ext>
-    </p:extLst>
-  </p:cSld>
-  <p:clrMapOvr>
-    <a:masterClrMapping/>
-  </p:clrMapOvr>
-</p:notes>
-</file>
-
-<file path=ppt/notesSlides/notesSlide2.xml><?xml version="1.0" encoding="utf-8"?>
-<p:notes xmlns:a="http://schemas.openxmlformats.org/drawingml/2006/main" xmlns:r="http://schemas.openxmlformats.org/officeDocument/2006/relationships" xmlns:p="http://schemas.openxmlformats.org/presentationml/2006/main">
-  <p:cSld>
-    <p:spTree>
-      <p:nvGrpSpPr>
-        <p:cNvPr id="1" name=""/>
-        <p:cNvGrpSpPr/>
-        <p:nvPr/>
-      </p:nvGrpSpPr>
-      <p:grpSpPr>
-        <a:xfrm>
-          <a:off x="0" y="0"/>
-          <a:ext cx="0" cy="0"/>
-          <a:chOff x="0" y="0"/>
-          <a:chExt cx="0" cy="0"/>
-        </a:xfrm>
-      </p:grpSpPr>
-      <p:sp>
-        <p:nvSpPr>
-          <p:cNvPr id="2" name="Slide Image Placeholder 1"/>
-          <p:cNvSpPr>
-            <a:spLocks noGrp="1" noRot="1" noChangeAspect="1"/>
-          </p:cNvSpPr>
-          <p:nvPr>
-            <p:ph type="sldImg"/>
-          </p:nvPr>
-        </p:nvSpPr>
-        <p:spPr/>
-      </p:sp>
-      <p:sp>
-        <p:nvSpPr>
-          <p:cNvPr id="3" name="Notes Placeholder 2"/>
-          <p:cNvSpPr>
-            <a:spLocks noGrp="1"/>
-          </p:cNvSpPr>
-          <p:nvPr>
-            <p:ph type="body" idx="1"/>
-          </p:nvPr>
-        </p:nvSpPr>
-        <p:spPr/>
-        <p:txBody>
-          <a:bodyPr/>
-          <a:lstStyle/>
-          <a:p>
-            <a:endParaRPr lang="en-US" dirty="0"/>
-          </a:p>
-        </p:txBody>
-      </p:sp>
-      <p:sp>
-        <p:nvSpPr>
-          <p:cNvPr id="4" name="Slide Number Placeholder 3"/>
-          <p:cNvSpPr>
-            <a:spLocks noGrp="1"/>
-          </p:cNvSpPr>
-          <p:nvPr>
-            <p:ph type="sldNum" sz="quarter" idx="5"/>
-          </p:nvPr>
-        </p:nvSpPr>
-        <p:spPr/>
-        <p:txBody>
-          <a:bodyPr/>
-          <a:lstStyle/>
-          <a:p>
-            <a:fld id="{CD3F15BC-4AA1-41C4-8C26-91A7E3BB93DC}" type="slidenum">
-              <a:rPr lang="en-US" smtClean="0"/>
-              <a:t>8</a:t>
-            </a:fld>
-            <a:endParaRPr lang="en-US" dirty="0"/>
-          </a:p>
-        </p:txBody>
-      </p:sp>
-    </p:spTree>
-    <p:extLst>
-      <p:ext uri="{BB962C8B-B14F-4D97-AF65-F5344CB8AC3E}">
-        <p14:creationId xmlns:p14="http://schemas.microsoft.com/office/powerpoint/2010/main" val="1667354985"/>
-      </p:ext>
-    </p:extLst>
-  </p:cSld>
-  <p:clrMapOvr>
-    <a:masterClrMapping/>
-  </p:clrMapOvr>
-</p:notes>
-</file>
-
-<file path=ppt/notesSlides/notesSlide3.xml><?xml version="1.0" encoding="utf-8"?>
-<p:notes xmlns:a="http://schemas.openxmlformats.org/drawingml/2006/main" xmlns:r="http://schemas.openxmlformats.org/officeDocument/2006/relationships" xmlns:p="http://schemas.openxmlformats.org/presentationml/2006/main">
-  <p:cSld>
-    <p:spTree>
-      <p:nvGrpSpPr>
-        <p:cNvPr id="1" name=""/>
-        <p:cNvGrpSpPr/>
-        <p:nvPr/>
-      </p:nvGrpSpPr>
-      <p:grpSpPr>
-        <a:xfrm>
-          <a:off x="0" y="0"/>
-          <a:ext cx="0" cy="0"/>
-          <a:chOff x="0" y="0"/>
-          <a:chExt cx="0" cy="0"/>
-        </a:xfrm>
-      </p:grpSpPr>
-      <p:sp>
-        <p:nvSpPr>
-          <p:cNvPr id="2" name="Slide Image Placeholder 1"/>
-          <p:cNvSpPr>
-            <a:spLocks noGrp="1" noRot="1" noChangeAspect="1"/>
-          </p:cNvSpPr>
-          <p:nvPr>
-            <p:ph type="sldImg"/>
-          </p:nvPr>
-        </p:nvSpPr>
-        <p:spPr/>
-      </p:sp>
-      <p:sp>
-        <p:nvSpPr>
-          <p:cNvPr id="3" name="Notes Placeholder 2"/>
-          <p:cNvSpPr>
-            <a:spLocks noGrp="1"/>
-          </p:cNvSpPr>
-          <p:nvPr>
-            <p:ph type="body" idx="1"/>
-          </p:nvPr>
-        </p:nvSpPr>
-        <p:spPr/>
-        <p:txBody>
-          <a:bodyPr/>
-          <a:lstStyle/>
-          <a:p>
-            <a:endParaRPr lang="en-US" dirty="0"/>
-          </a:p>
-        </p:txBody>
-      </p:sp>
-      <p:sp>
-        <p:nvSpPr>
-          <p:cNvPr id="4" name="Slide Number Placeholder 3"/>
-          <p:cNvSpPr>
-            <a:spLocks noGrp="1"/>
-          </p:cNvSpPr>
-          <p:nvPr>
-            <p:ph type="sldNum" sz="quarter" idx="5"/>
-          </p:nvPr>
-        </p:nvSpPr>
-        <p:spPr/>
-        <p:txBody>
-          <a:bodyPr/>
-          <a:lstStyle/>
-          <a:p>
-            <a:fld id="{CD3F15BC-4AA1-41C4-8C26-91A7E3BB93DC}" type="slidenum">
-              <a:rPr lang="en-US" smtClean="0"/>
-              <a:t>9</a:t>
+              <a:t>11</a:t>
             </a:fld>
             <a:endParaRPr lang="en-US" dirty="0"/>
           </a:p>
@@ -6776,7 +2792,7 @@
             <a:fld id="{B61BEF0D-F0BB-DE4B-95CE-6DB70DBA9567}" type="datetimeFigureOut">
               <a:rPr lang="en-US" smtClean="0"/>
               <a:pPr/>
-              <a:t>6/25/2020</a:t>
+              <a:t>6/26/2020</a:t>
             </a:fld>
             <a:endParaRPr lang="en-US" dirty="0"/>
           </a:p>
@@ -7040,7 +3056,7 @@
             <a:fld id="{B61BEF0D-F0BB-DE4B-95CE-6DB70DBA9567}" type="datetimeFigureOut">
               <a:rPr lang="en-US" smtClean="0"/>
               <a:pPr/>
-              <a:t>6/25/2020</a:t>
+              <a:t>6/26/2020</a:t>
             </a:fld>
             <a:endParaRPr lang="en-US" dirty="0"/>
           </a:p>
@@ -7277,7 +3293,7 @@
             <a:fld id="{B61BEF0D-F0BB-DE4B-95CE-6DB70DBA9567}" type="datetimeFigureOut">
               <a:rPr lang="en-US" smtClean="0"/>
               <a:pPr/>
-              <a:t>6/25/2020</a:t>
+              <a:t>6/26/2020</a:t>
             </a:fld>
             <a:endParaRPr lang="en-US" dirty="0"/>
           </a:p>
@@ -7519,7 +3535,7 @@
             <a:fld id="{B61BEF0D-F0BB-DE4B-95CE-6DB70DBA9567}" type="datetimeFigureOut">
               <a:rPr lang="en-US" smtClean="0"/>
               <a:pPr/>
-              <a:t>6/25/2020</a:t>
+              <a:t>6/26/2020</a:t>
             </a:fld>
             <a:endParaRPr lang="en-US" dirty="0"/>
           </a:p>
@@ -7828,7 +3844,7 @@
             <a:fld id="{B61BEF0D-F0BB-DE4B-95CE-6DB70DBA9567}" type="datetimeFigureOut">
               <a:rPr lang="en-US" smtClean="0"/>
               <a:pPr/>
-              <a:t>6/25/2020</a:t>
+              <a:t>6/26/2020</a:t>
             </a:fld>
             <a:endParaRPr lang="en-US" dirty="0"/>
           </a:p>
@@ -8132,7 +4148,7 @@
             <a:fld id="{B61BEF0D-F0BB-DE4B-95CE-6DB70DBA9567}" type="datetimeFigureOut">
               <a:rPr lang="en-US" smtClean="0"/>
               <a:pPr/>
-              <a:t>6/25/2020</a:t>
+              <a:t>6/26/2020</a:t>
             </a:fld>
             <a:endParaRPr lang="en-US" dirty="0"/>
           </a:p>
@@ -8556,7 +4572,7 @@
             <a:fld id="{B61BEF0D-F0BB-DE4B-95CE-6DB70DBA9567}" type="datetimeFigureOut">
               <a:rPr lang="en-US" smtClean="0"/>
               <a:pPr/>
-              <a:t>6/25/2020</a:t>
+              <a:t>6/26/2020</a:t>
             </a:fld>
             <a:endParaRPr lang="en-US" dirty="0"/>
           </a:p>
@@ -8653,7 +4669,7 @@
             <a:fld id="{B61BEF0D-F0BB-DE4B-95CE-6DB70DBA9567}" type="datetimeFigureOut">
               <a:rPr lang="en-US" smtClean="0"/>
               <a:pPr/>
-              <a:t>6/25/2020</a:t>
+              <a:t>6/26/2020</a:t>
             </a:fld>
             <a:endParaRPr lang="en-US" dirty="0"/>
           </a:p>
@@ -8817,7 +4833,7 @@
             <a:fld id="{B61BEF0D-F0BB-DE4B-95CE-6DB70DBA9567}" type="datetimeFigureOut">
               <a:rPr lang="en-US" smtClean="0"/>
               <a:pPr/>
-              <a:t>6/25/2020</a:t>
+              <a:t>6/26/2020</a:t>
             </a:fld>
             <a:endParaRPr lang="en-US" dirty="0"/>
           </a:p>
@@ -9197,7 +5213,7 @@
             <a:fld id="{B61BEF0D-F0BB-DE4B-95CE-6DB70DBA9567}" type="datetimeFigureOut">
               <a:rPr lang="en-US" smtClean="0"/>
               <a:pPr/>
-              <a:t>6/25/2020</a:t>
+              <a:t>6/26/2020</a:t>
             </a:fld>
             <a:endParaRPr lang="en-US" dirty="0"/>
           </a:p>
@@ -9488,7 +5504,7 @@
             <a:fld id="{B61BEF0D-F0BB-DE4B-95CE-6DB70DBA9567}" type="datetimeFigureOut">
               <a:rPr lang="en-US" smtClean="0"/>
               <a:pPr/>
-              <a:t>6/25/2020</a:t>
+              <a:t>6/26/2020</a:t>
             </a:fld>
             <a:endParaRPr lang="en-US" dirty="0"/>
           </a:p>
@@ -9701,7 +5717,7 @@
             <a:fld id="{B61BEF0D-F0BB-DE4B-95CE-6DB70DBA9567}" type="datetimeFigureOut">
               <a:rPr lang="en-US" smtClean="0"/>
               <a:pPr/>
-              <a:t>6/25/2020</a:t>
+              <a:t>6/26/2020</a:t>
             </a:fld>
             <a:endParaRPr lang="en-US" dirty="0"/>
           </a:p>
@@ -10673,6 +6689,514 @@
           <a:chExt cx="0" cy="0"/>
         </a:xfrm>
       </p:grpSpPr>
+      <p:sp>
+        <p:nvSpPr>
+          <p:cNvPr id="2" name="Title 1"/>
+          <p:cNvSpPr>
+            <a:spLocks noGrp="1"/>
+          </p:cNvSpPr>
+          <p:nvPr>
+            <p:ph type="title"/>
+          </p:nvPr>
+        </p:nvSpPr>
+        <p:spPr/>
+        <p:txBody>
+          <a:bodyPr/>
+          <a:lstStyle/>
+          <a:p>
+            <a:r>
+              <a:rPr lang="en-US" dirty="0" err="1"/>
+              <a:t>Daftar</a:t>
+            </a:r>
+            <a:r>
+              <a:rPr lang="en-US" dirty="0"/>
+              <a:t> </a:t>
+            </a:r>
+            <a:r>
+              <a:rPr lang="en-US" dirty="0" err="1"/>
+              <a:t>pustaka</a:t>
+            </a:r>
+            <a:endParaRPr lang="en-US" dirty="0"/>
+          </a:p>
+        </p:txBody>
+      </p:sp>
+      <p:sp>
+        <p:nvSpPr>
+          <p:cNvPr id="3" name="Content Placeholder 2"/>
+          <p:cNvSpPr>
+            <a:spLocks noGrp="1"/>
+          </p:cNvSpPr>
+          <p:nvPr>
+            <p:ph idx="1"/>
+          </p:nvPr>
+        </p:nvSpPr>
+        <p:spPr/>
+        <p:txBody>
+          <a:bodyPr/>
+          <a:lstStyle/>
+          <a:p>
+            <a:endParaRPr lang="en-US" dirty="0"/>
+          </a:p>
+        </p:txBody>
+      </p:sp>
+    </p:spTree>
+    <p:extLst>
+      <p:ext uri="{BB962C8B-B14F-4D97-AF65-F5344CB8AC3E}">
+        <p14:creationId xmlns:p14="http://schemas.microsoft.com/office/powerpoint/2010/main" val="3732118345"/>
+      </p:ext>
+    </p:extLst>
+  </p:cSld>
+  <p:clrMapOvr>
+    <a:masterClrMapping/>
+  </p:clrMapOvr>
+  <p:timing>
+    <p:tnLst>
+      <p:par>
+        <p:cTn id="1" dur="indefinite" restart="never" nodeType="tmRoot"/>
+      </p:par>
+    </p:tnLst>
+  </p:timing>
+</p:sld>
+</file>
+
+<file path=ppt/slides/slide11.xml><?xml version="1.0" encoding="utf-8"?>
+<p:sld xmlns:a="http://schemas.openxmlformats.org/drawingml/2006/main" xmlns:r="http://schemas.openxmlformats.org/officeDocument/2006/relationships" xmlns:p="http://schemas.openxmlformats.org/presentationml/2006/main">
+  <p:cSld>
+    <p:bg>
+      <p:bgPr>
+        <a:solidFill>
+          <a:schemeClr val="bg1"/>
+        </a:solidFill>
+        <a:effectLst/>
+      </p:bgPr>
+    </p:bg>
+    <p:spTree>
+      <p:nvGrpSpPr>
+        <p:cNvPr id="1" name=""/>
+        <p:cNvGrpSpPr/>
+        <p:nvPr/>
+      </p:nvGrpSpPr>
+      <p:grpSpPr>
+        <a:xfrm>
+          <a:off x="0" y="0"/>
+          <a:ext cx="0" cy="0"/>
+          <a:chOff x="0" y="0"/>
+          <a:chExt cx="0" cy="0"/>
+        </a:xfrm>
+      </p:grpSpPr>
+      <p:sp useBgFill="1">
+        <p:nvSpPr>
+          <p:cNvPr id="10" name="Rectangle 9">
+            <a:extLst>
+              <a:ext uri="{FF2B5EF4-FFF2-40B4-BE49-F238E27FC236}">
+                <a16:creationId xmlns:a16="http://schemas.microsoft.com/office/drawing/2014/main" id="{379F11E2-8BA5-4C5C-AE7C-361E5EA011FF}"/>
+              </a:ext>
+              <a:ext uri="{C183D7F6-B498-43B3-948B-1728B52AA6E4}">
+                <adec:decorative xmlns="" xmlns:adec="http://schemas.microsoft.com/office/drawing/2017/decorative" val="1"/>
+              </a:ext>
+            </a:extLst>
+          </p:cNvPr>
+          <p:cNvSpPr>
+            <a:spLocks noGrp="1" noRot="1" noChangeAspect="1" noMove="1" noResize="1" noEditPoints="1" noAdjustHandles="1" noChangeArrowheads="1" noChangeShapeType="1" noTextEdit="1"/>
+          </p:cNvSpPr>
+          <p:nvPr>
+            <p:extLst>
+              <p:ext uri="{386F3935-93C4-4BCD-93E2-E3B085C9AB24}">
+                <p16:designElem xmlns:p16="http://schemas.microsoft.com/office/powerpoint/2015/main" val="1"/>
+              </p:ext>
+            </p:extLst>
+          </p:nvPr>
+        </p:nvSpPr>
+        <p:spPr>
+          <a:xfrm>
+            <a:off x="0" y="1"/>
+            <a:ext cx="12191999" cy="6858000"/>
+          </a:xfrm>
+          <a:prstGeom prst="rect">
+            <a:avLst/>
+          </a:prstGeom>
+          <a:ln>
+            <a:noFill/>
+          </a:ln>
+        </p:spPr>
+        <p:style>
+          <a:lnRef idx="2">
+            <a:schemeClr val="accent1">
+              <a:shade val="50000"/>
+            </a:schemeClr>
+          </a:lnRef>
+          <a:fillRef idx="1">
+            <a:schemeClr val="accent1"/>
+          </a:fillRef>
+          <a:effectRef idx="0">
+            <a:schemeClr val="accent1"/>
+          </a:effectRef>
+          <a:fontRef idx="minor">
+            <a:schemeClr val="lt1"/>
+          </a:fontRef>
+        </p:style>
+        <p:txBody>
+          <a:bodyPr rtlCol="0" anchor="ctr"/>
+          <a:lstStyle/>
+          <a:p>
+            <a:pPr algn="ctr"/>
+            <a:endParaRPr lang="en-US" dirty="0"/>
+          </a:p>
+        </p:txBody>
+      </p:sp>
+      <p:pic>
+        <p:nvPicPr>
+          <p:cNvPr id="5" name="Picture 4" descr="Digital Numbers">
+            <a:extLst>
+              <a:ext uri="{FF2B5EF4-FFF2-40B4-BE49-F238E27FC236}">
+                <a16:creationId xmlns:a16="http://schemas.microsoft.com/office/drawing/2014/main" id="{A21EA617-6D48-425F-97A8-7FEC82C8F401}"/>
+              </a:ext>
+            </a:extLst>
+          </p:cNvPr>
+          <p:cNvPicPr>
+            <a:picLocks noChangeAspect="1"/>
+          </p:cNvPicPr>
+          <p:nvPr/>
+        </p:nvPicPr>
+        <p:blipFill rotWithShape="1">
+          <a:blip r:embed="rId3" cstate="screen">
+            <a:extLst>
+              <a:ext uri="{28A0092B-C50C-407E-A947-70E740481C1C}">
+                <a14:useLocalDpi xmlns:a14="http://schemas.microsoft.com/office/drawing/2010/main"/>
+              </a:ext>
+            </a:extLst>
+          </a:blip>
+          <a:srcRect l="2189" r="9642" b="1"/>
+          <a:stretch/>
+        </p:blipFill>
+        <p:spPr>
+          <a:xfrm>
+            <a:off x="446534" y="723899"/>
+            <a:ext cx="7498616" cy="5676901"/>
+          </a:xfrm>
+          <a:prstGeom prst="rect">
+            <a:avLst/>
+          </a:prstGeom>
+        </p:spPr>
+      </p:pic>
+      <p:sp>
+        <p:nvSpPr>
+          <p:cNvPr id="12" name="Rectangle 11">
+            <a:extLst>
+              <a:ext uri="{FF2B5EF4-FFF2-40B4-BE49-F238E27FC236}">
+                <a16:creationId xmlns:a16="http://schemas.microsoft.com/office/drawing/2014/main" id="{7C00E1DA-EC7C-40FC-95E3-11FDCD2E4291}"/>
+              </a:ext>
+              <a:ext uri="{C183D7F6-B498-43B3-948B-1728B52AA6E4}">
+                <adec:decorative xmlns="" xmlns:adec="http://schemas.microsoft.com/office/drawing/2017/decorative" val="1"/>
+              </a:ext>
+            </a:extLst>
+          </p:cNvPr>
+          <p:cNvSpPr>
+            <a:spLocks noGrp="1" noRot="1" noChangeAspect="1" noMove="1" noResize="1" noEditPoints="1" noAdjustHandles="1" noChangeArrowheads="1" noChangeShapeType="1" noTextEdit="1"/>
+          </p:cNvSpPr>
+          <p:nvPr>
+            <p:extLst>
+              <p:ext uri="{386F3935-93C4-4BCD-93E2-E3B085C9AB24}">
+                <p16:designElem xmlns:p16="http://schemas.microsoft.com/office/powerpoint/2015/main" val="1"/>
+              </p:ext>
+            </p:extLst>
+          </p:nvPr>
+        </p:nvSpPr>
+        <p:spPr>
+          <a:xfrm>
+            <a:off x="8042147" y="723899"/>
+            <a:ext cx="3703320" cy="5666666"/>
+          </a:xfrm>
+          <a:prstGeom prst="rect">
+            <a:avLst/>
+          </a:prstGeom>
+          <a:solidFill>
+            <a:schemeClr val="accent1"/>
+          </a:solidFill>
+          <a:ln>
+            <a:noFill/>
+          </a:ln>
+          <a:effectLst/>
+        </p:spPr>
+        <p:style>
+          <a:lnRef idx="1">
+            <a:schemeClr val="accent1"/>
+          </a:lnRef>
+          <a:fillRef idx="3">
+            <a:schemeClr val="accent1"/>
+          </a:fillRef>
+          <a:effectRef idx="2">
+            <a:schemeClr val="accent1"/>
+          </a:effectRef>
+          <a:fontRef idx="minor">
+            <a:schemeClr val="lt1"/>
+          </a:fontRef>
+        </p:style>
+      </p:sp>
+      <p:sp>
+        <p:nvSpPr>
+          <p:cNvPr id="2" name="Title 1">
+            <a:extLst>
+              <a:ext uri="{FF2B5EF4-FFF2-40B4-BE49-F238E27FC236}">
+                <a16:creationId xmlns:a16="http://schemas.microsoft.com/office/drawing/2014/main" id="{0F87E73C-2B1A-4602-BFBE-CFE1E55D9B38}"/>
+              </a:ext>
+            </a:extLst>
+          </p:cNvPr>
+          <p:cNvSpPr>
+            <a:spLocks noGrp="1"/>
+          </p:cNvSpPr>
+          <p:nvPr>
+            <p:ph type="ctrTitle"/>
+          </p:nvPr>
+        </p:nvSpPr>
+        <p:spPr>
+          <a:xfrm>
+            <a:off x="8296275" y="1419226"/>
+            <a:ext cx="3081576" cy="1746762"/>
+          </a:xfrm>
+        </p:spPr>
+        <p:txBody>
+          <a:bodyPr>
+            <a:normAutofit/>
+          </a:bodyPr>
+          <a:lstStyle/>
+          <a:p>
+            <a:r>
+              <a:rPr lang="en-US" dirty="0">
+                <a:solidFill>
+                  <a:srgbClr val="FFFFFF"/>
+                </a:solidFill>
+              </a:rPr>
+              <a:t>Thank You</a:t>
+            </a:r>
+          </a:p>
+        </p:txBody>
+      </p:sp>
+      <p:grpSp>
+        <p:nvGrpSpPr>
+          <p:cNvPr id="14" name="Group 13">
+            <a:extLst>
+              <a:ext uri="{FF2B5EF4-FFF2-40B4-BE49-F238E27FC236}">
+                <a16:creationId xmlns:a16="http://schemas.microsoft.com/office/drawing/2014/main" id="{9A421166-2996-41A7-B094-AE5316F347DD}"/>
+              </a:ext>
+              <a:ext uri="{C183D7F6-B498-43B3-948B-1728B52AA6E4}">
+                <adec:decorative xmlns="" xmlns:adec="http://schemas.microsoft.com/office/drawing/2017/decorative" val="1"/>
+              </a:ext>
+            </a:extLst>
+          </p:cNvPr>
+          <p:cNvGrpSpPr>
+            <a:grpSpLocks noGrp="1" noUngrp="1" noRot="1" noChangeAspect="1" noMove="1" noResize="1"/>
+          </p:cNvGrpSpPr>
+          <p:nvPr>
+            <p:extLst>
+              <p:ext uri="{386F3935-93C4-4BCD-93E2-E3B085C9AB24}">
+                <p16:designElem xmlns:p16="http://schemas.microsoft.com/office/powerpoint/2015/main" val="1"/>
+              </p:ext>
+            </p:extLst>
+          </p:nvPr>
+        </p:nvGrpSpPr>
+        <p:grpSpPr>
+          <a:xfrm>
+            <a:off x="446534" y="453643"/>
+            <a:ext cx="11298933" cy="98554"/>
+            <a:chOff x="446534" y="453643"/>
+            <a:chExt cx="11298933" cy="98554"/>
+          </a:xfrm>
+        </p:grpSpPr>
+        <p:sp>
+          <p:nvSpPr>
+            <p:cNvPr id="15" name="Rectangle 14">
+              <a:extLst>
+                <a:ext uri="{FF2B5EF4-FFF2-40B4-BE49-F238E27FC236}">
+                  <a16:creationId xmlns:a16="http://schemas.microsoft.com/office/drawing/2014/main" id="{FDBB1B92-A3EB-43E4-8FAB-D20E8ED14CEF}"/>
+                </a:ext>
+                <a:ext uri="{C183D7F6-B498-43B3-948B-1728B52AA6E4}">
+                  <adec:decorative xmlns="" xmlns:adec="http://schemas.microsoft.com/office/drawing/2017/decorative" val="1"/>
+                </a:ext>
+              </a:extLst>
+            </p:cNvPr>
+            <p:cNvSpPr/>
+            <p:nvPr>
+              <p:extLst>
+                <p:ext uri="{386F3935-93C4-4BCD-93E2-E3B085C9AB24}">
+                  <p16:designElem xmlns:p16="http://schemas.microsoft.com/office/powerpoint/2015/main" val="1"/>
+                </p:ext>
+              </p:extLst>
+            </p:nvPr>
+          </p:nvSpPr>
+          <p:spPr>
+            <a:xfrm>
+              <a:off x="446534" y="457200"/>
+              <a:ext cx="3703320" cy="94997"/>
+            </a:xfrm>
+            <a:prstGeom prst="rect">
+              <a:avLst/>
+            </a:prstGeom>
+            <a:solidFill>
+              <a:schemeClr val="accent1"/>
+            </a:solidFill>
+            <a:ln>
+              <a:noFill/>
+            </a:ln>
+            <a:effectLst/>
+          </p:spPr>
+          <p:style>
+            <a:lnRef idx="1">
+              <a:schemeClr val="accent1"/>
+            </a:lnRef>
+            <a:fillRef idx="3">
+              <a:schemeClr val="accent1"/>
+            </a:fillRef>
+            <a:effectRef idx="2">
+              <a:schemeClr val="accent1"/>
+            </a:effectRef>
+            <a:fontRef idx="minor">
+              <a:schemeClr val="lt1"/>
+            </a:fontRef>
+          </p:style>
+        </p:sp>
+        <p:sp>
+          <p:nvSpPr>
+            <p:cNvPr id="16" name="Rectangle 15">
+              <a:extLst>
+                <a:ext uri="{FF2B5EF4-FFF2-40B4-BE49-F238E27FC236}">
+                  <a16:creationId xmlns:a16="http://schemas.microsoft.com/office/drawing/2014/main" id="{3F3972F4-FE7E-48EA-AAD8-9BE5750A6672}"/>
+                </a:ext>
+                <a:ext uri="{C183D7F6-B498-43B3-948B-1728B52AA6E4}">
+                  <adec:decorative xmlns="" xmlns:adec="http://schemas.microsoft.com/office/drawing/2017/decorative" val="1"/>
+                </a:ext>
+              </a:extLst>
+            </p:cNvPr>
+            <p:cNvSpPr/>
+            <p:nvPr>
+              <p:extLst>
+                <p:ext uri="{386F3935-93C4-4BCD-93E2-E3B085C9AB24}">
+                  <p16:designElem xmlns:p16="http://schemas.microsoft.com/office/powerpoint/2015/main" val="1"/>
+                </p:ext>
+              </p:extLst>
+            </p:nvPr>
+          </p:nvSpPr>
+          <p:spPr>
+            <a:xfrm>
+              <a:off x="8042147" y="453643"/>
+              <a:ext cx="3703320" cy="98554"/>
+            </a:xfrm>
+            <a:prstGeom prst="rect">
+              <a:avLst/>
+            </a:prstGeom>
+            <a:solidFill>
+              <a:schemeClr val="accent4"/>
+            </a:solidFill>
+            <a:ln>
+              <a:noFill/>
+            </a:ln>
+            <a:effectLst/>
+          </p:spPr>
+          <p:style>
+            <a:lnRef idx="1">
+              <a:schemeClr val="accent1"/>
+            </a:lnRef>
+            <a:fillRef idx="3">
+              <a:schemeClr val="accent1"/>
+            </a:fillRef>
+            <a:effectRef idx="2">
+              <a:schemeClr val="accent1"/>
+            </a:effectRef>
+            <a:fontRef idx="minor">
+              <a:schemeClr val="lt1"/>
+            </a:fontRef>
+          </p:style>
+        </p:sp>
+        <p:sp>
+          <p:nvSpPr>
+            <p:cNvPr id="17" name="Rectangle 16">
+              <a:extLst>
+                <a:ext uri="{FF2B5EF4-FFF2-40B4-BE49-F238E27FC236}">
+                  <a16:creationId xmlns:a16="http://schemas.microsoft.com/office/drawing/2014/main" id="{221614E5-870B-4D5E-A43B-8FF7E5323484}"/>
+                </a:ext>
+                <a:ext uri="{C183D7F6-B498-43B3-948B-1728B52AA6E4}">
+                  <adec:decorative xmlns="" xmlns:adec="http://schemas.microsoft.com/office/drawing/2017/decorative" val="1"/>
+                </a:ext>
+              </a:extLst>
+            </p:cNvPr>
+            <p:cNvSpPr/>
+            <p:nvPr>
+              <p:extLst>
+                <p:ext uri="{386F3935-93C4-4BCD-93E2-E3B085C9AB24}">
+                  <p16:designElem xmlns:p16="http://schemas.microsoft.com/office/powerpoint/2015/main" val="1"/>
+                </p:ext>
+              </p:extLst>
+            </p:nvPr>
+          </p:nvSpPr>
+          <p:spPr>
+            <a:xfrm>
+              <a:off x="4241830" y="457200"/>
+              <a:ext cx="3703320" cy="91440"/>
+            </a:xfrm>
+            <a:prstGeom prst="rect">
+              <a:avLst/>
+            </a:prstGeom>
+            <a:solidFill>
+              <a:schemeClr val="accent2"/>
+            </a:solidFill>
+            <a:ln>
+              <a:noFill/>
+            </a:ln>
+            <a:effectLst/>
+          </p:spPr>
+          <p:style>
+            <a:lnRef idx="1">
+              <a:schemeClr val="accent1"/>
+            </a:lnRef>
+            <a:fillRef idx="3">
+              <a:schemeClr val="accent1"/>
+            </a:fillRef>
+            <a:effectRef idx="2">
+              <a:schemeClr val="accent1"/>
+            </a:effectRef>
+            <a:fontRef idx="minor">
+              <a:schemeClr val="lt1"/>
+            </a:fontRef>
+          </p:style>
+        </p:sp>
+      </p:grpSp>
+    </p:spTree>
+    <p:extLst>
+      <p:ext uri="{BB962C8B-B14F-4D97-AF65-F5344CB8AC3E}">
+        <p14:creationId xmlns:p14="http://schemas.microsoft.com/office/powerpoint/2010/main" val="3501347425"/>
+      </p:ext>
+    </p:extLst>
+  </p:cSld>
+  <p:clrMapOvr>
+    <a:masterClrMapping/>
+  </p:clrMapOvr>
+  <p:timing>
+    <p:tnLst>
+      <p:par>
+        <p:cTn id="1" dur="indefinite" restart="never" nodeType="tmRoot"/>
+      </p:par>
+    </p:tnLst>
+  </p:timing>
+</p:sld>
+</file>
+
+<file path=ppt/slides/slide12.xml><?xml version="1.0" encoding="utf-8"?>
+<p:sld xmlns:a="http://schemas.openxmlformats.org/drawingml/2006/main" xmlns:r="http://schemas.openxmlformats.org/officeDocument/2006/relationships" xmlns:p="http://schemas.openxmlformats.org/presentationml/2006/main">
+  <p:cSld>
+    <p:spTree>
+      <p:nvGrpSpPr>
+        <p:cNvPr id="1" name=""/>
+        <p:cNvGrpSpPr/>
+        <p:nvPr/>
+      </p:nvGrpSpPr>
+      <p:grpSpPr>
+        <a:xfrm>
+          <a:off x="0" y="0"/>
+          <a:ext cx="0" cy="0"/>
+          <a:chOff x="0" y="0"/>
+          <a:chExt cx="0" cy="0"/>
+        </a:xfrm>
+      </p:grpSpPr>
     </p:spTree>
     <p:extLst>
       <p:ext uri="{BB962C8B-B14F-4D97-AF65-F5344CB8AC3E}">
@@ -13034,7 +9558,6 @@
               <a:rPr lang="en-US" dirty="0"/>
               <a:t>.</a:t>
             </a:r>
-            <a:endParaRPr lang="en-US" dirty="0"/>
           </a:p>
         </p:txBody>
       </p:sp>
@@ -14181,54 +10704,223 @@
           <a:lstStyle/>
           <a:p>
             <a:r>
-              <a:rPr lang="en-US" dirty="0" err="1"/>
-              <a:t>metode</a:t>
-            </a:r>
-            <a:r>
-              <a:rPr lang="en-US" dirty="0"/>
-              <a:t> (</a:t>
-            </a:r>
-            <a:r>
               <a:rPr lang="en-US" dirty="0" err="1" smtClean="0"/>
-              <a:t>rumus</a:t>
+              <a:t>Algoritma</a:t>
             </a:r>
             <a:r>
               <a:rPr lang="en-US" dirty="0" smtClean="0"/>
-              <a:t>/</a:t>
-            </a:r>
-            <a:r>
-              <a:rPr lang="en-US" dirty="0" err="1" smtClean="0"/>
-              <a:t>algoritma</a:t>
-            </a:r>
-            <a:r>
-              <a:rPr lang="en-US" dirty="0"/>
-              <a:t>)</a:t>
-            </a:r>
+              <a:t/>
+            </a:r>
+            <a:br>
+              <a:rPr lang="en-US" dirty="0" smtClean="0"/>
+            </a:br>
+            <a:r>
+              <a:rPr lang="en-US" dirty="0"/>
+              <a:t>Convolutional Neural </a:t>
+            </a:r>
+            <a:r>
+              <a:rPr lang="en-US" dirty="0" smtClean="0"/>
+              <a:t>Networks</a:t>
+            </a:r>
+            <a:endParaRPr lang="en-US" dirty="0"/>
           </a:p>
         </p:txBody>
       </p:sp>
-      <p:sp>
-        <p:nvSpPr>
-          <p:cNvPr id="3" name="Content Placeholder 2"/>
-          <p:cNvSpPr>
-            <a:spLocks noGrp="1"/>
-          </p:cNvSpPr>
-          <p:nvPr>
-            <p:ph idx="1"/>
-          </p:nvPr>
-        </p:nvSpPr>
-        <p:spPr/>
-        <p:txBody>
-          <a:bodyPr anchor="t"/>
-          <a:lstStyle/>
-          <a:p>
-            <a:r>
-              <a:rPr lang="en-US" dirty="0"/>
-              <a:t>M2D CNN Model Architecture</a:t>
-            </a:r>
-          </a:p>
-        </p:txBody>
-      </p:sp>
+      <p:grpSp>
+        <p:nvGrpSpPr>
+          <p:cNvPr id="14" name="Group 13"/>
+          <p:cNvGrpSpPr/>
+          <p:nvPr/>
+        </p:nvGrpSpPr>
+        <p:grpSpPr>
+          <a:xfrm>
+            <a:off x="581192" y="1890407"/>
+            <a:ext cx="11029616" cy="4401212"/>
+            <a:chOff x="123992" y="1972293"/>
+            <a:chExt cx="8471369" cy="3773968"/>
+          </a:xfrm>
+        </p:grpSpPr>
+        <p:sp>
+          <p:nvSpPr>
+            <p:cNvPr id="7" name="Rectangle 6"/>
+            <p:cNvSpPr/>
+            <p:nvPr/>
+          </p:nvSpPr>
+          <p:spPr>
+            <a:xfrm>
+              <a:off x="123992" y="1972491"/>
+              <a:ext cx="5860551" cy="470263"/>
+            </a:xfrm>
+            <a:prstGeom prst="rect">
+              <a:avLst/>
+            </a:prstGeom>
+            <a:gradFill flip="none" rotWithShape="1">
+              <a:gsLst>
+                <a:gs pos="0">
+                  <a:schemeClr val="accent1">
+                    <a:lumMod val="67000"/>
+                  </a:schemeClr>
+                </a:gs>
+                <a:gs pos="48000">
+                  <a:schemeClr val="accent1">
+                    <a:lumMod val="97000"/>
+                    <a:lumOff val="3000"/>
+                  </a:schemeClr>
+                </a:gs>
+                <a:gs pos="100000">
+                  <a:schemeClr val="accent1">
+                    <a:lumMod val="60000"/>
+                    <a:lumOff val="40000"/>
+                  </a:schemeClr>
+                </a:gs>
+              </a:gsLst>
+              <a:lin ang="16200000" scaled="1"/>
+              <a:tileRect/>
+            </a:gradFill>
+            <a:ln>
+              <a:noFill/>
+            </a:ln>
+          </p:spPr>
+          <p:style>
+            <a:lnRef idx="0">
+              <a:scrgbClr r="0" g="0" b="0"/>
+            </a:lnRef>
+            <a:fillRef idx="0">
+              <a:scrgbClr r="0" g="0" b="0"/>
+            </a:fillRef>
+            <a:effectRef idx="0">
+              <a:scrgbClr r="0" g="0" b="0"/>
+            </a:effectRef>
+            <a:fontRef idx="minor">
+              <a:schemeClr val="lt1"/>
+            </a:fontRef>
+          </p:style>
+          <p:txBody>
+            <a:bodyPr rtlCol="0" anchor="ctr"/>
+            <a:lstStyle/>
+            <a:p>
+              <a:pPr algn="ctr"/>
+              <a:r>
+                <a:rPr lang="en-US" dirty="0" smtClean="0"/>
+                <a:t>Convolutional Layer</a:t>
+              </a:r>
+              <a:endParaRPr lang="en-US" dirty="0"/>
+            </a:p>
+          </p:txBody>
+        </p:sp>
+        <p:sp>
+          <p:nvSpPr>
+            <p:cNvPr id="10" name="Plus 9"/>
+            <p:cNvSpPr/>
+            <p:nvPr/>
+          </p:nvSpPr>
+          <p:spPr>
+            <a:xfrm>
+              <a:off x="5984543" y="1972490"/>
+              <a:ext cx="450377" cy="470263"/>
+            </a:xfrm>
+            <a:prstGeom prst="mathPlus">
+              <a:avLst/>
+            </a:prstGeom>
+          </p:spPr>
+          <p:style>
+            <a:lnRef idx="2">
+              <a:schemeClr val="accent1">
+                <a:shade val="50000"/>
+              </a:schemeClr>
+            </a:lnRef>
+            <a:fillRef idx="1">
+              <a:schemeClr val="accent1"/>
+            </a:fillRef>
+            <a:effectRef idx="0">
+              <a:schemeClr val="accent1"/>
+            </a:effectRef>
+            <a:fontRef idx="minor">
+              <a:schemeClr val="lt1"/>
+            </a:fontRef>
+          </p:style>
+          <p:txBody>
+            <a:bodyPr rtlCol="0" anchor="ctr"/>
+            <a:lstStyle/>
+            <a:p>
+              <a:pPr algn="ctr"/>
+              <a:endParaRPr lang="en-US"/>
+            </a:p>
+          </p:txBody>
+        </p:sp>
+        <p:sp>
+          <p:nvSpPr>
+            <p:cNvPr id="11" name="Rectangle 10"/>
+            <p:cNvSpPr/>
+            <p:nvPr/>
+          </p:nvSpPr>
+          <p:spPr>
+            <a:xfrm>
+              <a:off x="6434921" y="1972293"/>
+              <a:ext cx="2160440" cy="470263"/>
+            </a:xfrm>
+            <a:prstGeom prst="rect">
+              <a:avLst/>
+            </a:prstGeom>
+          </p:spPr>
+          <p:style>
+            <a:lnRef idx="1">
+              <a:schemeClr val="dk1"/>
+            </a:lnRef>
+            <a:fillRef idx="3">
+              <a:schemeClr val="dk1"/>
+            </a:fillRef>
+            <a:effectRef idx="2">
+              <a:schemeClr val="dk1"/>
+            </a:effectRef>
+            <a:fontRef idx="minor">
+              <a:schemeClr val="lt1"/>
+            </a:fontRef>
+          </p:style>
+          <p:txBody>
+            <a:bodyPr rtlCol="0" anchor="ctr"/>
+            <a:lstStyle/>
+            <a:p>
+              <a:pPr algn="ctr"/>
+              <a:r>
+                <a:rPr lang="en-US" sz="1600" dirty="0" smtClean="0"/>
+                <a:t>Deep Neural Network</a:t>
+              </a:r>
+              <a:endParaRPr lang="en-US" sz="1600" dirty="0"/>
+            </a:p>
+          </p:txBody>
+        </p:sp>
+        <p:pic>
+          <p:nvPicPr>
+            <p:cNvPr id="13" name="Picture 12"/>
+            <p:cNvPicPr>
+              <a:picLocks noChangeAspect="1"/>
+            </p:cNvPicPr>
+            <p:nvPr/>
+          </p:nvPicPr>
+          <p:blipFill>
+            <a:blip r:embed="rId2">
+              <a:extLst>
+                <a:ext uri="{28A0092B-C50C-407E-A947-70E740481C1C}">
+                  <a14:useLocalDpi xmlns:a14="http://schemas.microsoft.com/office/drawing/2010/main" val="0"/>
+                </a:ext>
+              </a:extLst>
+            </a:blip>
+            <a:stretch>
+              <a:fillRect/>
+            </a:stretch>
+          </p:blipFill>
+          <p:spPr>
+            <a:xfrm>
+              <a:off x="123992" y="2442556"/>
+              <a:ext cx="8471369" cy="3303705"/>
+            </a:xfrm>
+            <a:prstGeom prst="rect">
+              <a:avLst/>
+            </a:prstGeom>
+          </p:spPr>
+        </p:pic>
+      </p:grpSp>
     </p:spTree>
     <p:extLst>
       <p:ext uri="{BB962C8B-B14F-4D97-AF65-F5344CB8AC3E}">
@@ -14252,14 +10944,6 @@
 <file path=ppt/slides/slide7.xml><?xml version="1.0" encoding="utf-8"?>
 <p:sld xmlns:a="http://schemas.openxmlformats.org/drawingml/2006/main" xmlns:r="http://schemas.openxmlformats.org/officeDocument/2006/relationships" xmlns:p="http://schemas.openxmlformats.org/presentationml/2006/main">
   <p:cSld>
-    <p:bg>
-      <p:bgPr>
-        <a:solidFill>
-          <a:schemeClr val="bg1"/>
-        </a:solidFill>
-        <a:effectLst/>
-      </p:bgPr>
-    </p:bg>
     <p:spTree>
       <p:nvGrpSpPr>
         <p:cNvPr id="1" name=""/>
@@ -14276,13 +10960,7 @@
       </p:grpSpPr>
       <p:sp>
         <p:nvSpPr>
-          <p:cNvPr id="2" name="Title 1">
-            <a:extLst>
-              <a:ext uri="{FF2B5EF4-FFF2-40B4-BE49-F238E27FC236}">
-                <a16:creationId xmlns:a16="http://schemas.microsoft.com/office/drawing/2014/main" id="{921633EB-7DCB-4DDC-80AF-C885A3EE1245}"/>
-              </a:ext>
-            </a:extLst>
-          </p:cNvPr>
+          <p:cNvPr id="2" name="Title 1"/>
           <p:cNvSpPr>
             <a:spLocks noGrp="1"/>
           </p:cNvSpPr>
@@ -14296,71 +10974,423 @@
           <a:lstStyle/>
           <a:p>
             <a:r>
-              <a:rPr lang="en-US" dirty="0"/>
-              <a:t>Competitive Landscape</a:t>
-            </a:r>
+              <a:rPr lang="en-US" dirty="0" err="1" smtClean="0"/>
+              <a:t>Metode</a:t>
+            </a:r>
+            <a:r>
+              <a:rPr lang="en-US" dirty="0" smtClean="0"/>
+              <a:t> </a:t>
+            </a:r>
+            <a:r>
+              <a:rPr lang="en-US" dirty="0" err="1" smtClean="0"/>
+              <a:t>penelitian</a:t>
+            </a:r>
+            <a:endParaRPr lang="en-US" dirty="0"/>
+          </a:p>
+        </p:txBody>
+      </p:sp>
+      <p:sp>
+        <p:nvSpPr>
+          <p:cNvPr id="5" name="Content Placeholder 4"/>
+          <p:cNvSpPr>
+            <a:spLocks noGrp="1"/>
+          </p:cNvSpPr>
+          <p:nvPr>
+            <p:ph idx="1"/>
+          </p:nvPr>
+        </p:nvSpPr>
+        <p:spPr>
+          <a:xfrm>
+            <a:off x="581193" y="1884588"/>
+            <a:ext cx="7929154" cy="4841933"/>
+          </a:xfrm>
+        </p:spPr>
+        <p:txBody>
+          <a:bodyPr anchor="t"/>
+          <a:lstStyle/>
+          <a:p>
+            <a:r>
+              <a:rPr lang="en-US" b="1" dirty="0" err="1"/>
+              <a:t>Studi</a:t>
+            </a:r>
+            <a:r>
+              <a:rPr lang="en-US" b="1" dirty="0"/>
+              <a:t> </a:t>
+            </a:r>
+            <a:r>
+              <a:rPr lang="en-US" b="1" dirty="0" err="1" smtClean="0"/>
+              <a:t>Literatur</a:t>
+            </a:r>
+            <a:r>
+              <a:rPr lang="en-US" b="1" dirty="0" smtClean="0"/>
+              <a:t> :</a:t>
+            </a:r>
+          </a:p>
+          <a:p>
+            <a:pPr lvl="1">
+              <a:buFont typeface="Arial" panose="020B0604020202020204" pitchFamily="34" charset="0"/>
+              <a:buChar char="•"/>
+            </a:pPr>
+            <a:r>
+              <a:rPr lang="en-US" dirty="0" err="1"/>
+              <a:t>Informasi</a:t>
+            </a:r>
+            <a:r>
+              <a:rPr lang="en-US" dirty="0"/>
+              <a:t> </a:t>
+            </a:r>
+            <a:r>
+              <a:rPr lang="en-US" dirty="0" err="1"/>
+              <a:t>tentang</a:t>
+            </a:r>
+            <a:r>
+              <a:rPr lang="en-US" dirty="0"/>
+              <a:t> </a:t>
+            </a:r>
+            <a:r>
+              <a:rPr lang="en-US" dirty="0" err="1"/>
+              <a:t>sejarah</a:t>
+            </a:r>
+            <a:r>
+              <a:rPr lang="en-US" dirty="0"/>
+              <a:t> </a:t>
+            </a:r>
+            <a:r>
+              <a:rPr lang="en-US" dirty="0" err="1"/>
+              <a:t>dan</a:t>
+            </a:r>
+            <a:r>
+              <a:rPr lang="en-US" dirty="0"/>
+              <a:t> </a:t>
+            </a:r>
+            <a:r>
+              <a:rPr lang="en-US" dirty="0" err="1"/>
+              <a:t>bentuk</a:t>
+            </a:r>
+            <a:r>
+              <a:rPr lang="en-US" dirty="0"/>
+              <a:t> </a:t>
+            </a:r>
+            <a:r>
+              <a:rPr lang="en-US" dirty="0" err="1"/>
+              <a:t>gerak</a:t>
+            </a:r>
+            <a:r>
+              <a:rPr lang="en-US" dirty="0"/>
+              <a:t> Bahasa </a:t>
+            </a:r>
+            <a:r>
+              <a:rPr lang="en-US" dirty="0" err="1"/>
+              <a:t>Isyarat</a:t>
+            </a:r>
+            <a:r>
+              <a:rPr lang="en-US" dirty="0"/>
+              <a:t> Indonesia (BISINDO</a:t>
+            </a:r>
+            <a:r>
+              <a:rPr lang="en-US" dirty="0" smtClean="0"/>
+              <a:t>)</a:t>
+            </a:r>
+          </a:p>
+          <a:p>
+            <a:pPr lvl="1">
+              <a:buFont typeface="Arial" panose="020B0604020202020204" pitchFamily="34" charset="0"/>
+              <a:buChar char="•"/>
+            </a:pPr>
+            <a:r>
+              <a:rPr lang="en-US" dirty="0" err="1"/>
+              <a:t>Penelitian</a:t>
+            </a:r>
+            <a:r>
+              <a:rPr lang="en-US" dirty="0"/>
+              <a:t> yang </a:t>
+            </a:r>
+            <a:r>
+              <a:rPr lang="en-US" dirty="0" err="1"/>
+              <a:t>mirip</a:t>
+            </a:r>
+            <a:r>
+              <a:rPr lang="en-US" dirty="0"/>
+              <a:t> </a:t>
+            </a:r>
+            <a:r>
+              <a:rPr lang="en-US" dirty="0" err="1"/>
+              <a:t>dalam</a:t>
+            </a:r>
+            <a:r>
+              <a:rPr lang="en-US" dirty="0"/>
+              <a:t> </a:t>
+            </a:r>
+            <a:r>
+              <a:rPr lang="en-US" dirty="0" err="1"/>
+              <a:t>pengembangan</a:t>
+            </a:r>
+            <a:r>
+              <a:rPr lang="en-US" dirty="0"/>
+              <a:t> </a:t>
+            </a:r>
+            <a:r>
+              <a:rPr lang="en-US" dirty="0" err="1"/>
+              <a:t>sistem</a:t>
+            </a:r>
+            <a:r>
+              <a:rPr lang="en-US" dirty="0"/>
+              <a:t> </a:t>
+            </a:r>
+            <a:r>
+              <a:rPr lang="en-US" dirty="0" err="1"/>
+              <a:t>komputer</a:t>
+            </a:r>
+            <a:r>
+              <a:rPr lang="en-US" dirty="0"/>
+              <a:t> vision </a:t>
+            </a:r>
+            <a:r>
+              <a:rPr lang="en-US" dirty="0" err="1"/>
+              <a:t>untuk</a:t>
+            </a:r>
+            <a:r>
+              <a:rPr lang="en-US" dirty="0"/>
+              <a:t> </a:t>
+            </a:r>
+            <a:r>
+              <a:rPr lang="en-US" dirty="0" err="1"/>
+              <a:t>penerjemah</a:t>
+            </a:r>
+            <a:r>
+              <a:rPr lang="en-US" dirty="0"/>
+              <a:t> </a:t>
+            </a:r>
+            <a:r>
+              <a:rPr lang="en-US" dirty="0" err="1"/>
+              <a:t>bahasa</a:t>
+            </a:r>
+            <a:r>
+              <a:rPr lang="en-US" dirty="0"/>
+              <a:t> </a:t>
+            </a:r>
+            <a:r>
+              <a:rPr lang="en-US" dirty="0" err="1"/>
+              <a:t>isyarat</a:t>
+            </a:r>
+            <a:endParaRPr lang="en-US" dirty="0"/>
+          </a:p>
+          <a:p>
+            <a:pPr lvl="1">
+              <a:buFont typeface="Arial" panose="020B0604020202020204" pitchFamily="34" charset="0"/>
+              <a:buChar char="•"/>
+            </a:pPr>
+            <a:r>
+              <a:rPr lang="en-US" dirty="0" err="1"/>
+              <a:t>Ekstraksi</a:t>
+            </a:r>
+            <a:r>
+              <a:rPr lang="en-US" dirty="0"/>
+              <a:t> </a:t>
+            </a:r>
+            <a:r>
+              <a:rPr lang="en-US" dirty="0" err="1"/>
+              <a:t>fitur</a:t>
+            </a:r>
+            <a:r>
+              <a:rPr lang="en-US" dirty="0"/>
+              <a:t> </a:t>
+            </a:r>
+            <a:r>
+              <a:rPr lang="en-US" dirty="0" err="1"/>
+              <a:t>warna</a:t>
+            </a:r>
+            <a:r>
+              <a:rPr lang="en-US" dirty="0"/>
+              <a:t> </a:t>
+            </a:r>
+            <a:r>
+              <a:rPr lang="en-US" dirty="0" err="1"/>
+              <a:t>untuk</a:t>
+            </a:r>
+            <a:r>
+              <a:rPr lang="en-US" dirty="0"/>
+              <a:t> </a:t>
+            </a:r>
+            <a:r>
+              <a:rPr lang="en-US" dirty="0" err="1"/>
+              <a:t>deteksi</a:t>
+            </a:r>
+            <a:r>
+              <a:rPr lang="en-US" dirty="0"/>
+              <a:t> </a:t>
+            </a:r>
+            <a:r>
+              <a:rPr lang="en-US" dirty="0" err="1"/>
+              <a:t>objek</a:t>
+            </a:r>
+            <a:endParaRPr lang="en-US" dirty="0"/>
+          </a:p>
+          <a:p>
+            <a:pPr lvl="1">
+              <a:buFont typeface="Arial" panose="020B0604020202020204" pitchFamily="34" charset="0"/>
+              <a:buChar char="•"/>
+            </a:pPr>
+            <a:r>
+              <a:rPr lang="en-US" dirty="0" err="1"/>
+              <a:t>Konsep</a:t>
+            </a:r>
+            <a:r>
+              <a:rPr lang="en-US" dirty="0"/>
+              <a:t> Deep Learning Convolutional Neural </a:t>
+            </a:r>
+            <a:r>
+              <a:rPr lang="en-US" dirty="0" smtClean="0"/>
+              <a:t>Network</a:t>
+            </a:r>
+            <a:endParaRPr lang="en-US" b="1" dirty="0" smtClean="0"/>
+          </a:p>
+          <a:p>
+            <a:r>
+              <a:rPr lang="en-US" b="1" dirty="0" err="1" smtClean="0"/>
+              <a:t>Pengumpulan</a:t>
+            </a:r>
+            <a:r>
+              <a:rPr lang="en-US" b="1" dirty="0" smtClean="0"/>
+              <a:t> Data :</a:t>
+            </a:r>
+          </a:p>
+          <a:p>
+            <a:pPr lvl="1">
+              <a:buFont typeface="Arial" panose="020B0604020202020204" pitchFamily="34" charset="0"/>
+              <a:buChar char="•"/>
+            </a:pPr>
+            <a:r>
+              <a:rPr lang="en-US" dirty="0" err="1"/>
+              <a:t>Eksplorasi</a:t>
+            </a:r>
+            <a:r>
+              <a:rPr lang="en-US" dirty="0"/>
+              <a:t> </a:t>
+            </a:r>
+            <a:r>
+              <a:rPr lang="en-US" dirty="0" err="1"/>
+              <a:t>dan</a:t>
+            </a:r>
+            <a:r>
+              <a:rPr lang="en-US" dirty="0"/>
+              <a:t> </a:t>
+            </a:r>
+            <a:r>
+              <a:rPr lang="en-US" dirty="0" err="1"/>
+              <a:t>Studi</a:t>
+            </a:r>
+            <a:r>
+              <a:rPr lang="en-US" dirty="0"/>
+              <a:t> </a:t>
+            </a:r>
+            <a:r>
+              <a:rPr lang="en-US" dirty="0" err="1"/>
+              <a:t>Literatur</a:t>
+            </a:r>
+            <a:endParaRPr lang="en-US" dirty="0"/>
+          </a:p>
+          <a:p>
+            <a:pPr lvl="1">
+              <a:buFont typeface="Arial" panose="020B0604020202020204" pitchFamily="34" charset="0"/>
+              <a:buChar char="•"/>
+            </a:pPr>
+            <a:r>
+              <a:rPr lang="en-US" dirty="0" err="1"/>
+              <a:t>Pengambilan</a:t>
+            </a:r>
+            <a:r>
+              <a:rPr lang="en-US" dirty="0"/>
+              <a:t> Dataset </a:t>
+            </a:r>
+            <a:r>
+              <a:rPr lang="en-US" dirty="0" err="1" smtClean="0"/>
+              <a:t>Langsung</a:t>
+            </a:r>
+            <a:endParaRPr lang="en-US" dirty="0"/>
+          </a:p>
+          <a:p>
+            <a:r>
+              <a:rPr lang="en-US" b="1" dirty="0" err="1"/>
+              <a:t>Tahapan</a:t>
+            </a:r>
+            <a:r>
+              <a:rPr lang="en-US" b="1" dirty="0"/>
+              <a:t> </a:t>
+            </a:r>
+            <a:r>
+              <a:rPr lang="en-US" b="1" dirty="0" err="1"/>
+              <a:t>Pengembangan</a:t>
+            </a:r>
+            <a:r>
+              <a:rPr lang="en-US" b="1" dirty="0"/>
+              <a:t> </a:t>
+            </a:r>
+            <a:r>
+              <a:rPr lang="en-US" b="1" dirty="0" err="1"/>
+              <a:t>Perangkat</a:t>
+            </a:r>
+            <a:r>
+              <a:rPr lang="en-US" b="1" dirty="0"/>
+              <a:t> </a:t>
+            </a:r>
+            <a:r>
+              <a:rPr lang="en-US" b="1" dirty="0" err="1" smtClean="0"/>
+              <a:t>Lunak</a:t>
+            </a:r>
+            <a:r>
+              <a:rPr lang="en-US" b="1" dirty="0" smtClean="0"/>
+              <a:t> :</a:t>
+            </a:r>
+          </a:p>
+          <a:p>
+            <a:pPr lvl="1">
+              <a:buFont typeface="Arial" panose="020B0604020202020204" pitchFamily="34" charset="0"/>
+              <a:buChar char="•"/>
+            </a:pPr>
+            <a:r>
+              <a:rPr lang="en-US" dirty="0" err="1" smtClean="0"/>
+              <a:t>Metode</a:t>
+            </a:r>
+            <a:r>
+              <a:rPr lang="en-US" dirty="0" smtClean="0"/>
+              <a:t> </a:t>
+            </a:r>
+            <a:r>
+              <a:rPr lang="en-US" dirty="0"/>
+              <a:t>Prototype</a:t>
+            </a:r>
+            <a:endParaRPr lang="en-US" b="1" dirty="0"/>
+          </a:p>
+          <a:p>
+            <a:endParaRPr lang="en-US" dirty="0"/>
           </a:p>
         </p:txBody>
       </p:sp>
       <p:pic>
         <p:nvPicPr>
-          <p:cNvPr id="11" name="Content Placeholder 4" descr="Charts">
-            <a:extLst>
-              <a:ext uri="{FF2B5EF4-FFF2-40B4-BE49-F238E27FC236}">
-                <a16:creationId xmlns:a16="http://schemas.microsoft.com/office/drawing/2014/main" id="{47D9BE16-119C-43B2-9AE6-18C4A150C0EF}"/>
-              </a:ext>
-            </a:extLst>
-          </p:cNvPr>
+          <p:cNvPr id="4" name="Picture 3"/>
           <p:cNvPicPr>
-            <a:picLocks noGrp="1" noChangeAspect="1"/>
+            <a:picLocks noChangeAspect="1"/>
           </p:cNvPicPr>
-          <p:nvPr>
-            <p:ph sz="half" idx="1"/>
-          </p:nvPr>
+          <p:nvPr/>
         </p:nvPicPr>
-        <p:blipFill rotWithShape="1">
-          <a:blip r:embed="rId3" cstate="screen">
+        <p:blipFill>
+          <a:blip r:embed="rId2">
             <a:extLst>
               <a:ext uri="{28A0092B-C50C-407E-A947-70E740481C1C}">
-                <a14:useLocalDpi xmlns:a14="http://schemas.microsoft.com/office/drawing/2010/main"/>
+                <a14:useLocalDpi xmlns:a14="http://schemas.microsoft.com/office/drawing/2010/main" val="0"/>
               </a:ext>
             </a:extLst>
           </a:blip>
-          <a:stretch/>
-        </p:blipFill>
-        <p:spPr>
-          <a:xfrm>
-            <a:off x="581025" y="2231480"/>
-            <a:ext cx="5422900" cy="3625353"/>
-          </a:xfrm>
-        </p:spPr>
-      </p:pic>
-      <p:pic>
-        <p:nvPicPr>
-          <p:cNvPr id="18" name="Content Placeholder 17" descr="Chart placeholder">
-            <a:extLst>
-              <a:ext uri="{FF2B5EF4-FFF2-40B4-BE49-F238E27FC236}">
-                <a16:creationId xmlns:a16="http://schemas.microsoft.com/office/drawing/2014/main" id="{BFEA8EC1-23A4-4843-A9C3-AE771D73392A}"/>
-              </a:ext>
-            </a:extLst>
-          </p:cNvPr>
-          <p:cNvPicPr>
-            <a:picLocks noGrp="1" noChangeAspect="1"/>
-          </p:cNvPicPr>
-          <p:nvPr>
-            <p:ph sz="half" idx="2"/>
-          </p:nvPr>
-        </p:nvPicPr>
-        <p:blipFill>
-          <a:blip r:embed="rId4"/>
           <a:stretch>
             <a:fillRect/>
           </a:stretch>
         </p:blipFill>
         <p:spPr>
           <a:xfrm>
-            <a:off x="6201811" y="2571845"/>
-            <a:ext cx="5395428" cy="2944623"/>
+            <a:off x="8510346" y="1884588"/>
+            <a:ext cx="3681654" cy="4841933"/>
           </a:xfrm>
           <a:prstGeom prst="rect">
             <a:avLst/>
@@ -14370,7 +11400,7 @@
     </p:spTree>
     <p:extLst>
       <p:ext uri="{BB962C8B-B14F-4D97-AF65-F5344CB8AC3E}">
-        <p14:creationId xmlns:p14="http://schemas.microsoft.com/office/powerpoint/2010/main" val="497607547"/>
+        <p14:creationId xmlns:p14="http://schemas.microsoft.com/office/powerpoint/2010/main" val="3922366855"/>
       </p:ext>
     </p:extLst>
   </p:cSld>
@@ -14390,14 +11420,6 @@
 <file path=ppt/slides/slide8.xml><?xml version="1.0" encoding="utf-8"?>
 <p:sld xmlns:a="http://schemas.openxmlformats.org/drawingml/2006/main" xmlns:r="http://schemas.openxmlformats.org/officeDocument/2006/relationships" xmlns:p="http://schemas.openxmlformats.org/presentationml/2006/main">
   <p:cSld>
-    <p:bg>
-      <p:bgPr>
-        <a:solidFill>
-          <a:schemeClr val="bg1"/>
-        </a:solidFill>
-        <a:effectLst/>
-      </p:bgPr>
-    </p:bg>
     <p:spTree>
       <p:nvGrpSpPr>
         <p:cNvPr id="1" name=""/>
@@ -14412,300 +11434,9 @@
           <a:chExt cx="0" cy="0"/>
         </a:xfrm>
       </p:grpSpPr>
-      <p:sp useBgFill="1">
-        <p:nvSpPr>
-          <p:cNvPr id="13" name="Rectangle 12">
-            <a:extLst>
-              <a:ext uri="{FF2B5EF4-FFF2-40B4-BE49-F238E27FC236}">
-                <a16:creationId xmlns:a16="http://schemas.microsoft.com/office/drawing/2014/main" id="{4AE9D071-98CF-435C-BD2B-976514544DC5}"/>
-              </a:ext>
-              <a:ext uri="{C183D7F6-B498-43B3-948B-1728B52AA6E4}">
-                <adec:decorative xmlns:adec="http://schemas.microsoft.com/office/drawing/2017/decorative" xmlns="" val="1"/>
-              </a:ext>
-            </a:extLst>
-          </p:cNvPr>
-          <p:cNvSpPr>
-            <a:spLocks noGrp="1" noRot="1" noChangeAspect="1" noMove="1" noResize="1" noEditPoints="1" noAdjustHandles="1" noChangeArrowheads="1" noChangeShapeType="1" noTextEdit="1"/>
-          </p:cNvSpPr>
-          <p:nvPr>
-            <p:extLst>
-              <p:ext uri="{386F3935-93C4-4BCD-93E2-E3B085C9AB24}">
-                <p16:designElem xmlns:p16="http://schemas.microsoft.com/office/powerpoint/2015/main" val="1"/>
-              </p:ext>
-            </p:extLst>
-          </p:nvPr>
-        </p:nvSpPr>
-        <p:spPr>
-          <a:xfrm>
-            <a:off x="0" y="0"/>
-            <a:ext cx="12192000" cy="6858000"/>
-          </a:xfrm>
-          <a:prstGeom prst="rect">
-            <a:avLst/>
-          </a:prstGeom>
-          <a:ln>
-            <a:noFill/>
-          </a:ln>
-        </p:spPr>
-        <p:style>
-          <a:lnRef idx="2">
-            <a:schemeClr val="accent1">
-              <a:shade val="50000"/>
-            </a:schemeClr>
-          </a:lnRef>
-          <a:fillRef idx="1">
-            <a:schemeClr val="accent1"/>
-          </a:fillRef>
-          <a:effectRef idx="0">
-            <a:schemeClr val="accent1"/>
-          </a:effectRef>
-          <a:fontRef idx="minor">
-            <a:schemeClr val="lt1"/>
-          </a:fontRef>
-        </p:style>
-        <p:txBody>
-          <a:bodyPr rtlCol="0" anchor="ctr"/>
-          <a:lstStyle/>
-          <a:p>
-            <a:pPr algn="ctr"/>
-            <a:endParaRPr lang="en-US" dirty="0"/>
-          </a:p>
-        </p:txBody>
-      </p:sp>
-      <p:pic>
-        <p:nvPicPr>
-          <p:cNvPr id="8" name="Content Placeholder 4" descr="Digital Numbers">
-            <a:extLst>
-              <a:ext uri="{FF2B5EF4-FFF2-40B4-BE49-F238E27FC236}">
-                <a16:creationId xmlns:a16="http://schemas.microsoft.com/office/drawing/2014/main" id="{EA70616B-E344-4856-8DF9-707C26236613}"/>
-              </a:ext>
-            </a:extLst>
-          </p:cNvPr>
-          <p:cNvPicPr>
-            <a:picLocks noChangeAspect="1"/>
-          </p:cNvPicPr>
-          <p:nvPr/>
-        </p:nvPicPr>
-        <p:blipFill rotWithShape="1">
-          <a:blip r:embed="rId3" cstate="screen">
-            <a:extLst>
-              <a:ext uri="{28A0092B-C50C-407E-A947-70E740481C1C}">
-                <a14:useLocalDpi xmlns:a14="http://schemas.microsoft.com/office/drawing/2010/main"/>
-              </a:ext>
-            </a:extLst>
-          </a:blip>
-          <a:srcRect t="10681" r="9091" b="12711"/>
-          <a:stretch/>
-        </p:blipFill>
-        <p:spPr>
-          <a:xfrm>
-            <a:off x="20" y="10"/>
-            <a:ext cx="12191980" cy="6857990"/>
-          </a:xfrm>
-          <a:prstGeom prst="rect">
-            <a:avLst/>
-          </a:prstGeom>
-        </p:spPr>
-      </p:pic>
-      <p:grpSp>
-        <p:nvGrpSpPr>
-          <p:cNvPr id="15" name="Group 14">
-            <a:extLst>
-              <a:ext uri="{FF2B5EF4-FFF2-40B4-BE49-F238E27FC236}">
-                <a16:creationId xmlns:a16="http://schemas.microsoft.com/office/drawing/2014/main" id="{D619FC33-16ED-4246-9596-BEFEB55E4CF6}"/>
-              </a:ext>
-              <a:ext uri="{C183D7F6-B498-43B3-948B-1728B52AA6E4}">
-                <adec:decorative xmlns:adec="http://schemas.microsoft.com/office/drawing/2017/decorative" xmlns="" val="1"/>
-              </a:ext>
-            </a:extLst>
-          </p:cNvPr>
-          <p:cNvGrpSpPr>
-            <a:grpSpLocks noGrp="1" noUngrp="1" noRot="1" noChangeAspect="1" noMove="1" noResize="1"/>
-          </p:cNvGrpSpPr>
-          <p:nvPr>
-            <p:extLst>
-              <p:ext uri="{386F3935-93C4-4BCD-93E2-E3B085C9AB24}">
-                <p16:designElem xmlns:p16="http://schemas.microsoft.com/office/powerpoint/2015/main" val="1"/>
-              </p:ext>
-            </p:extLst>
-          </p:nvPr>
-        </p:nvGrpSpPr>
-        <p:grpSpPr>
-          <a:xfrm>
-            <a:off x="438067" y="457200"/>
-            <a:ext cx="7507083" cy="5935132"/>
-            <a:chOff x="438067" y="457200"/>
-            <a:chExt cx="7507083" cy="5935132"/>
-          </a:xfrm>
-        </p:grpSpPr>
-        <p:sp>
-          <p:nvSpPr>
-            <p:cNvPr id="16" name="Rectangle 15">
-              <a:extLst>
-                <a:ext uri="{FF2B5EF4-FFF2-40B4-BE49-F238E27FC236}">
-                  <a16:creationId xmlns:a16="http://schemas.microsoft.com/office/drawing/2014/main" id="{2EEA80E1-F99F-4009-837F-2F72F8A5D580}"/>
-                </a:ext>
-                <a:ext uri="{C183D7F6-B498-43B3-948B-1728B52AA6E4}">
-                  <adec:decorative xmlns:adec="http://schemas.microsoft.com/office/drawing/2017/decorative" xmlns="" val="1"/>
-                </a:ext>
-              </a:extLst>
-            </p:cNvPr>
-            <p:cNvSpPr/>
-            <p:nvPr>
-              <p:extLst>
-                <p:ext uri="{386F3935-93C4-4BCD-93E2-E3B085C9AB24}">
-                  <p16:designElem xmlns:p16="http://schemas.microsoft.com/office/powerpoint/2015/main" val="1"/>
-                </p:ext>
-              </p:extLst>
-            </p:nvPr>
-          </p:nvSpPr>
-          <p:spPr>
-            <a:xfrm>
-              <a:off x="438067" y="618067"/>
-              <a:ext cx="7503665" cy="5774265"/>
-            </a:xfrm>
-            <a:prstGeom prst="rect">
-              <a:avLst/>
-            </a:prstGeom>
-            <a:solidFill>
-              <a:schemeClr val="accent1">
-                <a:alpha val="97000"/>
-              </a:schemeClr>
-            </a:solidFill>
-            <a:ln w="6350" cmpd="sng">
-              <a:noFill/>
-            </a:ln>
-            <a:effectLst/>
-          </p:spPr>
-          <p:style>
-            <a:lnRef idx="1">
-              <a:schemeClr val="accent1"/>
-            </a:lnRef>
-            <a:fillRef idx="3">
-              <a:schemeClr val="accent1"/>
-            </a:fillRef>
-            <a:effectRef idx="2">
-              <a:schemeClr val="accent1"/>
-            </a:effectRef>
-            <a:fontRef idx="minor">
-              <a:schemeClr val="lt1"/>
-            </a:fontRef>
-          </p:style>
-        </p:sp>
-        <p:sp>
-          <p:nvSpPr>
-            <p:cNvPr id="17" name="Rectangle 16">
-              <a:extLst>
-                <a:ext uri="{FF2B5EF4-FFF2-40B4-BE49-F238E27FC236}">
-                  <a16:creationId xmlns:a16="http://schemas.microsoft.com/office/drawing/2014/main" id="{0230AF9A-4641-4BD8-9F95-9607CD304039}"/>
-                </a:ext>
-                <a:ext uri="{C183D7F6-B498-43B3-948B-1728B52AA6E4}">
-                  <adec:decorative xmlns:adec="http://schemas.microsoft.com/office/drawing/2017/decorative" xmlns="" val="1"/>
-                </a:ext>
-              </a:extLst>
-            </p:cNvPr>
-            <p:cNvSpPr/>
-            <p:nvPr>
-              <p:extLst>
-                <p:ext uri="{386F3935-93C4-4BCD-93E2-E3B085C9AB24}">
-                  <p16:designElem xmlns:p16="http://schemas.microsoft.com/office/powerpoint/2015/main" val="1"/>
-                </p:ext>
-              </p:extLst>
-            </p:nvPr>
-          </p:nvSpPr>
-          <p:spPr>
-            <a:xfrm>
-              <a:off x="438068" y="457200"/>
-              <a:ext cx="3703320" cy="94997"/>
-            </a:xfrm>
-            <a:prstGeom prst="rect">
-              <a:avLst/>
-            </a:prstGeom>
-            <a:solidFill>
-              <a:schemeClr val="accent1"/>
-            </a:solidFill>
-            <a:ln>
-              <a:noFill/>
-            </a:ln>
-            <a:effectLst/>
-          </p:spPr>
-          <p:style>
-            <a:lnRef idx="1">
-              <a:schemeClr val="accent1"/>
-            </a:lnRef>
-            <a:fillRef idx="3">
-              <a:schemeClr val="accent1"/>
-            </a:fillRef>
-            <a:effectRef idx="2">
-              <a:schemeClr val="accent1"/>
-            </a:effectRef>
-            <a:fontRef idx="minor">
-              <a:schemeClr val="lt1"/>
-            </a:fontRef>
-          </p:style>
-        </p:sp>
-        <p:sp>
-          <p:nvSpPr>
-            <p:cNvPr id="18" name="Rectangle 17">
-              <a:extLst>
-                <a:ext uri="{FF2B5EF4-FFF2-40B4-BE49-F238E27FC236}">
-                  <a16:creationId xmlns:a16="http://schemas.microsoft.com/office/drawing/2014/main" id="{8703D4EC-9389-41B6-B88B-B6FDC8CD3330}"/>
-                </a:ext>
-                <a:ext uri="{C183D7F6-B498-43B3-948B-1728B52AA6E4}">
-                  <adec:decorative xmlns:adec="http://schemas.microsoft.com/office/drawing/2017/decorative" xmlns="" val="1"/>
-                </a:ext>
-              </a:extLst>
-            </p:cNvPr>
-            <p:cNvSpPr/>
-            <p:nvPr>
-              <p:extLst>
-                <p:ext uri="{386F3935-93C4-4BCD-93E2-E3B085C9AB24}">
-                  <p16:designElem xmlns:p16="http://schemas.microsoft.com/office/powerpoint/2015/main" val="1"/>
-                </p:ext>
-              </p:extLst>
-            </p:nvPr>
-          </p:nvSpPr>
-          <p:spPr>
-            <a:xfrm>
-              <a:off x="4241830" y="457200"/>
-              <a:ext cx="3703320" cy="91440"/>
-            </a:xfrm>
-            <a:prstGeom prst="rect">
-              <a:avLst/>
-            </a:prstGeom>
-            <a:solidFill>
-              <a:schemeClr val="accent2"/>
-            </a:solidFill>
-            <a:ln>
-              <a:noFill/>
-            </a:ln>
-            <a:effectLst/>
-          </p:spPr>
-          <p:style>
-            <a:lnRef idx="1">
-              <a:schemeClr val="accent1"/>
-            </a:lnRef>
-            <a:fillRef idx="3">
-              <a:schemeClr val="accent1"/>
-            </a:fillRef>
-            <a:effectRef idx="2">
-              <a:schemeClr val="accent1"/>
-            </a:effectRef>
-            <a:fontRef idx="minor">
-              <a:schemeClr val="lt1"/>
-            </a:fontRef>
-          </p:style>
-        </p:sp>
-      </p:grpSp>
       <p:sp>
         <p:nvSpPr>
-          <p:cNvPr id="2" name="Title 1">
-            <a:extLst>
-              <a:ext uri="{FF2B5EF4-FFF2-40B4-BE49-F238E27FC236}">
-                <a16:creationId xmlns:a16="http://schemas.microsoft.com/office/drawing/2014/main" id="{7F2616EE-270D-4F4C-BA1F-2708D387B800}"/>
-              </a:ext>
-            </a:extLst>
-          </p:cNvPr>
+          <p:cNvPr id="2" name="Title 1"/>
           <p:cNvSpPr>
             <a:spLocks noGrp="1"/>
           </p:cNvSpPr>
@@ -14713,61 +11444,641 @@
             <p:ph type="title"/>
           </p:nvPr>
         </p:nvSpPr>
+        <p:spPr/>
+        <p:txBody>
+          <a:bodyPr/>
+          <a:lstStyle/>
+          <a:p>
+            <a:r>
+              <a:rPr lang="en-US" dirty="0" err="1"/>
+              <a:t>Metode</a:t>
+            </a:r>
+            <a:r>
+              <a:rPr lang="en-US" dirty="0"/>
+              <a:t> </a:t>
+            </a:r>
+            <a:r>
+              <a:rPr lang="en-US" dirty="0" err="1"/>
+              <a:t>Pengembangan</a:t>
+            </a:r>
+            <a:r>
+              <a:rPr lang="en-US" dirty="0"/>
+              <a:t> </a:t>
+            </a:r>
+            <a:r>
+              <a:rPr lang="en-US" dirty="0" err="1"/>
+              <a:t>Perangkat</a:t>
+            </a:r>
+            <a:r>
+              <a:rPr lang="en-US" dirty="0"/>
+              <a:t> </a:t>
+            </a:r>
+            <a:r>
+              <a:rPr lang="en-US" dirty="0" err="1"/>
+              <a:t>Lunak</a:t>
+            </a:r>
+            <a:endParaRPr lang="en-US" dirty="0"/>
+          </a:p>
+        </p:txBody>
+      </p:sp>
+      <p:sp>
+        <p:nvSpPr>
+          <p:cNvPr id="6" name="Content Placeholder 5"/>
+          <p:cNvSpPr>
+            <a:spLocks noGrp="1"/>
+          </p:cNvSpPr>
+          <p:nvPr>
+            <p:ph idx="1"/>
+          </p:nvPr>
+        </p:nvSpPr>
         <p:spPr>
           <a:xfrm>
-            <a:off x="584200" y="1006956"/>
-            <a:ext cx="7213600" cy="1121871"/>
+            <a:off x="0" y="1811383"/>
+            <a:ext cx="7601802" cy="5046617"/>
           </a:xfrm>
         </p:spPr>
         <p:txBody>
-          <a:bodyPr anchor="ctr">
-            <a:normAutofit/>
+          <a:bodyPr anchor="t">
+            <a:normAutofit fontScale="92500"/>
           </a:bodyPr>
           <a:lstStyle/>
           <a:p>
-            <a:pPr algn="ctr"/>
-            <a:r>
-              <a:rPr lang="en-US" dirty="0"/>
-              <a:t>Digital Communications</a:t>
-            </a:r>
+            <a:pPr>
+              <a:buFont typeface="Wingdings" panose="05000000000000000000" pitchFamily="2" charset="2"/>
+              <a:buChar char="ü"/>
+            </a:pPr>
+            <a:r>
+              <a:rPr lang="en-US" b="1" dirty="0" err="1" smtClean="0"/>
+              <a:t>Pengumpulan</a:t>
+            </a:r>
+            <a:r>
+              <a:rPr lang="en-US" b="1" dirty="0" smtClean="0"/>
+              <a:t> </a:t>
+            </a:r>
+            <a:r>
+              <a:rPr lang="en-US" b="1" dirty="0" err="1" smtClean="0"/>
+              <a:t>Kebutuhan</a:t>
+            </a:r>
+            <a:endParaRPr lang="en-US" b="1" dirty="0" smtClean="0"/>
+          </a:p>
+          <a:p>
+            <a:pPr marL="324000" lvl="1" indent="0">
+              <a:buNone/>
+            </a:pPr>
+            <a:r>
+              <a:rPr lang="en-US" dirty="0" err="1" smtClean="0"/>
+              <a:t>Mendefinisikan</a:t>
+            </a:r>
+            <a:r>
+              <a:rPr lang="en-US" dirty="0" smtClean="0"/>
+              <a:t> format </a:t>
+            </a:r>
+            <a:r>
+              <a:rPr lang="en-US" dirty="0" err="1" smtClean="0"/>
+              <a:t>seluruh</a:t>
+            </a:r>
+            <a:r>
+              <a:rPr lang="en-US" dirty="0" smtClean="0"/>
+              <a:t> </a:t>
+            </a:r>
+            <a:r>
+              <a:rPr lang="en-US" dirty="0" err="1" smtClean="0"/>
+              <a:t>perangkat</a:t>
+            </a:r>
+            <a:r>
+              <a:rPr lang="en-US" dirty="0" smtClean="0"/>
+              <a:t> </a:t>
+            </a:r>
+            <a:r>
+              <a:rPr lang="en-US" dirty="0" err="1" smtClean="0"/>
+              <a:t>lunak</a:t>
+            </a:r>
+            <a:r>
+              <a:rPr lang="en-US" dirty="0" smtClean="0"/>
+              <a:t>, </a:t>
+            </a:r>
+            <a:r>
+              <a:rPr lang="en-US" dirty="0" err="1" smtClean="0"/>
+              <a:t>mengidentifikasikan</a:t>
+            </a:r>
+            <a:r>
+              <a:rPr lang="en-US" dirty="0" smtClean="0"/>
+              <a:t> </a:t>
+            </a:r>
+            <a:r>
+              <a:rPr lang="en-US" dirty="0" err="1" smtClean="0"/>
+              <a:t>semua</a:t>
+            </a:r>
+            <a:r>
+              <a:rPr lang="en-US" dirty="0" smtClean="0"/>
+              <a:t> </a:t>
+            </a:r>
+            <a:r>
+              <a:rPr lang="en-US" dirty="0" err="1" smtClean="0"/>
+              <a:t>kebutuhan</a:t>
+            </a:r>
+            <a:r>
+              <a:rPr lang="en-US" dirty="0" smtClean="0"/>
+              <a:t> </a:t>
+            </a:r>
+            <a:r>
+              <a:rPr lang="en-US" dirty="0" err="1" smtClean="0"/>
+              <a:t>dan</a:t>
+            </a:r>
+            <a:r>
+              <a:rPr lang="en-US" dirty="0" smtClean="0"/>
+              <a:t> </a:t>
+            </a:r>
+            <a:r>
+              <a:rPr lang="en-US" dirty="0" err="1" smtClean="0"/>
+              <a:t>garis</a:t>
+            </a:r>
+            <a:r>
+              <a:rPr lang="en-US" dirty="0" smtClean="0"/>
+              <a:t> </a:t>
+            </a:r>
+            <a:r>
+              <a:rPr lang="en-US" dirty="0" err="1" smtClean="0"/>
+              <a:t>besar</a:t>
+            </a:r>
+            <a:r>
+              <a:rPr lang="en-US" dirty="0" smtClean="0"/>
+              <a:t> </a:t>
+            </a:r>
+            <a:r>
+              <a:rPr lang="en-US" dirty="0" err="1" smtClean="0"/>
+              <a:t>sistem</a:t>
+            </a:r>
+            <a:r>
+              <a:rPr lang="en-US" dirty="0" smtClean="0"/>
+              <a:t> yang </a:t>
+            </a:r>
+            <a:r>
+              <a:rPr lang="en-US" dirty="0" err="1" smtClean="0"/>
+              <a:t>akan</a:t>
+            </a:r>
+            <a:r>
+              <a:rPr lang="en-US" dirty="0" smtClean="0"/>
+              <a:t> </a:t>
+            </a:r>
+            <a:r>
+              <a:rPr lang="en-US" dirty="0" err="1" smtClean="0"/>
+              <a:t>dibuat</a:t>
+            </a:r>
+            <a:r>
+              <a:rPr lang="en-US" dirty="0" smtClean="0"/>
+              <a:t>.</a:t>
+            </a:r>
+          </a:p>
+          <a:p>
+            <a:pPr>
+              <a:buFont typeface="Wingdings" panose="05000000000000000000" pitchFamily="2" charset="2"/>
+              <a:buChar char="ü"/>
+            </a:pPr>
+            <a:r>
+              <a:rPr lang="en-US" b="1" dirty="0" err="1" smtClean="0"/>
+              <a:t>Membangun</a:t>
+            </a:r>
+            <a:r>
+              <a:rPr lang="en-US" b="1" dirty="0" smtClean="0"/>
+              <a:t> Prototyping</a:t>
+            </a:r>
+          </a:p>
+          <a:p>
+            <a:pPr marL="324000" lvl="1" indent="0">
+              <a:buNone/>
+            </a:pPr>
+            <a:r>
+              <a:rPr lang="en-US" dirty="0" err="1" smtClean="0"/>
+              <a:t>Membuat</a:t>
+            </a:r>
+            <a:r>
+              <a:rPr lang="en-US" dirty="0" smtClean="0"/>
+              <a:t> </a:t>
+            </a:r>
+            <a:r>
+              <a:rPr lang="en-US" dirty="0" err="1" smtClean="0"/>
+              <a:t>perancangan</a:t>
+            </a:r>
+            <a:r>
+              <a:rPr lang="en-US" dirty="0" smtClean="0"/>
+              <a:t> </a:t>
+            </a:r>
+            <a:r>
+              <a:rPr lang="en-US" dirty="0" err="1" smtClean="0"/>
+              <a:t>sementara</a:t>
+            </a:r>
+            <a:r>
+              <a:rPr lang="en-US" dirty="0" smtClean="0"/>
+              <a:t> (</a:t>
+            </a:r>
+            <a:r>
+              <a:rPr lang="en-US" dirty="0" err="1" smtClean="0"/>
+              <a:t>misalnya</a:t>
+            </a:r>
+            <a:r>
+              <a:rPr lang="en-US" dirty="0" smtClean="0"/>
+              <a:t> </a:t>
+            </a:r>
+            <a:r>
+              <a:rPr lang="en-US" dirty="0" err="1" smtClean="0"/>
+              <a:t>dengan</a:t>
+            </a:r>
+            <a:r>
+              <a:rPr lang="en-US" dirty="0" smtClean="0"/>
+              <a:t> </a:t>
+            </a:r>
+            <a:r>
+              <a:rPr lang="en-US" dirty="0" err="1" smtClean="0"/>
+              <a:t>membuat</a:t>
+            </a:r>
+            <a:r>
+              <a:rPr lang="en-US" dirty="0" smtClean="0"/>
+              <a:t> input </a:t>
+            </a:r>
+            <a:r>
+              <a:rPr lang="en-US" dirty="0" err="1" smtClean="0"/>
+              <a:t>dan</a:t>
+            </a:r>
+            <a:r>
+              <a:rPr lang="en-US" dirty="0" smtClean="0"/>
+              <a:t> format output).</a:t>
+            </a:r>
+          </a:p>
+          <a:p>
+            <a:pPr>
+              <a:buFont typeface="Wingdings" panose="05000000000000000000" pitchFamily="2" charset="2"/>
+              <a:buChar char="ü"/>
+            </a:pPr>
+            <a:r>
+              <a:rPr lang="en-US" b="1" dirty="0" err="1" smtClean="0"/>
+              <a:t>Evaluasi</a:t>
+            </a:r>
+            <a:r>
+              <a:rPr lang="en-US" b="1" dirty="0" smtClean="0"/>
+              <a:t> </a:t>
+            </a:r>
+            <a:r>
+              <a:rPr lang="en-US" b="1" dirty="0" err="1" smtClean="0"/>
+              <a:t>Protoptyping</a:t>
+            </a:r>
+            <a:endParaRPr lang="en-US" b="1" dirty="0" smtClean="0"/>
+          </a:p>
+          <a:p>
+            <a:pPr marL="324000" lvl="1" indent="0">
+              <a:buNone/>
+            </a:pPr>
+            <a:r>
+              <a:rPr lang="en-US" dirty="0" err="1" smtClean="0"/>
+              <a:t>Apakah</a:t>
+            </a:r>
+            <a:r>
+              <a:rPr lang="en-US" dirty="0" smtClean="0"/>
+              <a:t> prototyping yang </a:t>
+            </a:r>
+            <a:r>
+              <a:rPr lang="en-US" dirty="0" err="1" smtClean="0"/>
+              <a:t>sudah</a:t>
+            </a:r>
+            <a:r>
+              <a:rPr lang="en-US" dirty="0" smtClean="0"/>
+              <a:t> </a:t>
+            </a:r>
+            <a:r>
+              <a:rPr lang="en-US" dirty="0" err="1" smtClean="0"/>
+              <a:t>dibangun</a:t>
+            </a:r>
+            <a:r>
+              <a:rPr lang="en-US" dirty="0" smtClean="0"/>
+              <a:t> </a:t>
+            </a:r>
+            <a:r>
+              <a:rPr lang="en-US" dirty="0" err="1" smtClean="0"/>
+              <a:t>sudah</a:t>
+            </a:r>
+            <a:r>
+              <a:rPr lang="en-US" dirty="0" smtClean="0"/>
+              <a:t> </a:t>
+            </a:r>
+            <a:r>
+              <a:rPr lang="en-US" dirty="0" err="1" smtClean="0"/>
+              <a:t>sesuai</a:t>
+            </a:r>
+            <a:r>
+              <a:rPr lang="en-US" dirty="0" smtClean="0"/>
+              <a:t> </a:t>
+            </a:r>
+            <a:r>
+              <a:rPr lang="en-US" dirty="0" err="1" smtClean="0"/>
+              <a:t>dengan</a:t>
+            </a:r>
+            <a:r>
+              <a:rPr lang="en-US" dirty="0" smtClean="0"/>
+              <a:t> </a:t>
+            </a:r>
+            <a:r>
+              <a:rPr lang="en-US" dirty="0" err="1" smtClean="0"/>
+              <a:t>keinginan</a:t>
+            </a:r>
+            <a:r>
+              <a:rPr lang="en-US" dirty="0" smtClean="0"/>
+              <a:t> </a:t>
+            </a:r>
+            <a:r>
+              <a:rPr lang="en-US" dirty="0" err="1" smtClean="0"/>
+              <a:t>atau</a:t>
+            </a:r>
+            <a:r>
+              <a:rPr lang="en-US" dirty="0" smtClean="0"/>
+              <a:t> </a:t>
+            </a:r>
+            <a:r>
+              <a:rPr lang="en-US" dirty="0" err="1" smtClean="0"/>
+              <a:t>belum</a:t>
+            </a:r>
+            <a:r>
+              <a:rPr lang="en-US" dirty="0" smtClean="0"/>
+              <a:t>.</a:t>
+            </a:r>
+          </a:p>
+          <a:p>
+            <a:pPr>
+              <a:buFont typeface="Wingdings" panose="05000000000000000000" pitchFamily="2" charset="2"/>
+              <a:buChar char="ü"/>
+            </a:pPr>
+            <a:r>
+              <a:rPr lang="en-US" b="1" dirty="0" err="1" smtClean="0"/>
+              <a:t>Mengkodekan</a:t>
+            </a:r>
+            <a:r>
+              <a:rPr lang="en-US" b="1" dirty="0" smtClean="0"/>
+              <a:t> System</a:t>
+            </a:r>
+          </a:p>
+          <a:p>
+            <a:pPr marL="324000" lvl="1" indent="0">
+              <a:buNone/>
+            </a:pPr>
+            <a:r>
+              <a:rPr lang="en-US" dirty="0" smtClean="0"/>
+              <a:t>Prototyping yang </a:t>
+            </a:r>
+            <a:r>
+              <a:rPr lang="en-US" dirty="0" err="1" smtClean="0"/>
+              <a:t>sudah</a:t>
+            </a:r>
+            <a:r>
+              <a:rPr lang="en-US" dirty="0" smtClean="0"/>
+              <a:t> di </a:t>
+            </a:r>
+            <a:r>
+              <a:rPr lang="en-US" dirty="0" err="1" smtClean="0"/>
+              <a:t>sepakati</a:t>
+            </a:r>
+            <a:r>
+              <a:rPr lang="en-US" dirty="0" smtClean="0"/>
+              <a:t> </a:t>
+            </a:r>
+            <a:r>
+              <a:rPr lang="en-US" dirty="0" err="1" smtClean="0"/>
+              <a:t>diterjemahkan</a:t>
+            </a:r>
+            <a:r>
+              <a:rPr lang="en-US" dirty="0" smtClean="0"/>
+              <a:t> </a:t>
+            </a:r>
+            <a:r>
+              <a:rPr lang="en-US" dirty="0" err="1" smtClean="0"/>
+              <a:t>ke</a:t>
+            </a:r>
+            <a:r>
+              <a:rPr lang="en-US" dirty="0" smtClean="0"/>
+              <a:t> </a:t>
+            </a:r>
+            <a:r>
+              <a:rPr lang="en-US" dirty="0" err="1" smtClean="0"/>
+              <a:t>dalam</a:t>
+            </a:r>
+            <a:r>
+              <a:rPr lang="en-US" dirty="0" smtClean="0"/>
+              <a:t> </a:t>
+            </a:r>
+            <a:r>
+              <a:rPr lang="en-US" dirty="0" err="1" smtClean="0"/>
+              <a:t>bahasa</a:t>
+            </a:r>
+            <a:r>
+              <a:rPr lang="en-US" dirty="0" smtClean="0"/>
+              <a:t> </a:t>
+            </a:r>
+            <a:r>
+              <a:rPr lang="en-US" dirty="0" err="1" smtClean="0"/>
+              <a:t>pemrograman</a:t>
+            </a:r>
+            <a:r>
+              <a:rPr lang="en-US" dirty="0" smtClean="0"/>
+              <a:t> yang </a:t>
+            </a:r>
+            <a:r>
+              <a:rPr lang="en-US" dirty="0" err="1" smtClean="0"/>
+              <a:t>sesuai</a:t>
+            </a:r>
+            <a:r>
+              <a:rPr lang="en-US" dirty="0" smtClean="0"/>
+              <a:t>.</a:t>
+            </a:r>
+          </a:p>
+          <a:p>
+            <a:pPr>
+              <a:buFont typeface="Wingdings" panose="05000000000000000000" pitchFamily="2" charset="2"/>
+              <a:buChar char="ü"/>
+            </a:pPr>
+            <a:r>
+              <a:rPr lang="en-US" b="1" dirty="0" err="1" smtClean="0"/>
+              <a:t>Menguji</a:t>
+            </a:r>
+            <a:r>
+              <a:rPr lang="en-US" b="1" dirty="0" smtClean="0"/>
+              <a:t> System</a:t>
+            </a:r>
+          </a:p>
+          <a:p>
+            <a:pPr marL="324000" lvl="1" indent="0">
+              <a:buNone/>
+            </a:pPr>
+            <a:r>
+              <a:rPr lang="en-US" dirty="0" err="1" smtClean="0"/>
+              <a:t>Setelah</a:t>
+            </a:r>
+            <a:r>
+              <a:rPr lang="en-US" dirty="0" smtClean="0"/>
+              <a:t> </a:t>
+            </a:r>
+            <a:r>
+              <a:rPr lang="en-US" dirty="0" err="1" smtClean="0"/>
+              <a:t>kode</a:t>
+            </a:r>
+            <a:r>
+              <a:rPr lang="en-US" dirty="0" smtClean="0"/>
+              <a:t> program </a:t>
+            </a:r>
+            <a:r>
+              <a:rPr lang="en-US" dirty="0" err="1" smtClean="0"/>
+              <a:t>selesai</a:t>
+            </a:r>
+            <a:r>
+              <a:rPr lang="en-US" dirty="0" smtClean="0"/>
+              <a:t> testing </a:t>
+            </a:r>
+            <a:r>
+              <a:rPr lang="en-US" dirty="0" err="1" smtClean="0"/>
+              <a:t>dapat</a:t>
+            </a:r>
+            <a:r>
+              <a:rPr lang="en-US" dirty="0" smtClean="0"/>
+              <a:t> </a:t>
+            </a:r>
+            <a:r>
+              <a:rPr lang="en-US" dirty="0" err="1" smtClean="0"/>
+              <a:t>dilakukan</a:t>
+            </a:r>
+            <a:r>
+              <a:rPr lang="en-US" dirty="0" smtClean="0"/>
+              <a:t>.</a:t>
+            </a:r>
+          </a:p>
+          <a:p>
+            <a:pPr>
+              <a:buFont typeface="Wingdings" panose="05000000000000000000" pitchFamily="2" charset="2"/>
+              <a:buChar char="ü"/>
+            </a:pPr>
+            <a:r>
+              <a:rPr lang="en-US" b="1" dirty="0" err="1" smtClean="0"/>
+              <a:t>Pemeliharaan</a:t>
+            </a:r>
+            <a:endParaRPr lang="en-US" b="1" dirty="0" smtClean="0"/>
+          </a:p>
+          <a:p>
+            <a:pPr marL="324000" lvl="1" indent="0">
+              <a:buNone/>
+            </a:pPr>
+            <a:r>
+              <a:rPr lang="en-US" dirty="0" err="1" smtClean="0"/>
+              <a:t>Koreksi</a:t>
+            </a:r>
+            <a:r>
+              <a:rPr lang="en-US" dirty="0" smtClean="0"/>
+              <a:t> </a:t>
+            </a:r>
+            <a:r>
+              <a:rPr lang="en-US" dirty="0" err="1" smtClean="0"/>
+              <a:t>dan</a:t>
+            </a:r>
+            <a:r>
+              <a:rPr lang="en-US" dirty="0" smtClean="0"/>
+              <a:t> </a:t>
+            </a:r>
+            <a:r>
+              <a:rPr lang="en-US" dirty="0" err="1" smtClean="0"/>
+              <a:t>perbaikan</a:t>
+            </a:r>
+            <a:r>
+              <a:rPr lang="en-US" dirty="0" smtClean="0"/>
+              <a:t> </a:t>
+            </a:r>
+            <a:r>
+              <a:rPr lang="en-US" dirty="0" err="1" smtClean="0"/>
+              <a:t>dari</a:t>
+            </a:r>
+            <a:r>
+              <a:rPr lang="en-US" dirty="0" smtClean="0"/>
+              <a:t> </a:t>
+            </a:r>
+            <a:r>
+              <a:rPr lang="en-US" dirty="0" err="1" smtClean="0"/>
+              <a:t>berbagai</a:t>
+            </a:r>
+            <a:r>
+              <a:rPr lang="en-US" dirty="0" smtClean="0"/>
+              <a:t> error yang </a:t>
+            </a:r>
+            <a:r>
+              <a:rPr lang="en-US" dirty="0" err="1" smtClean="0"/>
+              <a:t>tidak</a:t>
+            </a:r>
+            <a:r>
+              <a:rPr lang="en-US" dirty="0" smtClean="0"/>
+              <a:t> </a:t>
+            </a:r>
+            <a:r>
+              <a:rPr lang="en-US" dirty="0" err="1" smtClean="0"/>
+              <a:t>ditemukan</a:t>
+            </a:r>
+            <a:r>
+              <a:rPr lang="en-US" dirty="0" smtClean="0"/>
+              <a:t> </a:t>
+            </a:r>
+            <a:r>
+              <a:rPr lang="en-US" dirty="0" err="1" smtClean="0"/>
+              <a:t>pada</a:t>
+            </a:r>
+            <a:r>
+              <a:rPr lang="en-US" dirty="0" smtClean="0"/>
+              <a:t> </a:t>
+            </a:r>
+            <a:r>
+              <a:rPr lang="en-US" dirty="0" err="1" smtClean="0"/>
+              <a:t>tahap-tahap</a:t>
+            </a:r>
+            <a:r>
+              <a:rPr lang="en-US" dirty="0" smtClean="0"/>
+              <a:t> </a:t>
+            </a:r>
+            <a:r>
+              <a:rPr lang="en-US" dirty="0" err="1" smtClean="0"/>
+              <a:t>terdahulu</a:t>
+            </a:r>
+            <a:r>
+              <a:rPr lang="en-US" dirty="0" smtClean="0"/>
+              <a:t>.</a:t>
+            </a:r>
+            <a:endParaRPr lang="en-US" dirty="0"/>
           </a:p>
         </p:txBody>
       </p:sp>
-      <p:graphicFrame>
-        <p:nvGraphicFramePr>
-          <p:cNvPr id="6" name="Content Placeholder 5" descr="SmartArt">
+      <p:pic>
+        <p:nvPicPr>
+          <p:cNvPr id="4" name="Picture 3"/>
+          <p:cNvPicPr>
+            <a:picLocks noChangeAspect="1"/>
+          </p:cNvPicPr>
+          <p:nvPr/>
+        </p:nvPicPr>
+        <p:blipFill rotWithShape="1">
+          <a:blip r:embed="rId2">
             <a:extLst>
-              <a:ext uri="{FF2B5EF4-FFF2-40B4-BE49-F238E27FC236}">
-                <a16:creationId xmlns:a16="http://schemas.microsoft.com/office/drawing/2014/main" id="{BF629521-FFD2-45DA-9D1D-A5F09BD5A2D9}"/>
+              <a:ext uri="{28A0092B-C50C-407E-A947-70E740481C1C}">
+                <a14:useLocalDpi xmlns:a14="http://schemas.microsoft.com/office/drawing/2010/main" val="0"/>
               </a:ext>
             </a:extLst>
-          </p:cNvPr>
-          <p:cNvGraphicFramePr>
-            <a:graphicFrameLocks noGrp="1"/>
-          </p:cNvGraphicFramePr>
-          <p:nvPr>
-            <p:ph idx="1"/>
-            <p:extLst>
-              <p:ext uri="{D42A27DB-BD31-4B8C-83A1-F6EECF244321}">
-                <p14:modId xmlns:p14="http://schemas.microsoft.com/office/powerpoint/2010/main" val="3961337641"/>
-              </p:ext>
-            </p:extLst>
-          </p:nvPr>
-        </p:nvGraphicFramePr>
-        <p:xfrm>
-          <a:off x="719571" y="2198254"/>
-          <a:ext cx="6854248" cy="3563938"/>
-        </p:xfrm>
-        <a:graphic>
-          <a:graphicData uri="http://schemas.openxmlformats.org/drawingml/2006/diagram">
-            <dgm:relIds xmlns:dgm="http://schemas.openxmlformats.org/drawingml/2006/diagram" xmlns:r="http://schemas.openxmlformats.org/officeDocument/2006/relationships" r:dm="rId4" r:lo="rId5" r:qs="rId6" r:cs="rId7"/>
-          </a:graphicData>
-        </a:graphic>
-      </p:graphicFrame>
+          </a:blip>
+          <a:srcRect b="4956"/>
+          <a:stretch/>
+        </p:blipFill>
+        <p:spPr>
+          <a:xfrm>
+            <a:off x="7601802" y="1811383"/>
+            <a:ext cx="4590198" cy="4185835"/>
+          </a:xfrm>
+          <a:prstGeom prst="rect">
+            <a:avLst/>
+          </a:prstGeom>
+        </p:spPr>
+      </p:pic>
     </p:spTree>
     <p:extLst>
       <p:ext uri="{BB962C8B-B14F-4D97-AF65-F5344CB8AC3E}">
-        <p14:creationId xmlns:p14="http://schemas.microsoft.com/office/powerpoint/2010/main" val="4209322005"/>
+        <p14:creationId xmlns:p14="http://schemas.microsoft.com/office/powerpoint/2010/main" val="3022300245"/>
       </p:ext>
     </p:extLst>
   </p:cSld>
@@ -14787,14 +12098,6 @@
 <file path=ppt/slides/slide9.xml><?xml version="1.0" encoding="utf-8"?>
 <p:sld xmlns:a="http://schemas.openxmlformats.org/drawingml/2006/main" xmlns:r="http://schemas.openxmlformats.org/officeDocument/2006/relationships" xmlns:p="http://schemas.openxmlformats.org/presentationml/2006/main">
   <p:cSld>
-    <p:bg>
-      <p:bgPr>
-        <a:solidFill>
-          <a:schemeClr val="bg1"/>
-        </a:solidFill>
-        <a:effectLst/>
-      </p:bgPr>
-    </p:bg>
     <p:spTree>
       <p:nvGrpSpPr>
         <p:cNvPr id="1" name=""/>
@@ -14809,445 +12112,73 @@
           <a:chExt cx="0" cy="0"/>
         </a:xfrm>
       </p:grpSpPr>
-      <p:sp useBgFill="1">
-        <p:nvSpPr>
-          <p:cNvPr id="10" name="Rectangle 9">
-            <a:extLst>
-              <a:ext uri="{FF2B5EF4-FFF2-40B4-BE49-F238E27FC236}">
-                <a16:creationId xmlns:a16="http://schemas.microsoft.com/office/drawing/2014/main" id="{379F11E2-8BA5-4C5C-AE7C-361E5EA011FF}"/>
-              </a:ext>
-              <a:ext uri="{C183D7F6-B498-43B3-948B-1728B52AA6E4}">
-                <adec:decorative xmlns:adec="http://schemas.microsoft.com/office/drawing/2017/decorative" xmlns="" val="1"/>
-              </a:ext>
-            </a:extLst>
-          </p:cNvPr>
-          <p:cNvSpPr>
-            <a:spLocks noGrp="1" noRot="1" noChangeAspect="1" noMove="1" noResize="1" noEditPoints="1" noAdjustHandles="1" noChangeArrowheads="1" noChangeShapeType="1" noTextEdit="1"/>
-          </p:cNvSpPr>
-          <p:nvPr>
-            <p:extLst>
-              <p:ext uri="{386F3935-93C4-4BCD-93E2-E3B085C9AB24}">
-                <p16:designElem xmlns:p16="http://schemas.microsoft.com/office/powerpoint/2015/main" val="1"/>
-              </p:ext>
-            </p:extLst>
-          </p:nvPr>
-        </p:nvSpPr>
-        <p:spPr>
-          <a:xfrm>
-            <a:off x="0" y="1"/>
-            <a:ext cx="12191999" cy="6858000"/>
-          </a:xfrm>
-          <a:prstGeom prst="rect">
-            <a:avLst/>
-          </a:prstGeom>
-          <a:ln>
-            <a:noFill/>
-          </a:ln>
-        </p:spPr>
-        <p:style>
-          <a:lnRef idx="2">
-            <a:schemeClr val="accent1">
-              <a:shade val="50000"/>
-            </a:schemeClr>
-          </a:lnRef>
-          <a:fillRef idx="1">
-            <a:schemeClr val="accent1"/>
-          </a:fillRef>
-          <a:effectRef idx="0">
-            <a:schemeClr val="accent1"/>
-          </a:effectRef>
-          <a:fontRef idx="minor">
-            <a:schemeClr val="lt1"/>
-          </a:fontRef>
-        </p:style>
-        <p:txBody>
-          <a:bodyPr rtlCol="0" anchor="ctr"/>
-          <a:lstStyle/>
-          <a:p>
-            <a:pPr algn="ctr"/>
-            <a:endParaRPr lang="en-US" dirty="0"/>
-          </a:p>
-        </p:txBody>
-      </p:sp>
-      <p:pic>
-        <p:nvPicPr>
-          <p:cNvPr id="5" name="Picture 4" descr="Digital Numbers">
-            <a:extLst>
-              <a:ext uri="{FF2B5EF4-FFF2-40B4-BE49-F238E27FC236}">
-                <a16:creationId xmlns:a16="http://schemas.microsoft.com/office/drawing/2014/main" id="{A21EA617-6D48-425F-97A8-7FEC82C8F401}"/>
-              </a:ext>
-            </a:extLst>
-          </p:cNvPr>
-          <p:cNvPicPr>
-            <a:picLocks noChangeAspect="1"/>
-          </p:cNvPicPr>
-          <p:nvPr/>
-        </p:nvPicPr>
-        <p:blipFill rotWithShape="1">
-          <a:blip r:embed="rId3" cstate="screen">
-            <a:extLst>
-              <a:ext uri="{28A0092B-C50C-407E-A947-70E740481C1C}">
-                <a14:useLocalDpi xmlns:a14="http://schemas.microsoft.com/office/drawing/2010/main"/>
-              </a:ext>
-            </a:extLst>
-          </a:blip>
-          <a:srcRect l="2189" r="9642" b="1"/>
-          <a:stretch/>
-        </p:blipFill>
-        <p:spPr>
-          <a:xfrm>
-            <a:off x="446534" y="723899"/>
-            <a:ext cx="7498616" cy="5676901"/>
-          </a:xfrm>
-          <a:prstGeom prst="rect">
-            <a:avLst/>
-          </a:prstGeom>
-        </p:spPr>
-      </p:pic>
       <p:sp>
         <p:nvSpPr>
-          <p:cNvPr id="12" name="Rectangle 11">
-            <a:extLst>
-              <a:ext uri="{FF2B5EF4-FFF2-40B4-BE49-F238E27FC236}">
-                <a16:creationId xmlns:a16="http://schemas.microsoft.com/office/drawing/2014/main" id="{7C00E1DA-EC7C-40FC-95E3-11FDCD2E4291}"/>
-              </a:ext>
-              <a:ext uri="{C183D7F6-B498-43B3-948B-1728B52AA6E4}">
-                <adec:decorative xmlns:adec="http://schemas.microsoft.com/office/drawing/2017/decorative" xmlns="" val="1"/>
-              </a:ext>
-            </a:extLst>
-          </p:cNvPr>
-          <p:cNvSpPr>
-            <a:spLocks noGrp="1" noRot="1" noChangeAspect="1" noMove="1" noResize="1" noEditPoints="1" noAdjustHandles="1" noChangeArrowheads="1" noChangeShapeType="1" noTextEdit="1"/>
-          </p:cNvSpPr>
-          <p:nvPr>
-            <p:extLst>
-              <p:ext uri="{386F3935-93C4-4BCD-93E2-E3B085C9AB24}">
-                <p16:designElem xmlns:p16="http://schemas.microsoft.com/office/powerpoint/2015/main" val="1"/>
-              </p:ext>
-            </p:extLst>
-          </p:nvPr>
-        </p:nvSpPr>
-        <p:spPr>
-          <a:xfrm>
-            <a:off x="8042147" y="723899"/>
-            <a:ext cx="3703320" cy="5666666"/>
-          </a:xfrm>
-          <a:prstGeom prst="rect">
-            <a:avLst/>
-          </a:prstGeom>
-          <a:solidFill>
-            <a:schemeClr val="accent1"/>
-          </a:solidFill>
-          <a:ln>
-            <a:noFill/>
-          </a:ln>
-          <a:effectLst/>
-        </p:spPr>
-        <p:style>
-          <a:lnRef idx="1">
-            <a:schemeClr val="accent1"/>
-          </a:lnRef>
-          <a:fillRef idx="3">
-            <a:schemeClr val="accent1"/>
-          </a:fillRef>
-          <a:effectRef idx="2">
-            <a:schemeClr val="accent1"/>
-          </a:effectRef>
-          <a:fontRef idx="minor">
-            <a:schemeClr val="lt1"/>
-          </a:fontRef>
-        </p:style>
-      </p:sp>
-      <p:sp>
-        <p:nvSpPr>
-          <p:cNvPr id="2" name="Title 1">
-            <a:extLst>
-              <a:ext uri="{FF2B5EF4-FFF2-40B4-BE49-F238E27FC236}">
-                <a16:creationId xmlns:a16="http://schemas.microsoft.com/office/drawing/2014/main" id="{0F87E73C-2B1A-4602-BFBE-CFE1E55D9B38}"/>
-              </a:ext>
-            </a:extLst>
-          </p:cNvPr>
+          <p:cNvPr id="2" name="Title 1"/>
           <p:cNvSpPr>
             <a:spLocks noGrp="1"/>
           </p:cNvSpPr>
           <p:nvPr>
-            <p:ph type="ctrTitle"/>
+            <p:ph type="title"/>
           </p:nvPr>
         </p:nvSpPr>
-        <p:spPr>
-          <a:xfrm>
-            <a:off x="8296275" y="1419226"/>
-            <a:ext cx="3081576" cy="1746762"/>
-          </a:xfrm>
-        </p:spPr>
+        <p:spPr/>
         <p:txBody>
-          <a:bodyPr>
-            <a:normAutofit/>
-          </a:bodyPr>
+          <a:bodyPr/>
           <a:lstStyle/>
           <a:p>
             <a:r>
-              <a:rPr lang="en-US" dirty="0">
-                <a:solidFill>
-                  <a:srgbClr val="FFFFFF"/>
-                </a:solidFill>
-              </a:rPr>
-              <a:t>Thank You</a:t>
-            </a:r>
+              <a:rPr lang="en-US" dirty="0" err="1" smtClean="0"/>
+              <a:t>Hasil</a:t>
+            </a:r>
+            <a:r>
+              <a:rPr lang="en-US" dirty="0" smtClean="0"/>
+              <a:t> yang </a:t>
+            </a:r>
+            <a:r>
+              <a:rPr lang="en-US" dirty="0" err="1" smtClean="0"/>
+              <a:t>diharapkan</a:t>
+            </a:r>
+            <a:endParaRPr lang="en-US" dirty="0"/>
           </a:p>
         </p:txBody>
       </p:sp>
       <p:sp>
         <p:nvSpPr>
-          <p:cNvPr id="3" name="Subtitle 2">
-            <a:extLst>
-              <a:ext uri="{FF2B5EF4-FFF2-40B4-BE49-F238E27FC236}">
-                <a16:creationId xmlns:a16="http://schemas.microsoft.com/office/drawing/2014/main" id="{A9CB511D-EA45-4336-847C-1252667143B5}"/>
-              </a:ext>
-            </a:extLst>
-          </p:cNvPr>
+          <p:cNvPr id="3" name="Content Placeholder 2"/>
           <p:cNvSpPr>
             <a:spLocks noGrp="1"/>
           </p:cNvSpPr>
           <p:nvPr>
-            <p:ph type="subTitle" idx="1"/>
+            <p:ph idx="1"/>
           </p:nvPr>
         </p:nvSpPr>
-        <p:spPr>
-          <a:xfrm>
-            <a:off x="8296275" y="3505095"/>
-            <a:ext cx="3081576" cy="2629006"/>
-          </a:xfrm>
-        </p:spPr>
+        <p:spPr/>
         <p:txBody>
-          <a:bodyPr>
-            <a:normAutofit/>
-          </a:bodyPr>
+          <a:bodyPr anchor="t"/>
           <a:lstStyle/>
           <a:p>
-            <a:r>
-              <a:rPr lang="en-US" dirty="0">
-                <a:solidFill>
-                  <a:schemeClr val="bg2"/>
-                </a:solidFill>
-              </a:rPr>
-              <a:t>someone@example.com</a:t>
-            </a:r>
-          </a:p>
-          <a:p>
-            <a:endParaRPr lang="en-US" dirty="0">
-              <a:solidFill>
-                <a:schemeClr val="bg2"/>
-              </a:solidFill>
-            </a:endParaRPr>
-          </a:p>
-          <a:p>
-            <a:endParaRPr lang="en-US" dirty="0">
-              <a:solidFill>
-                <a:schemeClr val="bg2"/>
-              </a:solidFill>
-            </a:endParaRPr>
+            <a:endParaRPr lang="en-US" dirty="0"/>
           </a:p>
         </p:txBody>
       </p:sp>
-      <p:grpSp>
-        <p:nvGrpSpPr>
-          <p:cNvPr id="14" name="Group 13">
-            <a:extLst>
-              <a:ext uri="{FF2B5EF4-FFF2-40B4-BE49-F238E27FC236}">
-                <a16:creationId xmlns:a16="http://schemas.microsoft.com/office/drawing/2014/main" id="{9A421166-2996-41A7-B094-AE5316F347DD}"/>
-              </a:ext>
-              <a:ext uri="{C183D7F6-B498-43B3-948B-1728B52AA6E4}">
-                <adec:decorative xmlns:adec="http://schemas.microsoft.com/office/drawing/2017/decorative" xmlns="" val="1"/>
-              </a:ext>
-            </a:extLst>
-          </p:cNvPr>
-          <p:cNvGrpSpPr>
-            <a:grpSpLocks noGrp="1" noUngrp="1" noRot="1" noChangeAspect="1" noMove="1" noResize="1"/>
-          </p:cNvGrpSpPr>
-          <p:nvPr>
-            <p:extLst>
-              <p:ext uri="{386F3935-93C4-4BCD-93E2-E3B085C9AB24}">
-                <p16:designElem xmlns:p16="http://schemas.microsoft.com/office/powerpoint/2015/main" val="1"/>
-              </p:ext>
-            </p:extLst>
-          </p:nvPr>
-        </p:nvGrpSpPr>
-        <p:grpSpPr>
-          <a:xfrm>
-            <a:off x="446534" y="453643"/>
-            <a:ext cx="11298933" cy="98554"/>
-            <a:chOff x="446534" y="453643"/>
-            <a:chExt cx="11298933" cy="98554"/>
-          </a:xfrm>
-        </p:grpSpPr>
-        <p:sp>
-          <p:nvSpPr>
-            <p:cNvPr id="15" name="Rectangle 14">
-              <a:extLst>
-                <a:ext uri="{FF2B5EF4-FFF2-40B4-BE49-F238E27FC236}">
-                  <a16:creationId xmlns:a16="http://schemas.microsoft.com/office/drawing/2014/main" id="{FDBB1B92-A3EB-43E4-8FAB-D20E8ED14CEF}"/>
-                </a:ext>
-                <a:ext uri="{C183D7F6-B498-43B3-948B-1728B52AA6E4}">
-                  <adec:decorative xmlns:adec="http://schemas.microsoft.com/office/drawing/2017/decorative" xmlns="" val="1"/>
-                </a:ext>
-              </a:extLst>
-            </p:cNvPr>
-            <p:cNvSpPr/>
-            <p:nvPr>
-              <p:extLst>
-                <p:ext uri="{386F3935-93C4-4BCD-93E2-E3B085C9AB24}">
-                  <p16:designElem xmlns:p16="http://schemas.microsoft.com/office/powerpoint/2015/main" val="1"/>
-                </p:ext>
-              </p:extLst>
-            </p:nvPr>
-          </p:nvSpPr>
-          <p:spPr>
-            <a:xfrm>
-              <a:off x="446534" y="457200"/>
-              <a:ext cx="3703320" cy="94997"/>
-            </a:xfrm>
-            <a:prstGeom prst="rect">
-              <a:avLst/>
-            </a:prstGeom>
-            <a:solidFill>
-              <a:schemeClr val="accent1"/>
-            </a:solidFill>
-            <a:ln>
-              <a:noFill/>
-            </a:ln>
-            <a:effectLst/>
-          </p:spPr>
-          <p:style>
-            <a:lnRef idx="1">
-              <a:schemeClr val="accent1"/>
-            </a:lnRef>
-            <a:fillRef idx="3">
-              <a:schemeClr val="accent1"/>
-            </a:fillRef>
-            <a:effectRef idx="2">
-              <a:schemeClr val="accent1"/>
-            </a:effectRef>
-            <a:fontRef idx="minor">
-              <a:schemeClr val="lt1"/>
-            </a:fontRef>
-          </p:style>
-        </p:sp>
-        <p:sp>
-          <p:nvSpPr>
-            <p:cNvPr id="16" name="Rectangle 15">
-              <a:extLst>
-                <a:ext uri="{FF2B5EF4-FFF2-40B4-BE49-F238E27FC236}">
-                  <a16:creationId xmlns:a16="http://schemas.microsoft.com/office/drawing/2014/main" id="{3F3972F4-FE7E-48EA-AAD8-9BE5750A6672}"/>
-                </a:ext>
-                <a:ext uri="{C183D7F6-B498-43B3-948B-1728B52AA6E4}">
-                  <adec:decorative xmlns:adec="http://schemas.microsoft.com/office/drawing/2017/decorative" xmlns="" val="1"/>
-                </a:ext>
-              </a:extLst>
-            </p:cNvPr>
-            <p:cNvSpPr/>
-            <p:nvPr>
-              <p:extLst>
-                <p:ext uri="{386F3935-93C4-4BCD-93E2-E3B085C9AB24}">
-                  <p16:designElem xmlns:p16="http://schemas.microsoft.com/office/powerpoint/2015/main" val="1"/>
-                </p:ext>
-              </p:extLst>
-            </p:nvPr>
-          </p:nvSpPr>
-          <p:spPr>
-            <a:xfrm>
-              <a:off x="8042147" y="453643"/>
-              <a:ext cx="3703320" cy="98554"/>
-            </a:xfrm>
-            <a:prstGeom prst="rect">
-              <a:avLst/>
-            </a:prstGeom>
-            <a:solidFill>
-              <a:schemeClr val="accent4"/>
-            </a:solidFill>
-            <a:ln>
-              <a:noFill/>
-            </a:ln>
-            <a:effectLst/>
-          </p:spPr>
-          <p:style>
-            <a:lnRef idx="1">
-              <a:schemeClr val="accent1"/>
-            </a:lnRef>
-            <a:fillRef idx="3">
-              <a:schemeClr val="accent1"/>
-            </a:fillRef>
-            <a:effectRef idx="2">
-              <a:schemeClr val="accent1"/>
-            </a:effectRef>
-            <a:fontRef idx="minor">
-              <a:schemeClr val="lt1"/>
-            </a:fontRef>
-          </p:style>
-        </p:sp>
-        <p:sp>
-          <p:nvSpPr>
-            <p:cNvPr id="17" name="Rectangle 16">
-              <a:extLst>
-                <a:ext uri="{FF2B5EF4-FFF2-40B4-BE49-F238E27FC236}">
-                  <a16:creationId xmlns:a16="http://schemas.microsoft.com/office/drawing/2014/main" id="{221614E5-870B-4D5E-A43B-8FF7E5323484}"/>
-                </a:ext>
-                <a:ext uri="{C183D7F6-B498-43B3-948B-1728B52AA6E4}">
-                  <adec:decorative xmlns:adec="http://schemas.microsoft.com/office/drawing/2017/decorative" xmlns="" val="1"/>
-                </a:ext>
-              </a:extLst>
-            </p:cNvPr>
-            <p:cNvSpPr/>
-            <p:nvPr>
-              <p:extLst>
-                <p:ext uri="{386F3935-93C4-4BCD-93E2-E3B085C9AB24}">
-                  <p16:designElem xmlns:p16="http://schemas.microsoft.com/office/powerpoint/2015/main" val="1"/>
-                </p:ext>
-              </p:extLst>
-            </p:nvPr>
-          </p:nvSpPr>
-          <p:spPr>
-            <a:xfrm>
-              <a:off x="4241830" y="457200"/>
-              <a:ext cx="3703320" cy="91440"/>
-            </a:xfrm>
-            <a:prstGeom prst="rect">
-              <a:avLst/>
-            </a:prstGeom>
-            <a:solidFill>
-              <a:schemeClr val="accent2"/>
-            </a:solidFill>
-            <a:ln>
-              <a:noFill/>
-            </a:ln>
-            <a:effectLst/>
-          </p:spPr>
-          <p:style>
-            <a:lnRef idx="1">
-              <a:schemeClr val="accent1"/>
-            </a:lnRef>
-            <a:fillRef idx="3">
-              <a:schemeClr val="accent1"/>
-            </a:fillRef>
-            <a:effectRef idx="2">
-              <a:schemeClr val="accent1"/>
-            </a:effectRef>
-            <a:fontRef idx="minor">
-              <a:schemeClr val="lt1"/>
-            </a:fontRef>
-          </p:style>
-        </p:sp>
-      </p:grpSp>
     </p:spTree>
     <p:extLst>
       <p:ext uri="{BB962C8B-B14F-4D97-AF65-F5344CB8AC3E}">
-        <p14:creationId xmlns:p14="http://schemas.microsoft.com/office/powerpoint/2010/main" val="3501347425"/>
+        <p14:creationId xmlns:p14="http://schemas.microsoft.com/office/powerpoint/2010/main" val="887583048"/>
       </p:ext>
     </p:extLst>
   </p:cSld>
   <p:clrMapOvr>
     <a:masterClrMapping/>
   </p:clrMapOvr>
+  <p:timing>
+    <p:tnLst>
+      <p:par>
+        <p:cTn id="1" dur="indefinite" restart="never" nodeType="tmRoot"/>
+      </p:par>
+    </p:tnLst>
+  </p:timing>
 </p:sld>
 </file>
 
@@ -16120,15 +13051,6 @@
 </file>
 
 <file path=customXml/item2.xml><?xml version="1.0" encoding="utf-8"?>
-<?mso-contentType ?>
-<FormTemplates xmlns="http://schemas.microsoft.com/sharepoint/v3/contenttype/forms">
-  <Display>DocumentLibraryForm</Display>
-  <Edit>DocumentLibraryForm</Edit>
-  <New>DocumentLibraryForm</New>
-</FormTemplates>
-</file>
-
-<file path=customXml/item3.xml><?xml version="1.0" encoding="utf-8"?>
 <ct:contentTypeSchema xmlns:ct="http://schemas.microsoft.com/office/2006/metadata/contentType" xmlns:ma="http://schemas.microsoft.com/office/2006/metadata/properties/metaAttributes" ct:_="" ma:_="" ma:contentTypeName="Document" ma:contentTypeID="0x01010079F111ED35F8CC479449609E8A0923A6" ma:contentTypeVersion="12" ma:contentTypeDescription="Create a new document." ma:contentTypeScope="" ma:versionID="b385d60f68dd989dca1fdc827799d853">
   <xsd:schema xmlns:xsd="http://www.w3.org/2001/XMLSchema" xmlns:xs="http://www.w3.org/2001/XMLSchema" xmlns:p="http://schemas.microsoft.com/office/2006/metadata/properties" xmlns:ns2="71af3243-3dd4-4a8d-8c0d-dd76da1f02a5" xmlns:ns3="16c05727-aa75-4e4a-9b5f-8a80a1165891" targetNamespace="http://schemas.microsoft.com/office/2006/metadata/properties" ma:root="true" ma:fieldsID="1911b479caf7b199da365455750e4572" ns2:_="" ns3:_="">
     <xsd:import namespace="71af3243-3dd4-4a8d-8c0d-dd76da1f02a5"/>
@@ -16349,6 +13271,15 @@
 </ct:contentTypeSchema>
 </file>
 
+<file path=customXml/item3.xml><?xml version="1.0" encoding="utf-8"?>
+<?mso-contentType ?>
+<FormTemplates xmlns="http://schemas.microsoft.com/sharepoint/v3/contenttype/forms">
+  <Display>DocumentLibraryForm</Display>
+  <Edit>DocumentLibraryForm</Edit>
+  <New>DocumentLibraryForm</New>
+</FormTemplates>
+</file>
+
 <file path=customXml/itemProps1.xml><?xml version="1.0" encoding="utf-8"?>
 <ds:datastoreItem xmlns:ds="http://schemas.openxmlformats.org/officeDocument/2006/customXml" ds:itemID="{FF5C8BF1-B0E4-49A1-808F-40F2AD30E743}">
   <ds:schemaRefs>
@@ -16367,14 +13298,6 @@
 </file>
 
 <file path=customXml/itemProps2.xml><?xml version="1.0" encoding="utf-8"?>
-<ds:datastoreItem xmlns:ds="http://schemas.openxmlformats.org/officeDocument/2006/customXml" ds:itemID="{E3FC8A1C-A436-42C0-AC33-FAFFFAF219BC}">
-  <ds:schemaRefs>
-    <ds:schemaRef ds:uri="http://schemas.microsoft.com/sharepoint/v3/contenttype/forms"/>
-  </ds:schemaRefs>
-</ds:datastoreItem>
-</file>
-
-<file path=customXml/itemProps3.xml><?xml version="1.0" encoding="utf-8"?>
 <ds:datastoreItem xmlns:ds="http://schemas.openxmlformats.org/officeDocument/2006/customXml" ds:itemID="{E3852F5D-AAE7-473B-9767-8875B60BC63B}">
   <ds:schemaRefs>
     <ds:schemaRef ds:uri="http://schemas.microsoft.com/office/2006/metadata/contentType"/>
@@ -16391,4 +13314,12 @@
     <ds:schemaRef ds:uri="http://schemas.microsoft.com/internal/obd"/>
   </ds:schemaRefs>
 </ds:datastoreItem>
+</file>
+
+<file path=customXml/itemProps3.xml><?xml version="1.0" encoding="utf-8"?>
+<ds:datastoreItem xmlns:ds="http://schemas.openxmlformats.org/officeDocument/2006/customXml" ds:itemID="{E3FC8A1C-A436-42C0-AC33-FAFFFAF219BC}">
+  <ds:schemaRefs>
+    <ds:schemaRef ds:uri="http://schemas.microsoft.com/sharepoint/v3/contenttype/forms"/>
+  </ds:schemaRefs>
+</ds:datastoreItem>
 </file>